--- a/C# Project.pptx
+++ b/C# Project.pptx
@@ -5,16 +5,18 @@
     <p:sldMasterId id="2147483660" r:id="rId1"/>
   </p:sldMasterIdLst>
   <p:notesMasterIdLst>
-    <p:notesMasterId r:id="rId9"/>
+    <p:notesMasterId r:id="rId11"/>
   </p:notesMasterIdLst>
   <p:sldIdLst>
     <p:sldId id="257" r:id="rId2"/>
-    <p:sldId id="258" r:id="rId3"/>
+    <p:sldId id="271" r:id="rId3"/>
     <p:sldId id="259" r:id="rId4"/>
     <p:sldId id="260" r:id="rId5"/>
-    <p:sldId id="261" r:id="rId6"/>
-    <p:sldId id="262" r:id="rId7"/>
-    <p:sldId id="263" r:id="rId8"/>
+    <p:sldId id="267" r:id="rId6"/>
+    <p:sldId id="269" r:id="rId7"/>
+    <p:sldId id="272" r:id="rId8"/>
+    <p:sldId id="270" r:id="rId9"/>
+    <p:sldId id="268" r:id="rId10"/>
   </p:sldIdLst>
   <p:sldSz cx="9144000" cy="5143500" type="screen16x9"/>
   <p:notesSz cx="6858000" cy="9144000"/>
@@ -203,7 +205,7 @@
           <a:p>
             <a:fld id="{E800020C-8D7C-4561-B568-FBC8D0EAF1DF}" type="datetimeFigureOut">
               <a:rPr lang="en-US" smtClean="0"/>
-              <a:t>2/17/2018</a:t>
+              <a:t>2/28/2018</a:t>
             </a:fld>
             <a:endParaRPr lang="en-US"/>
           </a:p>
@@ -2592,10 +2594,10 @@
       </p:grpSpPr>
       <p:sp>
         <p:nvSpPr>
-          <p:cNvPr id="2" name="Content Placeholder 1">
+          <p:cNvPr id="2" name="Title 1">
             <a:extLst>
               <a:ext uri="{FF2B5EF4-FFF2-40B4-BE49-F238E27FC236}">
-                <a16:creationId xmlns:a16="http://schemas.microsoft.com/office/drawing/2014/main" id="{5C0F1935-BF7A-4536-9740-466FDD274B55}"/>
+                <a16:creationId xmlns:a16="http://schemas.microsoft.com/office/drawing/2014/main" id="{0614E3BD-478F-4882-A883-9D5A9E2915DF}"/>
               </a:ext>
             </a:extLst>
           </p:cNvPr>
@@ -2603,7 +2605,7 @@
             <a:spLocks noGrp="1"/>
           </p:cNvSpPr>
           <p:nvPr>
-            <p:ph idx="1"/>
+            <p:ph type="title"/>
           </p:nvPr>
         </p:nvSpPr>
         <p:spPr/>
@@ -2613,30 +2615,7 @@
           <a:p>
             <a:r>
               <a:rPr lang="en-US" dirty="0"/>
-              <a:t>Mary Husain</a:t>
-            </a:r>
-          </a:p>
-          <a:p>
-            <a:r>
-              <a:rPr lang="en-US" dirty="0"/>
-              <a:t>Michal </a:t>
-            </a:r>
-            <a:r>
-              <a:rPr lang="en-US" dirty="0" err="1"/>
-              <a:t>Porubcin</a:t>
-            </a:r>
-            <a:endParaRPr lang="en-US" dirty="0"/>
-          </a:p>
-          <a:p>
-            <a:r>
-              <a:rPr lang="en-US" dirty="0"/>
-              <a:t>Andrew Quijano</a:t>
-            </a:r>
-          </a:p>
-          <a:p>
-            <a:r>
-              <a:rPr lang="en-US" dirty="0"/>
-              <a:t>Bryce Yoo</a:t>
+              <a:t>Overview</a:t>
             </a:r>
           </a:p>
         </p:txBody>
@@ -2646,7 +2625,7 @@
           <p:cNvPr id="3" name="Footer Placeholder 2">
             <a:extLst>
               <a:ext uri="{FF2B5EF4-FFF2-40B4-BE49-F238E27FC236}">
-                <a16:creationId xmlns:a16="http://schemas.microsoft.com/office/drawing/2014/main" id="{2DDAEA77-A3A3-41CF-9E79-38786B29C8AF}"/>
+                <a16:creationId xmlns:a16="http://schemas.microsoft.com/office/drawing/2014/main" id="{1CF93BED-3854-4775-8325-418CCAA2B483}"/>
               </a:ext>
             </a:extLst>
           </p:cNvPr>
@@ -2672,38 +2651,10 @@
       </p:sp>
       <p:sp>
         <p:nvSpPr>
-          <p:cNvPr id="4" name="Title 3">
+          <p:cNvPr id="4" name="Slide Number Placeholder 3">
             <a:extLst>
               <a:ext uri="{FF2B5EF4-FFF2-40B4-BE49-F238E27FC236}">
-                <a16:creationId xmlns:a16="http://schemas.microsoft.com/office/drawing/2014/main" id="{322072E9-14BE-47EB-86F1-3681179B12C9}"/>
-              </a:ext>
-            </a:extLst>
-          </p:cNvPr>
-          <p:cNvSpPr>
-            <a:spLocks noGrp="1"/>
-          </p:cNvSpPr>
-          <p:nvPr>
-            <p:ph type="title"/>
-          </p:nvPr>
-        </p:nvSpPr>
-        <p:spPr/>
-        <p:txBody>
-          <a:bodyPr/>
-          <a:lstStyle/>
-          <a:p>
-            <a:r>
-              <a:rPr lang="en-US" dirty="0"/>
-              <a:t>Members</a:t>
-            </a:r>
-          </a:p>
-        </p:txBody>
-      </p:sp>
-      <p:sp>
-        <p:nvSpPr>
-          <p:cNvPr id="5" name="Slide Number Placeholder 4">
-            <a:extLst>
-              <a:ext uri="{FF2B5EF4-FFF2-40B4-BE49-F238E27FC236}">
-                <a16:creationId xmlns:a16="http://schemas.microsoft.com/office/drawing/2014/main" id="{B31D6DDD-88BF-4A82-A17E-DD335331003E}"/>
+                <a16:creationId xmlns:a16="http://schemas.microsoft.com/office/drawing/2014/main" id="{418E7D2B-BFEF-4415-B5FA-2A7E5F537E52}"/>
               </a:ext>
             </a:extLst>
           </p:cNvPr>
@@ -2714,7 +2665,12 @@
             <p:ph type="sldNum" sz="quarter" idx="12"/>
           </p:nvPr>
         </p:nvSpPr>
-        <p:spPr/>
+        <p:spPr>
+          <a:xfrm>
+            <a:off x="4396253" y="4696755"/>
+            <a:ext cx="351492" cy="221242"/>
+          </a:xfrm>
+        </p:spPr>
         <p:txBody>
           <a:bodyPr/>
           <a:lstStyle/>
@@ -2728,10 +2684,1121 @@
           </a:p>
         </p:txBody>
       </p:sp>
+      <p:grpSp>
+        <p:nvGrpSpPr>
+          <p:cNvPr id="5" name="Group 12">
+            <a:extLst>
+              <a:ext uri="{FF2B5EF4-FFF2-40B4-BE49-F238E27FC236}">
+                <a16:creationId xmlns:a16="http://schemas.microsoft.com/office/drawing/2014/main" id="{F58107D9-5A6C-46B3-B0CE-2C9800ED0535}"/>
+              </a:ext>
+            </a:extLst>
+          </p:cNvPr>
+          <p:cNvGrpSpPr>
+            <a:grpSpLocks/>
+          </p:cNvGrpSpPr>
+          <p:nvPr/>
+        </p:nvGrpSpPr>
+        <p:grpSpPr bwMode="auto">
+          <a:xfrm>
+            <a:off x="1179713" y="873510"/>
+            <a:ext cx="1660029" cy="3600400"/>
+            <a:chOff x="300" y="872"/>
+            <a:chExt cx="1847" cy="3834"/>
+          </a:xfrm>
+        </p:grpSpPr>
+        <p:sp>
+          <p:nvSpPr>
+            <p:cNvPr id="6" name="Text Box 10">
+              <a:extLst>
+                <a:ext uri="{FF2B5EF4-FFF2-40B4-BE49-F238E27FC236}">
+                  <a16:creationId xmlns:a16="http://schemas.microsoft.com/office/drawing/2014/main" id="{7D48EB70-E8D2-4B18-8145-A2CF3305AC4A}"/>
+                </a:ext>
+              </a:extLst>
+            </p:cNvPr>
+            <p:cNvSpPr txBox="1">
+              <a:spLocks noChangeArrowheads="1"/>
+            </p:cNvSpPr>
+            <p:nvPr/>
+          </p:nvSpPr>
+          <p:spPr bwMode="auto">
+            <a:xfrm>
+              <a:off x="300" y="872"/>
+              <a:ext cx="1847" cy="199"/>
+            </a:xfrm>
+            <a:prstGeom prst="rect">
+              <a:avLst/>
+            </a:prstGeom>
+            <a:solidFill>
+              <a:srgbClr val="002060"/>
+            </a:solidFill>
+            <a:ln w="12700" algn="ctr">
+              <a:solidFill>
+                <a:srgbClr val="002060"/>
+              </a:solidFill>
+              <a:miter lim="800000"/>
+              <a:headEnd/>
+              <a:tailEnd type="none" w="sm" len="med"/>
+            </a:ln>
+          </p:spPr>
+          <p:txBody>
+            <a:bodyPr lIns="30089" tIns="30089" rIns="30089" bIns="30089" anchor="ctr" anchorCtr="1"/>
+            <a:lstStyle/>
+            <a:p>
+              <a:pPr algn="ctr" defTabSz="717911"/>
+              <a:r>
+                <a:rPr lang="en-US" sz="1050" b="1" dirty="0">
+                  <a:solidFill>
+                    <a:srgbClr val="FFFFFF"/>
+                  </a:solidFill>
+                </a:rPr>
+                <a:t>Core Functionality</a:t>
+              </a:r>
+            </a:p>
+          </p:txBody>
+        </p:sp>
+        <p:sp>
+          <p:nvSpPr>
+            <p:cNvPr id="7" name="Rectangle 6">
+              <a:extLst>
+                <a:ext uri="{FF2B5EF4-FFF2-40B4-BE49-F238E27FC236}">
+                  <a16:creationId xmlns:a16="http://schemas.microsoft.com/office/drawing/2014/main" id="{6DC6B19D-4908-43EA-9338-A9ED31448F29}"/>
+                </a:ext>
+              </a:extLst>
+            </p:cNvPr>
+            <p:cNvSpPr>
+              <a:spLocks noChangeArrowheads="1"/>
+            </p:cNvSpPr>
+            <p:nvPr/>
+          </p:nvSpPr>
+          <p:spPr bwMode="auto">
+            <a:xfrm>
+              <a:off x="300" y="1071"/>
+              <a:ext cx="1847" cy="3635"/>
+            </a:xfrm>
+            <a:prstGeom prst="rect">
+              <a:avLst/>
+            </a:prstGeom>
+            <a:noFill/>
+            <a:ln w="12700" algn="ctr">
+              <a:solidFill>
+                <a:srgbClr val="002060"/>
+              </a:solidFill>
+              <a:miter lim="800000"/>
+              <a:headEnd/>
+              <a:tailEnd/>
+            </a:ln>
+          </p:spPr>
+          <p:txBody>
+            <a:bodyPr lIns="30089" tIns="30089" rIns="30089" bIns="30089"/>
+            <a:lstStyle/>
+            <a:p>
+              <a:pPr marL="171450" indent="-171450" defTabSz="718463">
+                <a:lnSpc>
+                  <a:spcPct val="106000"/>
+                </a:lnSpc>
+                <a:spcBef>
+                  <a:spcPts val="1008"/>
+                </a:spcBef>
+                <a:spcAft>
+                  <a:spcPts val="0"/>
+                </a:spcAft>
+                <a:buFont typeface="Arial" panose="020B0604020202020204" pitchFamily="34" charset="0"/>
+                <a:buChar char="•"/>
+                <a:defRPr/>
+              </a:pPr>
+              <a:r>
+                <a:rPr lang="nl-NL" sz="1200" dirty="0">
+                  <a:solidFill>
+                    <a:srgbClr val="002776"/>
+                  </a:solidFill>
+                  <a:latin typeface="Arial"/>
+                </a:rPr>
+                <a:t>Online ATM</a:t>
+              </a:r>
+              <a:endParaRPr lang="nl-NL" sz="1200" dirty="0">
+                <a:solidFill>
+                  <a:srgbClr val="002776"/>
+                </a:solidFill>
+                <a:latin typeface="Arial"/>
+                <a:cs typeface="+mn-cs"/>
+              </a:endParaRPr>
+            </a:p>
+            <a:p>
+              <a:pPr marL="171450" indent="-171450" defTabSz="718463">
+                <a:lnSpc>
+                  <a:spcPct val="106000"/>
+                </a:lnSpc>
+                <a:spcBef>
+                  <a:spcPts val="1008"/>
+                </a:spcBef>
+                <a:spcAft>
+                  <a:spcPts val="0"/>
+                </a:spcAft>
+                <a:buFont typeface="Arial" panose="020B0604020202020204" pitchFamily="34" charset="0"/>
+                <a:buChar char="•"/>
+                <a:defRPr/>
+              </a:pPr>
+              <a:r>
+                <a:rPr lang="nl-NL" sz="1200" dirty="0">
+                  <a:solidFill>
+                    <a:srgbClr val="002776"/>
+                  </a:solidFill>
+                  <a:latin typeface="Arial"/>
+                  <a:cs typeface="+mn-cs"/>
+                </a:rPr>
+                <a:t>User Accounts</a:t>
+              </a:r>
+            </a:p>
+            <a:p>
+              <a:pPr marL="171450" indent="-171450" defTabSz="718463">
+                <a:lnSpc>
+                  <a:spcPct val="106000"/>
+                </a:lnSpc>
+                <a:spcBef>
+                  <a:spcPts val="1008"/>
+                </a:spcBef>
+                <a:spcAft>
+                  <a:spcPts val="0"/>
+                </a:spcAft>
+                <a:buFont typeface="Arial" panose="020B0604020202020204" pitchFamily="34" charset="0"/>
+                <a:buChar char="•"/>
+                <a:defRPr/>
+              </a:pPr>
+              <a:r>
+                <a:rPr lang="nl-NL" sz="1200" dirty="0">
+                  <a:solidFill>
+                    <a:srgbClr val="002776"/>
+                  </a:solidFill>
+                  <a:latin typeface="Arial"/>
+                </a:rPr>
+                <a:t>Tools &amp; Services</a:t>
+              </a:r>
+            </a:p>
+          </p:txBody>
+        </p:sp>
+      </p:grpSp>
+      <p:grpSp>
+        <p:nvGrpSpPr>
+          <p:cNvPr id="8" name="Group 12">
+            <a:extLst>
+              <a:ext uri="{FF2B5EF4-FFF2-40B4-BE49-F238E27FC236}">
+                <a16:creationId xmlns:a16="http://schemas.microsoft.com/office/drawing/2014/main" id="{57D0B560-DDB3-4D32-92F6-C46A95C89A17}"/>
+              </a:ext>
+            </a:extLst>
+          </p:cNvPr>
+          <p:cNvGrpSpPr>
+            <a:grpSpLocks/>
+          </p:cNvGrpSpPr>
+          <p:nvPr/>
+        </p:nvGrpSpPr>
+        <p:grpSpPr bwMode="auto">
+          <a:xfrm>
+            <a:off x="2887034" y="873510"/>
+            <a:ext cx="1661319" cy="3600400"/>
+            <a:chOff x="300" y="872"/>
+            <a:chExt cx="1847" cy="3834"/>
+          </a:xfrm>
+        </p:grpSpPr>
+        <p:sp>
+          <p:nvSpPr>
+            <p:cNvPr id="9" name="Text Box 10">
+              <a:extLst>
+                <a:ext uri="{FF2B5EF4-FFF2-40B4-BE49-F238E27FC236}">
+                  <a16:creationId xmlns:a16="http://schemas.microsoft.com/office/drawing/2014/main" id="{BE72C895-12BC-4CA4-A01C-06BD26BA1DE8}"/>
+                </a:ext>
+              </a:extLst>
+            </p:cNvPr>
+            <p:cNvSpPr txBox="1">
+              <a:spLocks noChangeArrowheads="1"/>
+            </p:cNvSpPr>
+            <p:nvPr/>
+          </p:nvSpPr>
+          <p:spPr bwMode="auto">
+            <a:xfrm>
+              <a:off x="300" y="872"/>
+              <a:ext cx="1847" cy="199"/>
+            </a:xfrm>
+            <a:prstGeom prst="rect">
+              <a:avLst/>
+            </a:prstGeom>
+            <a:solidFill>
+              <a:srgbClr val="002060"/>
+            </a:solidFill>
+            <a:ln w="12700" algn="ctr">
+              <a:solidFill>
+                <a:srgbClr val="002060"/>
+              </a:solidFill>
+              <a:miter lim="800000"/>
+              <a:headEnd/>
+              <a:tailEnd type="none" w="sm" len="med"/>
+            </a:ln>
+          </p:spPr>
+          <p:txBody>
+            <a:bodyPr lIns="30089" tIns="30089" rIns="30089" bIns="30089" anchor="ctr" anchorCtr="1"/>
+            <a:lstStyle/>
+            <a:p>
+              <a:pPr algn="ctr" defTabSz="717911"/>
+              <a:r>
+                <a:rPr lang="en-US" sz="1050" b="1" dirty="0">
+                  <a:solidFill>
+                    <a:srgbClr val="FFFFFF"/>
+                  </a:solidFill>
+                </a:rPr>
+                <a:t>User Interface</a:t>
+              </a:r>
+            </a:p>
+          </p:txBody>
+        </p:sp>
+        <p:sp>
+          <p:nvSpPr>
+            <p:cNvPr id="10" name="Rectangle 9">
+              <a:extLst>
+                <a:ext uri="{FF2B5EF4-FFF2-40B4-BE49-F238E27FC236}">
+                  <a16:creationId xmlns:a16="http://schemas.microsoft.com/office/drawing/2014/main" id="{4F0B7552-6CA1-45BD-B2E3-DBFF8EE30750}"/>
+                </a:ext>
+              </a:extLst>
+            </p:cNvPr>
+            <p:cNvSpPr>
+              <a:spLocks noChangeArrowheads="1"/>
+            </p:cNvSpPr>
+            <p:nvPr/>
+          </p:nvSpPr>
+          <p:spPr bwMode="auto">
+            <a:xfrm>
+              <a:off x="300" y="1071"/>
+              <a:ext cx="1847" cy="3635"/>
+            </a:xfrm>
+            <a:prstGeom prst="rect">
+              <a:avLst/>
+            </a:prstGeom>
+            <a:noFill/>
+            <a:ln w="12700" algn="ctr">
+              <a:solidFill>
+                <a:srgbClr val="002060"/>
+              </a:solidFill>
+              <a:miter lim="800000"/>
+              <a:headEnd/>
+              <a:tailEnd/>
+            </a:ln>
+          </p:spPr>
+          <p:txBody>
+            <a:bodyPr lIns="30089" tIns="30089" rIns="30089" bIns="30089"/>
+            <a:lstStyle/>
+            <a:p>
+              <a:pPr defTabSz="718463">
+                <a:lnSpc>
+                  <a:spcPct val="106000"/>
+                </a:lnSpc>
+                <a:spcBef>
+                  <a:spcPts val="1008"/>
+                </a:spcBef>
+                <a:spcAft>
+                  <a:spcPts val="0"/>
+                </a:spcAft>
+                <a:defRPr/>
+              </a:pPr>
+              <a:r>
+                <a:rPr lang="nl-NL" sz="1050" dirty="0" err="1">
+                  <a:solidFill>
+                    <a:srgbClr val="002776"/>
+                  </a:solidFill>
+                  <a:latin typeface="Arial"/>
+                  <a:cs typeface="+mn-cs"/>
+                </a:rPr>
+                <a:t>Paragraph</a:t>
+              </a:r>
+              <a:r>
+                <a:rPr lang="nl-NL" sz="1050" dirty="0">
+                  <a:solidFill>
+                    <a:srgbClr val="002776"/>
+                  </a:solidFill>
+                  <a:latin typeface="Arial"/>
+                  <a:cs typeface="+mn-cs"/>
+                </a:rPr>
+                <a:t> (</a:t>
+              </a:r>
+              <a:r>
+                <a:rPr lang="nl-NL" sz="1050" dirty="0" err="1">
+                  <a:solidFill>
+                    <a:srgbClr val="002776"/>
+                  </a:solidFill>
+                  <a:latin typeface="Arial"/>
+                  <a:cs typeface="+mn-cs"/>
+                </a:rPr>
+                <a:t>if</a:t>
+              </a:r>
+              <a:r>
+                <a:rPr lang="nl-NL" sz="1050" dirty="0">
+                  <a:solidFill>
+                    <a:srgbClr val="002776"/>
+                  </a:solidFill>
+                  <a:latin typeface="Arial"/>
+                  <a:cs typeface="+mn-cs"/>
+                </a:rPr>
+                <a:t> </a:t>
+              </a:r>
+              <a:r>
+                <a:rPr lang="nl-NL" sz="1050" dirty="0" err="1">
+                  <a:solidFill>
+                    <a:srgbClr val="002776"/>
+                  </a:solidFill>
+                  <a:latin typeface="Arial"/>
+                  <a:cs typeface="+mn-cs"/>
+                </a:rPr>
+                <a:t>not</a:t>
+              </a:r>
+              <a:r>
+                <a:rPr lang="nl-NL" sz="1050" dirty="0">
+                  <a:solidFill>
+                    <a:srgbClr val="002776"/>
+                  </a:solidFill>
+                  <a:latin typeface="Arial"/>
+                  <a:cs typeface="+mn-cs"/>
+                </a:rPr>
+                <a:t> </a:t>
+              </a:r>
+              <a:r>
+                <a:rPr lang="nl-NL" sz="1050" dirty="0" err="1">
+                  <a:solidFill>
+                    <a:srgbClr val="002776"/>
+                  </a:solidFill>
+                  <a:latin typeface="Arial"/>
+                  <a:cs typeface="+mn-cs"/>
+                </a:rPr>
+                <a:t>needed</a:t>
+              </a:r>
+              <a:r>
+                <a:rPr lang="nl-NL" sz="1050" dirty="0">
+                  <a:solidFill>
+                    <a:srgbClr val="002776"/>
+                  </a:solidFill>
+                  <a:latin typeface="Arial"/>
+                  <a:cs typeface="+mn-cs"/>
+                </a:rPr>
+                <a:t>, delete)</a:t>
+              </a:r>
+            </a:p>
+            <a:p>
+              <a:pPr marL="143246" lvl="1" indent="-143246" defTabSz="718463">
+                <a:lnSpc>
+                  <a:spcPct val="106000"/>
+                </a:lnSpc>
+                <a:spcBef>
+                  <a:spcPts val="1008"/>
+                </a:spcBef>
+                <a:spcAft>
+                  <a:spcPts val="0"/>
+                </a:spcAft>
+                <a:buFont typeface="Arial" charset="0"/>
+                <a:buChar char="•"/>
+                <a:defRPr/>
+              </a:pPr>
+              <a:r>
+                <a:rPr lang="nl-NL" sz="1050" dirty="0">
+                  <a:solidFill>
+                    <a:srgbClr val="002776"/>
+                  </a:solidFill>
+                  <a:latin typeface="Arial"/>
+                  <a:ea typeface="+mj-ea"/>
+                  <a:cs typeface="+mj-cs"/>
+                </a:rPr>
+                <a:t>Bullet</a:t>
+              </a:r>
+            </a:p>
+            <a:p>
+              <a:pPr marL="280895" lvl="2" indent="-137651" defTabSz="718463">
+                <a:lnSpc>
+                  <a:spcPct val="106000"/>
+                </a:lnSpc>
+                <a:spcBef>
+                  <a:spcPts val="432"/>
+                </a:spcBef>
+                <a:spcAft>
+                  <a:spcPts val="0"/>
+                </a:spcAft>
+                <a:buFont typeface="Arial" charset="0"/>
+                <a:buChar char="‒"/>
+                <a:defRPr/>
+              </a:pPr>
+              <a:r>
+                <a:rPr lang="nl-NL" sz="900" dirty="0">
+                  <a:solidFill>
+                    <a:srgbClr val="002776"/>
+                  </a:solidFill>
+                  <a:latin typeface="Arial"/>
+                  <a:ea typeface="+mj-ea"/>
+                  <a:cs typeface="+mj-cs"/>
+                </a:rPr>
+                <a:t>Dash</a:t>
+              </a:r>
+            </a:p>
+            <a:p>
+              <a:pPr marL="424139" lvl="3" indent="-143246" defTabSz="718463">
+                <a:lnSpc>
+                  <a:spcPct val="106000"/>
+                </a:lnSpc>
+                <a:spcBef>
+                  <a:spcPts val="432"/>
+                </a:spcBef>
+                <a:spcAft>
+                  <a:spcPts val="0"/>
+                </a:spcAft>
+                <a:buFont typeface="Arial" charset="0"/>
+                <a:buChar char="•"/>
+                <a:defRPr/>
+              </a:pPr>
+              <a:r>
+                <a:rPr lang="nl-NL" sz="900" dirty="0">
+                  <a:solidFill>
+                    <a:srgbClr val="002776"/>
+                  </a:solidFill>
+                  <a:latin typeface="Arial"/>
+                  <a:ea typeface="+mj-ea"/>
+                  <a:cs typeface="+mj-cs"/>
+                </a:rPr>
+                <a:t>Subbullet</a:t>
+              </a:r>
+            </a:p>
+            <a:p>
+              <a:pPr marL="269705" indent="-269705" defTabSz="718463">
+                <a:lnSpc>
+                  <a:spcPct val="106000"/>
+                </a:lnSpc>
+                <a:spcBef>
+                  <a:spcPts val="1008"/>
+                </a:spcBef>
+                <a:spcAft>
+                  <a:spcPts val="0"/>
+                </a:spcAft>
+                <a:defRPr/>
+              </a:pPr>
+              <a:endParaRPr lang="nl-NL" sz="1050" dirty="0">
+                <a:solidFill>
+                  <a:srgbClr val="002776"/>
+                </a:solidFill>
+                <a:latin typeface="Arial"/>
+                <a:cs typeface="+mn-cs"/>
+              </a:endParaRPr>
+            </a:p>
+          </p:txBody>
+        </p:sp>
+      </p:grpSp>
+      <p:grpSp>
+        <p:nvGrpSpPr>
+          <p:cNvPr id="11" name="Group 12">
+            <a:extLst>
+              <a:ext uri="{FF2B5EF4-FFF2-40B4-BE49-F238E27FC236}">
+                <a16:creationId xmlns:a16="http://schemas.microsoft.com/office/drawing/2014/main" id="{BFACC9D3-1342-415B-9FCC-B0B2367916C3}"/>
+              </a:ext>
+            </a:extLst>
+          </p:cNvPr>
+          <p:cNvGrpSpPr>
+            <a:grpSpLocks/>
+          </p:cNvGrpSpPr>
+          <p:nvPr/>
+        </p:nvGrpSpPr>
+        <p:grpSpPr bwMode="auto">
+          <a:xfrm>
+            <a:off x="4595648" y="873510"/>
+            <a:ext cx="1661319" cy="3600400"/>
+            <a:chOff x="300" y="872"/>
+            <a:chExt cx="1847" cy="3834"/>
+          </a:xfrm>
+        </p:grpSpPr>
+        <p:sp>
+          <p:nvSpPr>
+            <p:cNvPr id="12" name="Text Box 10">
+              <a:extLst>
+                <a:ext uri="{FF2B5EF4-FFF2-40B4-BE49-F238E27FC236}">
+                  <a16:creationId xmlns:a16="http://schemas.microsoft.com/office/drawing/2014/main" id="{7B8C788B-9707-44A0-AB49-DB0A194D082E}"/>
+                </a:ext>
+              </a:extLst>
+            </p:cNvPr>
+            <p:cNvSpPr txBox="1">
+              <a:spLocks noChangeArrowheads="1"/>
+            </p:cNvSpPr>
+            <p:nvPr/>
+          </p:nvSpPr>
+          <p:spPr bwMode="auto">
+            <a:xfrm>
+              <a:off x="300" y="872"/>
+              <a:ext cx="1847" cy="199"/>
+            </a:xfrm>
+            <a:prstGeom prst="rect">
+              <a:avLst/>
+            </a:prstGeom>
+            <a:solidFill>
+              <a:srgbClr val="002060"/>
+            </a:solidFill>
+            <a:ln w="12700" algn="ctr">
+              <a:solidFill>
+                <a:srgbClr val="002060"/>
+              </a:solidFill>
+              <a:miter lim="800000"/>
+              <a:headEnd/>
+              <a:tailEnd type="none" w="sm" len="med"/>
+            </a:ln>
+          </p:spPr>
+          <p:txBody>
+            <a:bodyPr lIns="30089" tIns="30089" rIns="30089" bIns="30089" anchor="ctr" anchorCtr="1"/>
+            <a:lstStyle/>
+            <a:p>
+              <a:pPr algn="ctr" defTabSz="717911"/>
+              <a:r>
+                <a:rPr lang="en-US" sz="1050" b="1" dirty="0">
+                  <a:solidFill>
+                    <a:srgbClr val="FFFFFF"/>
+                  </a:solidFill>
+                </a:rPr>
+                <a:t>Encryption</a:t>
+              </a:r>
+            </a:p>
+          </p:txBody>
+        </p:sp>
+        <p:sp>
+          <p:nvSpPr>
+            <p:cNvPr id="13" name="Rectangle 12">
+              <a:extLst>
+                <a:ext uri="{FF2B5EF4-FFF2-40B4-BE49-F238E27FC236}">
+                  <a16:creationId xmlns:a16="http://schemas.microsoft.com/office/drawing/2014/main" id="{C36219C7-A5DF-432C-9607-1511CE64ECC5}"/>
+                </a:ext>
+              </a:extLst>
+            </p:cNvPr>
+            <p:cNvSpPr>
+              <a:spLocks noChangeArrowheads="1"/>
+            </p:cNvSpPr>
+            <p:nvPr/>
+          </p:nvSpPr>
+          <p:spPr bwMode="auto">
+            <a:xfrm>
+              <a:off x="300" y="1071"/>
+              <a:ext cx="1847" cy="3635"/>
+            </a:xfrm>
+            <a:prstGeom prst="rect">
+              <a:avLst/>
+            </a:prstGeom>
+            <a:noFill/>
+            <a:ln w="12700" algn="ctr">
+              <a:solidFill>
+                <a:srgbClr val="002060"/>
+              </a:solidFill>
+              <a:miter lim="800000"/>
+              <a:headEnd/>
+              <a:tailEnd/>
+            </a:ln>
+          </p:spPr>
+          <p:txBody>
+            <a:bodyPr lIns="30089" tIns="30089" rIns="30089" bIns="30089"/>
+            <a:lstStyle/>
+            <a:p>
+              <a:pPr defTabSz="718463">
+                <a:lnSpc>
+                  <a:spcPct val="106000"/>
+                </a:lnSpc>
+                <a:spcBef>
+                  <a:spcPts val="1008"/>
+                </a:spcBef>
+                <a:spcAft>
+                  <a:spcPts val="0"/>
+                </a:spcAft>
+                <a:defRPr/>
+              </a:pPr>
+              <a:r>
+                <a:rPr lang="nl-NL" sz="1050" dirty="0" err="1">
+                  <a:solidFill>
+                    <a:srgbClr val="002776"/>
+                  </a:solidFill>
+                  <a:latin typeface="Arial"/>
+                  <a:cs typeface="+mn-cs"/>
+                </a:rPr>
+                <a:t>Paragraph</a:t>
+              </a:r>
+              <a:r>
+                <a:rPr lang="nl-NL" sz="1050" dirty="0">
+                  <a:solidFill>
+                    <a:srgbClr val="002776"/>
+                  </a:solidFill>
+                  <a:latin typeface="Arial"/>
+                  <a:cs typeface="+mn-cs"/>
+                </a:rPr>
+                <a:t> (</a:t>
+              </a:r>
+              <a:r>
+                <a:rPr lang="nl-NL" sz="1050" dirty="0" err="1">
+                  <a:solidFill>
+                    <a:srgbClr val="002776"/>
+                  </a:solidFill>
+                  <a:latin typeface="Arial"/>
+                  <a:cs typeface="+mn-cs"/>
+                </a:rPr>
+                <a:t>if</a:t>
+              </a:r>
+              <a:r>
+                <a:rPr lang="nl-NL" sz="1050" dirty="0">
+                  <a:solidFill>
+                    <a:srgbClr val="002776"/>
+                  </a:solidFill>
+                  <a:latin typeface="Arial"/>
+                  <a:cs typeface="+mn-cs"/>
+                </a:rPr>
+                <a:t> </a:t>
+              </a:r>
+              <a:r>
+                <a:rPr lang="nl-NL" sz="1050" dirty="0" err="1">
+                  <a:solidFill>
+                    <a:srgbClr val="002776"/>
+                  </a:solidFill>
+                  <a:latin typeface="Arial"/>
+                  <a:cs typeface="+mn-cs"/>
+                </a:rPr>
+                <a:t>not</a:t>
+              </a:r>
+              <a:r>
+                <a:rPr lang="nl-NL" sz="1050" dirty="0">
+                  <a:solidFill>
+                    <a:srgbClr val="002776"/>
+                  </a:solidFill>
+                  <a:latin typeface="Arial"/>
+                  <a:cs typeface="+mn-cs"/>
+                </a:rPr>
+                <a:t> </a:t>
+              </a:r>
+              <a:r>
+                <a:rPr lang="nl-NL" sz="1050" dirty="0" err="1">
+                  <a:solidFill>
+                    <a:srgbClr val="002776"/>
+                  </a:solidFill>
+                  <a:latin typeface="Arial"/>
+                  <a:cs typeface="+mn-cs"/>
+                </a:rPr>
+                <a:t>needed</a:t>
+              </a:r>
+              <a:r>
+                <a:rPr lang="nl-NL" sz="1050" dirty="0">
+                  <a:solidFill>
+                    <a:srgbClr val="002776"/>
+                  </a:solidFill>
+                  <a:latin typeface="Arial"/>
+                  <a:cs typeface="+mn-cs"/>
+                </a:rPr>
+                <a:t>, delete)</a:t>
+              </a:r>
+            </a:p>
+            <a:p>
+              <a:pPr marL="143246" lvl="1" indent="-143246" defTabSz="718463">
+                <a:lnSpc>
+                  <a:spcPct val="106000"/>
+                </a:lnSpc>
+                <a:spcBef>
+                  <a:spcPts val="1008"/>
+                </a:spcBef>
+                <a:spcAft>
+                  <a:spcPts val="0"/>
+                </a:spcAft>
+                <a:buFont typeface="Arial" charset="0"/>
+                <a:buChar char="•"/>
+                <a:defRPr/>
+              </a:pPr>
+              <a:r>
+                <a:rPr lang="nl-NL" sz="1050" dirty="0">
+                  <a:solidFill>
+                    <a:srgbClr val="002776"/>
+                  </a:solidFill>
+                  <a:latin typeface="Arial"/>
+                  <a:ea typeface="+mj-ea"/>
+                  <a:cs typeface="+mj-cs"/>
+                </a:rPr>
+                <a:t>Bullet</a:t>
+              </a:r>
+            </a:p>
+            <a:p>
+              <a:pPr marL="280895" lvl="2" indent="-137651" defTabSz="718463">
+                <a:lnSpc>
+                  <a:spcPct val="106000"/>
+                </a:lnSpc>
+                <a:spcBef>
+                  <a:spcPts val="432"/>
+                </a:spcBef>
+                <a:spcAft>
+                  <a:spcPts val="0"/>
+                </a:spcAft>
+                <a:buFont typeface="Arial" charset="0"/>
+                <a:buChar char="‒"/>
+                <a:defRPr/>
+              </a:pPr>
+              <a:r>
+                <a:rPr lang="nl-NL" sz="900" dirty="0">
+                  <a:solidFill>
+                    <a:srgbClr val="002776"/>
+                  </a:solidFill>
+                  <a:latin typeface="Arial"/>
+                  <a:ea typeface="+mj-ea"/>
+                  <a:cs typeface="+mj-cs"/>
+                </a:rPr>
+                <a:t>Dash</a:t>
+              </a:r>
+            </a:p>
+            <a:p>
+              <a:pPr marL="424139" lvl="3" indent="-143246" defTabSz="718463">
+                <a:lnSpc>
+                  <a:spcPct val="106000"/>
+                </a:lnSpc>
+                <a:spcBef>
+                  <a:spcPts val="432"/>
+                </a:spcBef>
+                <a:spcAft>
+                  <a:spcPts val="0"/>
+                </a:spcAft>
+                <a:buFont typeface="Arial" charset="0"/>
+                <a:buChar char="•"/>
+                <a:defRPr/>
+              </a:pPr>
+              <a:r>
+                <a:rPr lang="nl-NL" sz="900" dirty="0">
+                  <a:solidFill>
+                    <a:srgbClr val="002776"/>
+                  </a:solidFill>
+                  <a:latin typeface="Arial"/>
+                  <a:ea typeface="+mj-ea"/>
+                  <a:cs typeface="+mj-cs"/>
+                </a:rPr>
+                <a:t>Subbullet</a:t>
+              </a:r>
+            </a:p>
+            <a:p>
+              <a:pPr marL="269705" indent="-269705" defTabSz="718463">
+                <a:lnSpc>
+                  <a:spcPct val="106000"/>
+                </a:lnSpc>
+                <a:spcBef>
+                  <a:spcPts val="1008"/>
+                </a:spcBef>
+                <a:spcAft>
+                  <a:spcPts val="0"/>
+                </a:spcAft>
+                <a:defRPr/>
+              </a:pPr>
+              <a:endParaRPr lang="nl-NL" sz="1050" dirty="0">
+                <a:solidFill>
+                  <a:srgbClr val="002776"/>
+                </a:solidFill>
+                <a:latin typeface="Arial"/>
+                <a:cs typeface="+mn-cs"/>
+              </a:endParaRPr>
+            </a:p>
+          </p:txBody>
+        </p:sp>
+      </p:grpSp>
+      <p:grpSp>
+        <p:nvGrpSpPr>
+          <p:cNvPr id="14" name="Group 12">
+            <a:extLst>
+              <a:ext uri="{FF2B5EF4-FFF2-40B4-BE49-F238E27FC236}">
+                <a16:creationId xmlns:a16="http://schemas.microsoft.com/office/drawing/2014/main" id="{5E28AC38-8264-477B-A395-5D7E03829A56}"/>
+              </a:ext>
+            </a:extLst>
+          </p:cNvPr>
+          <p:cNvGrpSpPr>
+            <a:grpSpLocks/>
+          </p:cNvGrpSpPr>
+          <p:nvPr/>
+        </p:nvGrpSpPr>
+        <p:grpSpPr bwMode="auto">
+          <a:xfrm>
+            <a:off x="6304261" y="873510"/>
+            <a:ext cx="1660028" cy="3600400"/>
+            <a:chOff x="300" y="872"/>
+            <a:chExt cx="1847" cy="3834"/>
+          </a:xfrm>
+        </p:grpSpPr>
+        <p:sp>
+          <p:nvSpPr>
+            <p:cNvPr id="15" name="Text Box 10">
+              <a:extLst>
+                <a:ext uri="{FF2B5EF4-FFF2-40B4-BE49-F238E27FC236}">
+                  <a16:creationId xmlns:a16="http://schemas.microsoft.com/office/drawing/2014/main" id="{D31082D0-9A2C-4B73-89C4-A554FEFE9447}"/>
+                </a:ext>
+              </a:extLst>
+            </p:cNvPr>
+            <p:cNvSpPr txBox="1">
+              <a:spLocks noChangeArrowheads="1"/>
+            </p:cNvSpPr>
+            <p:nvPr/>
+          </p:nvSpPr>
+          <p:spPr bwMode="auto">
+            <a:xfrm>
+              <a:off x="300" y="872"/>
+              <a:ext cx="1847" cy="199"/>
+            </a:xfrm>
+            <a:prstGeom prst="rect">
+              <a:avLst/>
+            </a:prstGeom>
+            <a:solidFill>
+              <a:srgbClr val="002060"/>
+            </a:solidFill>
+            <a:ln w="12700" algn="ctr">
+              <a:solidFill>
+                <a:srgbClr val="002060"/>
+              </a:solidFill>
+              <a:miter lim="800000"/>
+              <a:headEnd/>
+              <a:tailEnd type="none" w="sm" len="med"/>
+            </a:ln>
+          </p:spPr>
+          <p:txBody>
+            <a:bodyPr lIns="30089" tIns="30089" rIns="30089" bIns="30089" anchor="ctr" anchorCtr="1"/>
+            <a:lstStyle/>
+            <a:p>
+              <a:pPr algn="ctr" defTabSz="717911"/>
+              <a:r>
+                <a:rPr lang="en-US" sz="1050" b="1" dirty="0">
+                  <a:solidFill>
+                    <a:srgbClr val="FFFFFF"/>
+                  </a:solidFill>
+                </a:rPr>
+                <a:t>Database</a:t>
+              </a:r>
+            </a:p>
+          </p:txBody>
+        </p:sp>
+        <p:sp>
+          <p:nvSpPr>
+            <p:cNvPr id="16" name="Rectangle 15">
+              <a:extLst>
+                <a:ext uri="{FF2B5EF4-FFF2-40B4-BE49-F238E27FC236}">
+                  <a16:creationId xmlns:a16="http://schemas.microsoft.com/office/drawing/2014/main" id="{07A4485A-B86A-482D-BB4C-089A9E8E1F4E}"/>
+                </a:ext>
+              </a:extLst>
+            </p:cNvPr>
+            <p:cNvSpPr>
+              <a:spLocks noChangeArrowheads="1"/>
+            </p:cNvSpPr>
+            <p:nvPr/>
+          </p:nvSpPr>
+          <p:spPr bwMode="auto">
+            <a:xfrm>
+              <a:off x="300" y="1071"/>
+              <a:ext cx="1847" cy="3635"/>
+            </a:xfrm>
+            <a:prstGeom prst="rect">
+              <a:avLst/>
+            </a:prstGeom>
+            <a:noFill/>
+            <a:ln w="12700" algn="ctr">
+              <a:solidFill>
+                <a:srgbClr val="002060"/>
+              </a:solidFill>
+              <a:miter lim="800000"/>
+              <a:headEnd/>
+              <a:tailEnd/>
+            </a:ln>
+          </p:spPr>
+          <p:txBody>
+            <a:bodyPr lIns="30089" tIns="30089" rIns="30089" bIns="30089"/>
+            <a:lstStyle/>
+            <a:p>
+              <a:pPr defTabSz="718463">
+                <a:lnSpc>
+                  <a:spcPct val="106000"/>
+                </a:lnSpc>
+                <a:spcBef>
+                  <a:spcPts val="1008"/>
+                </a:spcBef>
+                <a:spcAft>
+                  <a:spcPts val="0"/>
+                </a:spcAft>
+                <a:defRPr/>
+              </a:pPr>
+              <a:r>
+                <a:rPr lang="nl-NL" sz="1050" dirty="0" err="1">
+                  <a:solidFill>
+                    <a:srgbClr val="002776"/>
+                  </a:solidFill>
+                  <a:latin typeface="Arial"/>
+                  <a:cs typeface="+mn-cs"/>
+                </a:rPr>
+                <a:t>Paragraph</a:t>
+              </a:r>
+              <a:r>
+                <a:rPr lang="nl-NL" sz="1050" dirty="0">
+                  <a:solidFill>
+                    <a:srgbClr val="002776"/>
+                  </a:solidFill>
+                  <a:latin typeface="Arial"/>
+                  <a:cs typeface="+mn-cs"/>
+                </a:rPr>
+                <a:t> (</a:t>
+              </a:r>
+              <a:r>
+                <a:rPr lang="nl-NL" sz="1050" dirty="0" err="1">
+                  <a:solidFill>
+                    <a:srgbClr val="002776"/>
+                  </a:solidFill>
+                  <a:latin typeface="Arial"/>
+                  <a:cs typeface="+mn-cs"/>
+                </a:rPr>
+                <a:t>if</a:t>
+              </a:r>
+              <a:r>
+                <a:rPr lang="nl-NL" sz="1050" dirty="0">
+                  <a:solidFill>
+                    <a:srgbClr val="002776"/>
+                  </a:solidFill>
+                  <a:latin typeface="Arial"/>
+                  <a:cs typeface="+mn-cs"/>
+                </a:rPr>
+                <a:t> </a:t>
+              </a:r>
+              <a:r>
+                <a:rPr lang="nl-NL" sz="1050" dirty="0" err="1">
+                  <a:solidFill>
+                    <a:srgbClr val="002776"/>
+                  </a:solidFill>
+                  <a:latin typeface="Arial"/>
+                  <a:cs typeface="+mn-cs"/>
+                </a:rPr>
+                <a:t>not</a:t>
+              </a:r>
+              <a:r>
+                <a:rPr lang="nl-NL" sz="1050" dirty="0">
+                  <a:solidFill>
+                    <a:srgbClr val="002776"/>
+                  </a:solidFill>
+                  <a:latin typeface="Arial"/>
+                  <a:cs typeface="+mn-cs"/>
+                </a:rPr>
+                <a:t> </a:t>
+              </a:r>
+              <a:r>
+                <a:rPr lang="nl-NL" sz="1050" dirty="0" err="1">
+                  <a:solidFill>
+                    <a:srgbClr val="002776"/>
+                  </a:solidFill>
+                  <a:latin typeface="Arial"/>
+                  <a:cs typeface="+mn-cs"/>
+                </a:rPr>
+                <a:t>needed</a:t>
+              </a:r>
+              <a:r>
+                <a:rPr lang="nl-NL" sz="1050" dirty="0">
+                  <a:solidFill>
+                    <a:srgbClr val="002776"/>
+                  </a:solidFill>
+                  <a:latin typeface="Arial"/>
+                  <a:cs typeface="+mn-cs"/>
+                </a:rPr>
+                <a:t>, delete)</a:t>
+              </a:r>
+            </a:p>
+            <a:p>
+              <a:pPr marL="143246" lvl="1" indent="-143246" defTabSz="718463">
+                <a:lnSpc>
+                  <a:spcPct val="106000"/>
+                </a:lnSpc>
+                <a:spcBef>
+                  <a:spcPts val="1008"/>
+                </a:spcBef>
+                <a:spcAft>
+                  <a:spcPts val="0"/>
+                </a:spcAft>
+                <a:buFont typeface="Arial" charset="0"/>
+                <a:buChar char="•"/>
+                <a:defRPr/>
+              </a:pPr>
+              <a:r>
+                <a:rPr lang="nl-NL" sz="1050" dirty="0">
+                  <a:solidFill>
+                    <a:srgbClr val="002776"/>
+                  </a:solidFill>
+                  <a:latin typeface="Arial"/>
+                  <a:ea typeface="+mj-ea"/>
+                  <a:cs typeface="+mj-cs"/>
+                </a:rPr>
+                <a:t>Bullet</a:t>
+              </a:r>
+            </a:p>
+            <a:p>
+              <a:pPr marL="280895" lvl="2" indent="-137651" defTabSz="718463">
+                <a:lnSpc>
+                  <a:spcPct val="106000"/>
+                </a:lnSpc>
+                <a:spcBef>
+                  <a:spcPts val="432"/>
+                </a:spcBef>
+                <a:spcAft>
+                  <a:spcPts val="0"/>
+                </a:spcAft>
+                <a:buFont typeface="Arial" charset="0"/>
+                <a:buChar char="‒"/>
+                <a:defRPr/>
+              </a:pPr>
+              <a:r>
+                <a:rPr lang="nl-NL" sz="900" dirty="0">
+                  <a:solidFill>
+                    <a:srgbClr val="002776"/>
+                  </a:solidFill>
+                  <a:latin typeface="Arial"/>
+                  <a:ea typeface="+mj-ea"/>
+                  <a:cs typeface="+mj-cs"/>
+                </a:rPr>
+                <a:t>Dash</a:t>
+              </a:r>
+            </a:p>
+            <a:p>
+              <a:pPr marL="424139" lvl="3" indent="-143246" defTabSz="718463">
+                <a:lnSpc>
+                  <a:spcPct val="106000"/>
+                </a:lnSpc>
+                <a:spcBef>
+                  <a:spcPts val="432"/>
+                </a:spcBef>
+                <a:spcAft>
+                  <a:spcPts val="0"/>
+                </a:spcAft>
+                <a:buFont typeface="Arial" charset="0"/>
+                <a:buChar char="•"/>
+                <a:defRPr/>
+              </a:pPr>
+              <a:r>
+                <a:rPr lang="nl-NL" sz="900" dirty="0">
+                  <a:solidFill>
+                    <a:srgbClr val="002776"/>
+                  </a:solidFill>
+                  <a:latin typeface="Arial"/>
+                  <a:ea typeface="+mj-ea"/>
+                  <a:cs typeface="+mj-cs"/>
+                </a:rPr>
+                <a:t>Subbullet</a:t>
+              </a:r>
+            </a:p>
+            <a:p>
+              <a:pPr marL="269705" indent="-269705" defTabSz="718463">
+                <a:lnSpc>
+                  <a:spcPct val="106000"/>
+                </a:lnSpc>
+                <a:spcBef>
+                  <a:spcPts val="1008"/>
+                </a:spcBef>
+                <a:spcAft>
+                  <a:spcPts val="0"/>
+                </a:spcAft>
+                <a:defRPr/>
+              </a:pPr>
+              <a:endParaRPr lang="nl-NL" sz="1050" dirty="0">
+                <a:solidFill>
+                  <a:srgbClr val="002776"/>
+                </a:solidFill>
+                <a:latin typeface="Arial"/>
+                <a:cs typeface="+mn-cs"/>
+              </a:endParaRPr>
+            </a:p>
+          </p:txBody>
+        </p:sp>
+      </p:grpSp>
     </p:spTree>
     <p:extLst>
       <p:ext uri="{BB962C8B-B14F-4D97-AF65-F5344CB8AC3E}">
-        <p14:creationId xmlns:p14="http://schemas.microsoft.com/office/powerpoint/2010/main" val="2357976320"/>
+        <p14:creationId xmlns:p14="http://schemas.microsoft.com/office/powerpoint/2010/main" val="1721358020"/>
       </p:ext>
     </p:extLst>
   </p:cSld>
@@ -2760,6 +3827,126 @@
       </p:grpSpPr>
       <p:sp>
         <p:nvSpPr>
+          <p:cNvPr id="7" name="Rectangle 6">
+            <a:extLst>
+              <a:ext uri="{FF2B5EF4-FFF2-40B4-BE49-F238E27FC236}">
+                <a16:creationId xmlns:a16="http://schemas.microsoft.com/office/drawing/2014/main" id="{3DDFAB6E-9EE9-4E4F-BF78-1CAEA2C9D9A8}"/>
+              </a:ext>
+            </a:extLst>
+          </p:cNvPr>
+          <p:cNvSpPr/>
+          <p:nvPr/>
+        </p:nvSpPr>
+        <p:spPr>
+          <a:xfrm>
+            <a:off x="430617" y="2422452"/>
+            <a:ext cx="8282763" cy="409353"/>
+          </a:xfrm>
+          <a:prstGeom prst="rect">
+            <a:avLst/>
+          </a:prstGeom>
+          <a:solidFill>
+            <a:schemeClr val="accent2">
+              <a:lumMod val="60000"/>
+              <a:lumOff val="40000"/>
+            </a:schemeClr>
+          </a:solidFill>
+          <a:ln>
+            <a:solidFill>
+              <a:schemeClr val="accent2">
+                <a:lumMod val="60000"/>
+                <a:lumOff val="40000"/>
+              </a:schemeClr>
+            </a:solidFill>
+          </a:ln>
+        </p:spPr>
+        <p:style>
+          <a:lnRef idx="2">
+            <a:schemeClr val="accent1">
+              <a:shade val="50000"/>
+            </a:schemeClr>
+          </a:lnRef>
+          <a:fillRef idx="1">
+            <a:schemeClr val="accent1"/>
+          </a:fillRef>
+          <a:effectRef idx="0">
+            <a:schemeClr val="accent1"/>
+          </a:effectRef>
+          <a:fontRef idx="minor">
+            <a:schemeClr val="lt1"/>
+          </a:fontRef>
+        </p:style>
+        <p:txBody>
+          <a:bodyPr rtlCol="0" anchor="ctr"/>
+          <a:lstStyle/>
+          <a:p>
+            <a:pPr algn="ctr"/>
+            <a:endParaRPr lang="en-US"/>
+          </a:p>
+        </p:txBody>
+      </p:sp>
+      <p:sp>
+        <p:nvSpPr>
+          <p:cNvPr id="6" name="Rectangle 5">
+            <a:extLst>
+              <a:ext uri="{FF2B5EF4-FFF2-40B4-BE49-F238E27FC236}">
+                <a16:creationId xmlns:a16="http://schemas.microsoft.com/office/drawing/2014/main" id="{78DDD72B-E563-47BC-9E1A-B47468FB03AF}"/>
+              </a:ext>
+            </a:extLst>
+          </p:cNvPr>
+          <p:cNvSpPr/>
+          <p:nvPr/>
+        </p:nvSpPr>
+        <p:spPr>
+          <a:xfrm>
+            <a:off x="430617" y="845288"/>
+            <a:ext cx="8282763" cy="409353"/>
+          </a:xfrm>
+          <a:prstGeom prst="rect">
+            <a:avLst/>
+          </a:prstGeom>
+          <a:solidFill>
+            <a:schemeClr val="accent2">
+              <a:lumMod val="60000"/>
+              <a:lumOff val="40000"/>
+            </a:schemeClr>
+          </a:solidFill>
+          <a:ln>
+            <a:solidFill>
+              <a:schemeClr val="accent2">
+                <a:lumMod val="60000"/>
+                <a:lumOff val="40000"/>
+              </a:schemeClr>
+            </a:solidFill>
+          </a:ln>
+        </p:spPr>
+        <p:style>
+          <a:lnRef idx="2">
+            <a:schemeClr val="accent1">
+              <a:shade val="50000"/>
+            </a:schemeClr>
+          </a:lnRef>
+          <a:fillRef idx="1">
+            <a:schemeClr val="accent1"/>
+          </a:fillRef>
+          <a:effectRef idx="0">
+            <a:schemeClr val="accent1"/>
+          </a:effectRef>
+          <a:fontRef idx="minor">
+            <a:schemeClr val="lt1"/>
+          </a:fontRef>
+        </p:style>
+        <p:txBody>
+          <a:bodyPr rtlCol="0" anchor="ctr"/>
+          <a:lstStyle/>
+          <a:p>
+            <a:pPr algn="ctr"/>
+            <a:endParaRPr lang="en-US"/>
+          </a:p>
+        </p:txBody>
+      </p:sp>
+      <p:sp>
+        <p:nvSpPr>
           <p:cNvPr id="2" name="Content Placeholder 1">
             <a:extLst>
               <a:ext uri="{FF2B5EF4-FFF2-40B4-BE49-F238E27FC236}">
@@ -2779,6 +3966,99 @@
           <a:bodyPr/>
           <a:lstStyle/>
           <a:p>
+            <a:r>
+              <a:rPr lang="en-US" dirty="0"/>
+              <a:t>User Accounts</a:t>
+            </a:r>
+          </a:p>
+          <a:p>
+            <a:pPr lvl="1"/>
+            <a:r>
+              <a:rPr lang="en-US" dirty="0"/>
+              <a:t>First Name</a:t>
+            </a:r>
+          </a:p>
+          <a:p>
+            <a:pPr lvl="1"/>
+            <a:r>
+              <a:rPr lang="en-US" dirty="0"/>
+              <a:t>Last Name</a:t>
+            </a:r>
+          </a:p>
+          <a:p>
+            <a:pPr lvl="1"/>
+            <a:r>
+              <a:rPr lang="en-US" dirty="0"/>
+              <a:t>PIN Code</a:t>
+            </a:r>
+          </a:p>
+          <a:p>
+            <a:pPr lvl="1"/>
+            <a:r>
+              <a:rPr lang="en-US" dirty="0"/>
+              <a:t>Account Balance</a:t>
+            </a:r>
+            <a:endParaRPr lang="en-US" sz="500" dirty="0"/>
+          </a:p>
+          <a:p>
+            <a:r>
+              <a:rPr lang="en-US" dirty="0"/>
+              <a:t>Services</a:t>
+            </a:r>
+          </a:p>
+          <a:p>
+            <a:pPr lvl="1"/>
+            <a:r>
+              <a:rPr lang="en-US" dirty="0"/>
+              <a:t>Withdrawals</a:t>
+            </a:r>
+          </a:p>
+          <a:p>
+            <a:pPr lvl="2"/>
+            <a:r>
+              <a:rPr lang="en-US" dirty="0"/>
+              <a:t>Multiples of $20</a:t>
+            </a:r>
+          </a:p>
+          <a:p>
+            <a:pPr lvl="2"/>
+            <a:r>
+              <a:rPr lang="en-US" dirty="0"/>
+              <a:t>Quick withdrawal options from $20 - $100</a:t>
+            </a:r>
+          </a:p>
+          <a:p>
+            <a:pPr lvl="2"/>
+            <a:r>
+              <a:rPr lang="en-US" dirty="0"/>
+              <a:t>Manual for amounts larger than $100</a:t>
+            </a:r>
+          </a:p>
+          <a:p>
+            <a:pPr lvl="1"/>
+            <a:r>
+              <a:rPr lang="en-US" dirty="0"/>
+              <a:t>Deposits</a:t>
+            </a:r>
+          </a:p>
+          <a:p>
+            <a:pPr lvl="2"/>
+            <a:r>
+              <a:rPr lang="en-US" dirty="0"/>
+              <a:t>Any positive amount (minimum $0.01)</a:t>
+            </a:r>
+          </a:p>
+          <a:p>
+            <a:pPr lvl="1"/>
+            <a:endParaRPr lang="en-US" dirty="0"/>
+          </a:p>
+          <a:p>
+            <a:endParaRPr lang="en-US" dirty="0"/>
+          </a:p>
+          <a:p>
+            <a:endParaRPr lang="en-US" dirty="0"/>
+          </a:p>
+          <a:p>
             <a:endParaRPr lang="en-US" dirty="0"/>
           </a:p>
         </p:txBody>
@@ -2835,7 +4115,7 @@
           <a:p>
             <a:r>
               <a:rPr lang="en-US" dirty="0"/>
-              <a:t>Overview</a:t>
+              <a:t>Core Functionality</a:t>
             </a:r>
           </a:p>
         </p:txBody>
@@ -2870,6 +4150,222 @@
           </a:p>
         </p:txBody>
       </p:sp>
+      <p:grpSp>
+        <p:nvGrpSpPr>
+          <p:cNvPr id="10" name="Group 89">
+            <a:extLst>
+              <a:ext uri="{FF2B5EF4-FFF2-40B4-BE49-F238E27FC236}">
+                <a16:creationId xmlns:a16="http://schemas.microsoft.com/office/drawing/2014/main" id="{0808CFC5-6272-4B7E-BBA4-BC4C3FBEAAA6}"/>
+              </a:ext>
+            </a:extLst>
+          </p:cNvPr>
+          <p:cNvGrpSpPr>
+            <a:grpSpLocks/>
+          </p:cNvGrpSpPr>
+          <p:nvPr/>
+        </p:nvGrpSpPr>
+        <p:grpSpPr bwMode="auto">
+          <a:xfrm>
+            <a:off x="7643747" y="320040"/>
+            <a:ext cx="1079599" cy="161925"/>
+            <a:chOff x="852" y="3385"/>
+            <a:chExt cx="906" cy="136"/>
+          </a:xfrm>
+          <a:solidFill>
+            <a:schemeClr val="accent2">
+              <a:lumMod val="75000"/>
+            </a:schemeClr>
+          </a:solidFill>
+        </p:grpSpPr>
+        <p:sp>
+          <p:nvSpPr>
+            <p:cNvPr id="11" name="AutoShape 90">
+              <a:extLst>
+                <a:ext uri="{FF2B5EF4-FFF2-40B4-BE49-F238E27FC236}">
+                  <a16:creationId xmlns:a16="http://schemas.microsoft.com/office/drawing/2014/main" id="{0BA8C6F5-E325-4CA7-A692-A51EE8E98842}"/>
+                </a:ext>
+              </a:extLst>
+            </p:cNvPr>
+            <p:cNvSpPr>
+              <a:spLocks noChangeArrowheads="1"/>
+            </p:cNvSpPr>
+            <p:nvPr/>
+          </p:nvSpPr>
+          <p:spPr bwMode="auto">
+            <a:xfrm>
+              <a:off x="1079" y="3385"/>
+              <a:ext cx="226" cy="136"/>
+            </a:xfrm>
+            <a:prstGeom prst="chevron">
+              <a:avLst>
+                <a:gd name="adj" fmla="val 41544"/>
+              </a:avLst>
+            </a:prstGeom>
+            <a:solidFill>
+              <a:schemeClr val="bg1"/>
+            </a:solidFill>
+            <a:ln w="6350" algn="ctr">
+              <a:solidFill>
+                <a:srgbClr val="002060"/>
+              </a:solidFill>
+              <a:miter lim="800000"/>
+              <a:headEnd type="none" w="sm" len="sm"/>
+              <a:tailEnd type="none" w="med" len="lg"/>
+            </a:ln>
+          </p:spPr>
+          <p:txBody>
+            <a:bodyPr tIns="68580" bIns="68580" anchor="ctr"/>
+            <a:lstStyle/>
+            <a:p>
+              <a:pPr algn="ctr">
+                <a:defRPr/>
+              </a:pPr>
+              <a:endParaRPr lang="en-GB" sz="1214" dirty="0"/>
+            </a:p>
+          </p:txBody>
+        </p:sp>
+        <p:sp>
+          <p:nvSpPr>
+            <p:cNvPr id="12" name="AutoShape 91">
+              <a:extLst>
+                <a:ext uri="{FF2B5EF4-FFF2-40B4-BE49-F238E27FC236}">
+                  <a16:creationId xmlns:a16="http://schemas.microsoft.com/office/drawing/2014/main" id="{A79C7063-35B9-4DBE-869E-04ACB1E0EB88}"/>
+                </a:ext>
+              </a:extLst>
+            </p:cNvPr>
+            <p:cNvSpPr>
+              <a:spLocks noChangeArrowheads="1"/>
+            </p:cNvSpPr>
+            <p:nvPr/>
+          </p:nvSpPr>
+          <p:spPr bwMode="auto">
+            <a:xfrm>
+              <a:off x="1306" y="3385"/>
+              <a:ext cx="225" cy="136"/>
+            </a:xfrm>
+            <a:prstGeom prst="chevron">
+              <a:avLst>
+                <a:gd name="adj" fmla="val 41544"/>
+              </a:avLst>
+            </a:prstGeom>
+            <a:solidFill>
+              <a:schemeClr val="bg1"/>
+            </a:solidFill>
+            <a:ln w="6350" algn="ctr">
+              <a:solidFill>
+                <a:srgbClr val="002060"/>
+              </a:solidFill>
+              <a:miter lim="800000"/>
+              <a:headEnd type="none" w="sm" len="sm"/>
+              <a:tailEnd type="none" w="med" len="lg"/>
+            </a:ln>
+          </p:spPr>
+          <p:txBody>
+            <a:bodyPr tIns="68580" bIns="68580" anchor="ctr"/>
+            <a:lstStyle/>
+            <a:p>
+              <a:pPr algn="ctr">
+                <a:defRPr/>
+              </a:pPr>
+              <a:endParaRPr lang="en-GB" sz="1214" dirty="0"/>
+            </a:p>
+          </p:txBody>
+        </p:sp>
+        <p:sp>
+          <p:nvSpPr>
+            <p:cNvPr id="13" name="AutoShape 92">
+              <a:extLst>
+                <a:ext uri="{FF2B5EF4-FFF2-40B4-BE49-F238E27FC236}">
+                  <a16:creationId xmlns:a16="http://schemas.microsoft.com/office/drawing/2014/main" id="{C43CB012-AEFD-4846-9A0C-FF415AFFFD98}"/>
+                </a:ext>
+              </a:extLst>
+            </p:cNvPr>
+            <p:cNvSpPr>
+              <a:spLocks noChangeArrowheads="1"/>
+            </p:cNvSpPr>
+            <p:nvPr/>
+          </p:nvSpPr>
+          <p:spPr bwMode="auto">
+            <a:xfrm>
+              <a:off x="1532" y="3385"/>
+              <a:ext cx="226" cy="136"/>
+            </a:xfrm>
+            <a:prstGeom prst="chevron">
+              <a:avLst>
+                <a:gd name="adj" fmla="val 41544"/>
+              </a:avLst>
+            </a:prstGeom>
+            <a:solidFill>
+              <a:schemeClr val="bg1"/>
+            </a:solidFill>
+            <a:ln w="6350" algn="ctr">
+              <a:solidFill>
+                <a:srgbClr val="002060"/>
+              </a:solidFill>
+              <a:miter lim="800000"/>
+              <a:headEnd type="none" w="sm" len="sm"/>
+              <a:tailEnd type="none" w="med" len="lg"/>
+            </a:ln>
+          </p:spPr>
+          <p:txBody>
+            <a:bodyPr tIns="68580" bIns="68580" anchor="ctr"/>
+            <a:lstStyle/>
+            <a:p>
+              <a:pPr algn="ctr">
+                <a:defRPr/>
+              </a:pPr>
+              <a:endParaRPr lang="en-GB" sz="1214" dirty="0"/>
+            </a:p>
+          </p:txBody>
+        </p:sp>
+        <p:sp>
+          <p:nvSpPr>
+            <p:cNvPr id="14" name="AutoShape 93">
+              <a:extLst>
+                <a:ext uri="{FF2B5EF4-FFF2-40B4-BE49-F238E27FC236}">
+                  <a16:creationId xmlns:a16="http://schemas.microsoft.com/office/drawing/2014/main" id="{5943A4D3-7B89-44F2-AFE9-B4973747B1A0}"/>
+                </a:ext>
+              </a:extLst>
+            </p:cNvPr>
+            <p:cNvSpPr>
+              <a:spLocks noChangeArrowheads="1"/>
+            </p:cNvSpPr>
+            <p:nvPr/>
+          </p:nvSpPr>
+          <p:spPr bwMode="auto">
+            <a:xfrm>
+              <a:off x="852" y="3385"/>
+              <a:ext cx="227" cy="136"/>
+            </a:xfrm>
+            <a:prstGeom prst="homePlate">
+              <a:avLst>
+                <a:gd name="adj" fmla="val 41728"/>
+              </a:avLst>
+            </a:prstGeom>
+            <a:solidFill>
+              <a:srgbClr val="002060"/>
+            </a:solidFill>
+            <a:ln w="6350" algn="ctr">
+              <a:solidFill>
+                <a:srgbClr val="002060"/>
+              </a:solidFill>
+              <a:miter lim="800000"/>
+              <a:headEnd type="none" w="sm" len="sm"/>
+              <a:tailEnd type="none" w="med" len="lg"/>
+            </a:ln>
+          </p:spPr>
+          <p:txBody>
+            <a:bodyPr tIns="68580" bIns="68580" anchor="ctr"/>
+            <a:lstStyle/>
+            <a:p>
+              <a:pPr algn="ctr">
+                <a:defRPr/>
+              </a:pPr>
+              <a:endParaRPr lang="en-GB" sz="1214" dirty="0"/>
+            </a:p>
+          </p:txBody>
+        </p:sp>
+      </p:grpSp>
     </p:spTree>
     <p:extLst>
       <p:ext uri="{BB962C8B-B14F-4D97-AF65-F5344CB8AC3E}">
@@ -2979,7 +4475,7 @@
           <a:p>
             <a:r>
               <a:rPr lang="en-US" dirty="0"/>
-              <a:t>Features</a:t>
+              <a:t>User Interface</a:t>
             </a:r>
           </a:p>
         </p:txBody>
@@ -3014,6 +4510,216 @@
           </a:p>
         </p:txBody>
       </p:sp>
+      <p:grpSp>
+        <p:nvGrpSpPr>
+          <p:cNvPr id="6" name="Group 89">
+            <a:extLst>
+              <a:ext uri="{FF2B5EF4-FFF2-40B4-BE49-F238E27FC236}">
+                <a16:creationId xmlns:a16="http://schemas.microsoft.com/office/drawing/2014/main" id="{419A7AB9-F437-4769-B606-A63B78A731F4}"/>
+              </a:ext>
+            </a:extLst>
+          </p:cNvPr>
+          <p:cNvGrpSpPr>
+            <a:grpSpLocks/>
+          </p:cNvGrpSpPr>
+          <p:nvPr/>
+        </p:nvGrpSpPr>
+        <p:grpSpPr bwMode="auto">
+          <a:xfrm>
+            <a:off x="7643747" y="320040"/>
+            <a:ext cx="1079599" cy="161925"/>
+            <a:chOff x="852" y="3385"/>
+            <a:chExt cx="906" cy="136"/>
+          </a:xfrm>
+          <a:solidFill>
+            <a:schemeClr val="accent2">
+              <a:lumMod val="75000"/>
+            </a:schemeClr>
+          </a:solidFill>
+        </p:grpSpPr>
+        <p:sp>
+          <p:nvSpPr>
+            <p:cNvPr id="7" name="AutoShape 90">
+              <a:extLst>
+                <a:ext uri="{FF2B5EF4-FFF2-40B4-BE49-F238E27FC236}">
+                  <a16:creationId xmlns:a16="http://schemas.microsoft.com/office/drawing/2014/main" id="{64846609-40EA-4AF3-9271-2C4933621CC4}"/>
+                </a:ext>
+              </a:extLst>
+            </p:cNvPr>
+            <p:cNvSpPr>
+              <a:spLocks noChangeArrowheads="1"/>
+            </p:cNvSpPr>
+            <p:nvPr/>
+          </p:nvSpPr>
+          <p:spPr bwMode="auto">
+            <a:xfrm>
+              <a:off x="1079" y="3385"/>
+              <a:ext cx="226" cy="136"/>
+            </a:xfrm>
+            <a:prstGeom prst="chevron">
+              <a:avLst>
+                <a:gd name="adj" fmla="val 41544"/>
+              </a:avLst>
+            </a:prstGeom>
+            <a:solidFill>
+              <a:srgbClr val="002060"/>
+            </a:solidFill>
+            <a:ln w="6350" algn="ctr">
+              <a:solidFill>
+                <a:srgbClr val="002060"/>
+              </a:solidFill>
+              <a:miter lim="800000"/>
+              <a:headEnd type="none" w="sm" len="sm"/>
+              <a:tailEnd type="none" w="med" len="lg"/>
+            </a:ln>
+          </p:spPr>
+          <p:txBody>
+            <a:bodyPr tIns="68580" bIns="68580" anchor="ctr"/>
+            <a:lstStyle/>
+            <a:p>
+              <a:pPr algn="ctr">
+                <a:defRPr/>
+              </a:pPr>
+              <a:endParaRPr lang="en-GB" sz="1214" dirty="0"/>
+            </a:p>
+          </p:txBody>
+        </p:sp>
+        <p:sp>
+          <p:nvSpPr>
+            <p:cNvPr id="8" name="AutoShape 91">
+              <a:extLst>
+                <a:ext uri="{FF2B5EF4-FFF2-40B4-BE49-F238E27FC236}">
+                  <a16:creationId xmlns:a16="http://schemas.microsoft.com/office/drawing/2014/main" id="{AD083073-A6C5-4ADF-A0FD-5C865A7D7418}"/>
+                </a:ext>
+              </a:extLst>
+            </p:cNvPr>
+            <p:cNvSpPr>
+              <a:spLocks noChangeArrowheads="1"/>
+            </p:cNvSpPr>
+            <p:nvPr/>
+          </p:nvSpPr>
+          <p:spPr bwMode="auto">
+            <a:xfrm>
+              <a:off x="1306" y="3385"/>
+              <a:ext cx="225" cy="136"/>
+            </a:xfrm>
+            <a:prstGeom prst="chevron">
+              <a:avLst>
+                <a:gd name="adj" fmla="val 41544"/>
+              </a:avLst>
+            </a:prstGeom>
+            <a:noFill/>
+            <a:ln w="6350" algn="ctr">
+              <a:solidFill>
+                <a:srgbClr val="002060"/>
+              </a:solidFill>
+              <a:miter lim="800000"/>
+              <a:headEnd type="none" w="sm" len="sm"/>
+              <a:tailEnd type="none" w="med" len="lg"/>
+            </a:ln>
+          </p:spPr>
+          <p:txBody>
+            <a:bodyPr tIns="68580" bIns="68580" anchor="ctr"/>
+            <a:lstStyle/>
+            <a:p>
+              <a:pPr algn="ctr">
+                <a:defRPr/>
+              </a:pPr>
+              <a:endParaRPr lang="en-GB" sz="1214" dirty="0"/>
+            </a:p>
+          </p:txBody>
+        </p:sp>
+        <p:sp>
+          <p:nvSpPr>
+            <p:cNvPr id="9" name="AutoShape 92">
+              <a:extLst>
+                <a:ext uri="{FF2B5EF4-FFF2-40B4-BE49-F238E27FC236}">
+                  <a16:creationId xmlns:a16="http://schemas.microsoft.com/office/drawing/2014/main" id="{724D70D2-1EC0-4475-980B-EFB27CE47032}"/>
+                </a:ext>
+              </a:extLst>
+            </p:cNvPr>
+            <p:cNvSpPr>
+              <a:spLocks noChangeArrowheads="1"/>
+            </p:cNvSpPr>
+            <p:nvPr/>
+          </p:nvSpPr>
+          <p:spPr bwMode="auto">
+            <a:xfrm>
+              <a:off x="1532" y="3385"/>
+              <a:ext cx="226" cy="136"/>
+            </a:xfrm>
+            <a:prstGeom prst="chevron">
+              <a:avLst>
+                <a:gd name="adj" fmla="val 41544"/>
+              </a:avLst>
+            </a:prstGeom>
+            <a:noFill/>
+            <a:ln w="6350" algn="ctr">
+              <a:solidFill>
+                <a:srgbClr val="002060"/>
+              </a:solidFill>
+              <a:miter lim="800000"/>
+              <a:headEnd type="none" w="sm" len="sm"/>
+              <a:tailEnd type="none" w="med" len="lg"/>
+            </a:ln>
+          </p:spPr>
+          <p:txBody>
+            <a:bodyPr tIns="68580" bIns="68580" anchor="ctr"/>
+            <a:lstStyle/>
+            <a:p>
+              <a:pPr algn="ctr">
+                <a:defRPr/>
+              </a:pPr>
+              <a:endParaRPr lang="en-GB" sz="1214" dirty="0"/>
+            </a:p>
+          </p:txBody>
+        </p:sp>
+        <p:sp>
+          <p:nvSpPr>
+            <p:cNvPr id="10" name="AutoShape 93">
+              <a:extLst>
+                <a:ext uri="{FF2B5EF4-FFF2-40B4-BE49-F238E27FC236}">
+                  <a16:creationId xmlns:a16="http://schemas.microsoft.com/office/drawing/2014/main" id="{FBDFF64A-20CE-472C-9421-45F108152C6A}"/>
+                </a:ext>
+              </a:extLst>
+            </p:cNvPr>
+            <p:cNvSpPr>
+              <a:spLocks noChangeArrowheads="1"/>
+            </p:cNvSpPr>
+            <p:nvPr/>
+          </p:nvSpPr>
+          <p:spPr bwMode="auto">
+            <a:xfrm>
+              <a:off x="852" y="3385"/>
+              <a:ext cx="227" cy="136"/>
+            </a:xfrm>
+            <a:prstGeom prst="homePlate">
+              <a:avLst>
+                <a:gd name="adj" fmla="val 41728"/>
+              </a:avLst>
+            </a:prstGeom>
+            <a:noFill/>
+            <a:ln w="6350" algn="ctr">
+              <a:solidFill>
+                <a:srgbClr val="002060"/>
+              </a:solidFill>
+              <a:miter lim="800000"/>
+              <a:headEnd type="none" w="sm" len="sm"/>
+              <a:tailEnd type="none" w="med" len="lg"/>
+            </a:ln>
+          </p:spPr>
+          <p:txBody>
+            <a:bodyPr tIns="68580" bIns="68580" anchor="ctr"/>
+            <a:lstStyle/>
+            <a:p>
+              <a:pPr algn="ctr">
+                <a:defRPr/>
+              </a:pPr>
+              <a:endParaRPr lang="en-GB" sz="1214" dirty="0"/>
+            </a:p>
+          </p:txBody>
+        </p:sp>
+      </p:grpSp>
     </p:spTree>
     <p:extLst>
       <p:ext uri="{BB962C8B-B14F-4D97-AF65-F5344CB8AC3E}">
@@ -3049,7 +4755,7 @@
           <p:cNvPr id="2" name="Content Placeholder 1">
             <a:extLst>
               <a:ext uri="{FF2B5EF4-FFF2-40B4-BE49-F238E27FC236}">
-                <a16:creationId xmlns:a16="http://schemas.microsoft.com/office/drawing/2014/main" id="{77F78C27-7EE3-4B08-8A5D-3CCFC52D2A1E}"/>
+                <a16:creationId xmlns:a16="http://schemas.microsoft.com/office/drawing/2014/main" id="{447C9CBA-ADD4-4F09-AAA3-8564CBF6FF37}"/>
               </a:ext>
             </a:extLst>
           </p:cNvPr>
@@ -3060,12 +4766,17 @@
             <p:ph idx="1"/>
           </p:nvPr>
         </p:nvSpPr>
-        <p:spPr/>
+        <p:spPr>
+          <a:xfrm>
+            <a:off x="466871" y="869816"/>
+            <a:ext cx="4062599" cy="3681081"/>
+          </a:xfrm>
+        </p:spPr>
         <p:txBody>
           <a:bodyPr/>
           <a:lstStyle/>
           <a:p>
-            <a:endParaRPr lang="en-US"/>
+            <a:endParaRPr lang="en-US" dirty="0"/>
           </a:p>
         </p:txBody>
       </p:sp>
@@ -3074,7 +4785,7 @@
           <p:cNvPr id="3" name="Footer Placeholder 2">
             <a:extLst>
               <a:ext uri="{FF2B5EF4-FFF2-40B4-BE49-F238E27FC236}">
-                <a16:creationId xmlns:a16="http://schemas.microsoft.com/office/drawing/2014/main" id="{70A6F4C6-2E2E-469F-AFDE-663D3656D5CE}"/>
+                <a16:creationId xmlns:a16="http://schemas.microsoft.com/office/drawing/2014/main" id="{41D8ADAE-A647-46D7-AB6E-418F9ECC2173}"/>
               </a:ext>
             </a:extLst>
           </p:cNvPr>
@@ -3103,7 +4814,7 @@
           <p:cNvPr id="4" name="Title 3">
             <a:extLst>
               <a:ext uri="{FF2B5EF4-FFF2-40B4-BE49-F238E27FC236}">
-                <a16:creationId xmlns:a16="http://schemas.microsoft.com/office/drawing/2014/main" id="{A3DFF24C-86F0-45AE-9AED-FB7EFBF040EC}"/>
+                <a16:creationId xmlns:a16="http://schemas.microsoft.com/office/drawing/2014/main" id="{2B7F0B7C-3F12-4563-AD80-493B98D62443}"/>
               </a:ext>
             </a:extLst>
           </p:cNvPr>
@@ -3121,7 +4832,7 @@
           <a:p>
             <a:r>
               <a:rPr lang="en-US" dirty="0"/>
-              <a:t>Encryption and Security</a:t>
+              <a:t>Login Screen and Validation</a:t>
             </a:r>
           </a:p>
         </p:txBody>
@@ -3131,7 +4842,7 @@
           <p:cNvPr id="5" name="Slide Number Placeholder 4">
             <a:extLst>
               <a:ext uri="{FF2B5EF4-FFF2-40B4-BE49-F238E27FC236}">
-                <a16:creationId xmlns:a16="http://schemas.microsoft.com/office/drawing/2014/main" id="{D901B474-ED2A-4402-8049-26AD48EDE196}"/>
+                <a16:creationId xmlns:a16="http://schemas.microsoft.com/office/drawing/2014/main" id="{DA749CD9-F80D-45C4-809A-17411F51AD70}"/>
               </a:ext>
             </a:extLst>
           </p:cNvPr>
@@ -3156,10 +4867,280 @@
           </a:p>
         </p:txBody>
       </p:sp>
+      <p:pic>
+        <p:nvPicPr>
+          <p:cNvPr id="6" name="Picture 5">
+            <a:extLst>
+              <a:ext uri="{FF2B5EF4-FFF2-40B4-BE49-F238E27FC236}">
+                <a16:creationId xmlns:a16="http://schemas.microsoft.com/office/drawing/2014/main" id="{CD7950DA-320A-4C4F-95FE-C209CE7DD72C}"/>
+              </a:ext>
+            </a:extLst>
+          </p:cNvPr>
+          <p:cNvPicPr>
+            <a:picLocks noChangeAspect="1"/>
+          </p:cNvPicPr>
+          <p:nvPr/>
+        </p:nvPicPr>
+        <p:blipFill>
+          <a:blip r:embed="rId2"/>
+          <a:stretch>
+            <a:fillRect/>
+          </a:stretch>
+        </p:blipFill>
+        <p:spPr>
+          <a:xfrm>
+            <a:off x="4754758" y="873330"/>
+            <a:ext cx="3383280" cy="1499510"/>
+          </a:xfrm>
+          <a:prstGeom prst="rect">
+            <a:avLst/>
+          </a:prstGeom>
+        </p:spPr>
+      </p:pic>
+      <p:pic>
+        <p:nvPicPr>
+          <p:cNvPr id="7" name="Picture 6">
+            <a:extLst>
+              <a:ext uri="{FF2B5EF4-FFF2-40B4-BE49-F238E27FC236}">
+                <a16:creationId xmlns:a16="http://schemas.microsoft.com/office/drawing/2014/main" id="{D9F2600B-4837-4307-9C6C-DA696F9CA515}"/>
+              </a:ext>
+            </a:extLst>
+          </p:cNvPr>
+          <p:cNvPicPr>
+            <a:picLocks noChangeAspect="1"/>
+          </p:cNvPicPr>
+          <p:nvPr/>
+        </p:nvPicPr>
+        <p:blipFill>
+          <a:blip r:embed="rId3"/>
+          <a:stretch>
+            <a:fillRect/>
+          </a:stretch>
+        </p:blipFill>
+        <p:spPr>
+          <a:xfrm>
+            <a:off x="4745156" y="2429780"/>
+            <a:ext cx="3383280" cy="2080236"/>
+          </a:xfrm>
+          <a:prstGeom prst="rect">
+            <a:avLst/>
+          </a:prstGeom>
+        </p:spPr>
+      </p:pic>
+      <p:grpSp>
+        <p:nvGrpSpPr>
+          <p:cNvPr id="18" name="Group 89">
+            <a:extLst>
+              <a:ext uri="{FF2B5EF4-FFF2-40B4-BE49-F238E27FC236}">
+                <a16:creationId xmlns:a16="http://schemas.microsoft.com/office/drawing/2014/main" id="{E312A4AA-D9C1-4597-9567-DF55FCAFC66C}"/>
+              </a:ext>
+            </a:extLst>
+          </p:cNvPr>
+          <p:cNvGrpSpPr>
+            <a:grpSpLocks/>
+          </p:cNvGrpSpPr>
+          <p:nvPr/>
+        </p:nvGrpSpPr>
+        <p:grpSpPr bwMode="auto">
+          <a:xfrm>
+            <a:off x="7643747" y="320040"/>
+            <a:ext cx="1079599" cy="161925"/>
+            <a:chOff x="852" y="3385"/>
+            <a:chExt cx="906" cy="136"/>
+          </a:xfrm>
+          <a:solidFill>
+            <a:schemeClr val="accent2">
+              <a:lumMod val="75000"/>
+            </a:schemeClr>
+          </a:solidFill>
+        </p:grpSpPr>
+        <p:sp>
+          <p:nvSpPr>
+            <p:cNvPr id="19" name="AutoShape 90">
+              <a:extLst>
+                <a:ext uri="{FF2B5EF4-FFF2-40B4-BE49-F238E27FC236}">
+                  <a16:creationId xmlns:a16="http://schemas.microsoft.com/office/drawing/2014/main" id="{0D3EB79E-5BB7-48A7-BCCE-FD3846B0A067}"/>
+                </a:ext>
+              </a:extLst>
+            </p:cNvPr>
+            <p:cNvSpPr>
+              <a:spLocks noChangeArrowheads="1"/>
+            </p:cNvSpPr>
+            <p:nvPr/>
+          </p:nvSpPr>
+          <p:spPr bwMode="auto">
+            <a:xfrm>
+              <a:off x="1079" y="3385"/>
+              <a:ext cx="226" cy="136"/>
+            </a:xfrm>
+            <a:prstGeom prst="chevron">
+              <a:avLst>
+                <a:gd name="adj" fmla="val 41544"/>
+              </a:avLst>
+            </a:prstGeom>
+            <a:solidFill>
+              <a:srgbClr val="002060"/>
+            </a:solidFill>
+            <a:ln w="6350" algn="ctr">
+              <a:solidFill>
+                <a:srgbClr val="002060"/>
+              </a:solidFill>
+              <a:miter lim="800000"/>
+              <a:headEnd type="none" w="sm" len="sm"/>
+              <a:tailEnd type="none" w="med" len="lg"/>
+            </a:ln>
+          </p:spPr>
+          <p:txBody>
+            <a:bodyPr tIns="68580" bIns="68580" anchor="ctr"/>
+            <a:lstStyle/>
+            <a:p>
+              <a:pPr algn="ctr">
+                <a:defRPr/>
+              </a:pPr>
+              <a:endParaRPr lang="en-GB" sz="1214" dirty="0"/>
+            </a:p>
+          </p:txBody>
+        </p:sp>
+        <p:sp>
+          <p:nvSpPr>
+            <p:cNvPr id="20" name="AutoShape 91">
+              <a:extLst>
+                <a:ext uri="{FF2B5EF4-FFF2-40B4-BE49-F238E27FC236}">
+                  <a16:creationId xmlns:a16="http://schemas.microsoft.com/office/drawing/2014/main" id="{3B1D83F7-3307-4C9E-B605-B4A04FA3A02C}"/>
+                </a:ext>
+              </a:extLst>
+            </p:cNvPr>
+            <p:cNvSpPr>
+              <a:spLocks noChangeArrowheads="1"/>
+            </p:cNvSpPr>
+            <p:nvPr/>
+          </p:nvSpPr>
+          <p:spPr bwMode="auto">
+            <a:xfrm>
+              <a:off x="1306" y="3385"/>
+              <a:ext cx="225" cy="136"/>
+            </a:xfrm>
+            <a:prstGeom prst="chevron">
+              <a:avLst>
+                <a:gd name="adj" fmla="val 41544"/>
+              </a:avLst>
+            </a:prstGeom>
+            <a:noFill/>
+            <a:ln w="6350" algn="ctr">
+              <a:solidFill>
+                <a:srgbClr val="002060"/>
+              </a:solidFill>
+              <a:miter lim="800000"/>
+              <a:headEnd type="none" w="sm" len="sm"/>
+              <a:tailEnd type="none" w="med" len="lg"/>
+            </a:ln>
+          </p:spPr>
+          <p:txBody>
+            <a:bodyPr tIns="68580" bIns="68580" anchor="ctr"/>
+            <a:lstStyle/>
+            <a:p>
+              <a:pPr algn="ctr">
+                <a:defRPr/>
+              </a:pPr>
+              <a:endParaRPr lang="en-GB" sz="1214" dirty="0"/>
+            </a:p>
+          </p:txBody>
+        </p:sp>
+        <p:sp>
+          <p:nvSpPr>
+            <p:cNvPr id="21" name="AutoShape 92">
+              <a:extLst>
+                <a:ext uri="{FF2B5EF4-FFF2-40B4-BE49-F238E27FC236}">
+                  <a16:creationId xmlns:a16="http://schemas.microsoft.com/office/drawing/2014/main" id="{36732666-9C14-42A4-A0BE-EF4433D172C9}"/>
+                </a:ext>
+              </a:extLst>
+            </p:cNvPr>
+            <p:cNvSpPr>
+              <a:spLocks noChangeArrowheads="1"/>
+            </p:cNvSpPr>
+            <p:nvPr/>
+          </p:nvSpPr>
+          <p:spPr bwMode="auto">
+            <a:xfrm>
+              <a:off x="1532" y="3385"/>
+              <a:ext cx="226" cy="136"/>
+            </a:xfrm>
+            <a:prstGeom prst="chevron">
+              <a:avLst>
+                <a:gd name="adj" fmla="val 41544"/>
+              </a:avLst>
+            </a:prstGeom>
+            <a:noFill/>
+            <a:ln w="6350" algn="ctr">
+              <a:solidFill>
+                <a:srgbClr val="002060"/>
+              </a:solidFill>
+              <a:miter lim="800000"/>
+              <a:headEnd type="none" w="sm" len="sm"/>
+              <a:tailEnd type="none" w="med" len="lg"/>
+            </a:ln>
+          </p:spPr>
+          <p:txBody>
+            <a:bodyPr tIns="68580" bIns="68580" anchor="ctr"/>
+            <a:lstStyle/>
+            <a:p>
+              <a:pPr algn="ctr">
+                <a:defRPr/>
+              </a:pPr>
+              <a:endParaRPr lang="en-GB" sz="1214" dirty="0"/>
+            </a:p>
+          </p:txBody>
+        </p:sp>
+        <p:sp>
+          <p:nvSpPr>
+            <p:cNvPr id="22" name="AutoShape 93">
+              <a:extLst>
+                <a:ext uri="{FF2B5EF4-FFF2-40B4-BE49-F238E27FC236}">
+                  <a16:creationId xmlns:a16="http://schemas.microsoft.com/office/drawing/2014/main" id="{ED78344B-2AE9-469C-A7A2-6AE2B783055B}"/>
+                </a:ext>
+              </a:extLst>
+            </p:cNvPr>
+            <p:cNvSpPr>
+              <a:spLocks noChangeArrowheads="1"/>
+            </p:cNvSpPr>
+            <p:nvPr/>
+          </p:nvSpPr>
+          <p:spPr bwMode="auto">
+            <a:xfrm>
+              <a:off x="852" y="3385"/>
+              <a:ext cx="227" cy="136"/>
+            </a:xfrm>
+            <a:prstGeom prst="homePlate">
+              <a:avLst>
+                <a:gd name="adj" fmla="val 41728"/>
+              </a:avLst>
+            </a:prstGeom>
+            <a:noFill/>
+            <a:ln w="6350" algn="ctr">
+              <a:solidFill>
+                <a:srgbClr val="002060"/>
+              </a:solidFill>
+              <a:miter lim="800000"/>
+              <a:headEnd type="none" w="sm" len="sm"/>
+              <a:tailEnd type="none" w="med" len="lg"/>
+            </a:ln>
+          </p:spPr>
+          <p:txBody>
+            <a:bodyPr tIns="68580" bIns="68580" anchor="ctr"/>
+            <a:lstStyle/>
+            <a:p>
+              <a:pPr algn="ctr">
+                <a:defRPr/>
+              </a:pPr>
+              <a:endParaRPr lang="en-GB" sz="1214" dirty="0"/>
+            </a:p>
+          </p:txBody>
+        </p:sp>
+      </p:grpSp>
     </p:spTree>
     <p:extLst>
       <p:ext uri="{BB962C8B-B14F-4D97-AF65-F5344CB8AC3E}">
-        <p14:creationId xmlns:p14="http://schemas.microsoft.com/office/powerpoint/2010/main" val="1829544996"/>
+        <p14:creationId xmlns:p14="http://schemas.microsoft.com/office/powerpoint/2010/main" val="1588902158"/>
       </p:ext>
     </p:extLst>
   </p:cSld>
@@ -3191,7 +5172,7 @@
           <p:cNvPr id="2" name="Content Placeholder 1">
             <a:extLst>
               <a:ext uri="{FF2B5EF4-FFF2-40B4-BE49-F238E27FC236}">
-                <a16:creationId xmlns:a16="http://schemas.microsoft.com/office/drawing/2014/main" id="{30AE297E-5FBD-47B8-AC27-77364C4A2DAD}"/>
+                <a16:creationId xmlns:a16="http://schemas.microsoft.com/office/drawing/2014/main" id="{447C9CBA-ADD4-4F09-AAA3-8564CBF6FF37}"/>
               </a:ext>
             </a:extLst>
           </p:cNvPr>
@@ -3202,12 +5183,17 @@
             <p:ph idx="1"/>
           </p:nvPr>
         </p:nvSpPr>
-        <p:spPr/>
+        <p:spPr>
+          <a:xfrm>
+            <a:off x="466871" y="869816"/>
+            <a:ext cx="4062599" cy="3681081"/>
+          </a:xfrm>
+        </p:spPr>
         <p:txBody>
           <a:bodyPr/>
           <a:lstStyle/>
           <a:p>
-            <a:endParaRPr lang="en-US"/>
+            <a:endParaRPr lang="en-US" dirty="0"/>
           </a:p>
         </p:txBody>
       </p:sp>
@@ -3216,7 +5202,7 @@
           <p:cNvPr id="3" name="Footer Placeholder 2">
             <a:extLst>
               <a:ext uri="{FF2B5EF4-FFF2-40B4-BE49-F238E27FC236}">
-                <a16:creationId xmlns:a16="http://schemas.microsoft.com/office/drawing/2014/main" id="{15FC7681-331C-45C6-9C8C-ABEFCAFA76B1}"/>
+                <a16:creationId xmlns:a16="http://schemas.microsoft.com/office/drawing/2014/main" id="{41D8ADAE-A647-46D7-AB6E-418F9ECC2173}"/>
               </a:ext>
             </a:extLst>
           </p:cNvPr>
@@ -3245,7 +5231,7 @@
           <p:cNvPr id="4" name="Title 3">
             <a:extLst>
               <a:ext uri="{FF2B5EF4-FFF2-40B4-BE49-F238E27FC236}">
-                <a16:creationId xmlns:a16="http://schemas.microsoft.com/office/drawing/2014/main" id="{AD87939C-EF1A-4313-A0EA-A7F8286D6693}"/>
+                <a16:creationId xmlns:a16="http://schemas.microsoft.com/office/drawing/2014/main" id="{2B7F0B7C-3F12-4563-AD80-493B98D62443}"/>
               </a:ext>
             </a:extLst>
           </p:cNvPr>
@@ -3263,7 +5249,7 @@
           <a:p>
             <a:r>
               <a:rPr lang="en-US" dirty="0"/>
-              <a:t>User Interface</a:t>
+              <a:t>Sign Up Screen</a:t>
             </a:r>
           </a:p>
         </p:txBody>
@@ -3273,7 +5259,7 @@
           <p:cNvPr id="5" name="Slide Number Placeholder 4">
             <a:extLst>
               <a:ext uri="{FF2B5EF4-FFF2-40B4-BE49-F238E27FC236}">
-                <a16:creationId xmlns:a16="http://schemas.microsoft.com/office/drawing/2014/main" id="{B9A4AD09-9E0B-443F-BBFF-11A1731093E3}"/>
+                <a16:creationId xmlns:a16="http://schemas.microsoft.com/office/drawing/2014/main" id="{DA749CD9-F80D-45C4-809A-17411F51AD70}"/>
               </a:ext>
             </a:extLst>
           </p:cNvPr>
@@ -3298,10 +5284,250 @@
           </a:p>
         </p:txBody>
       </p:sp>
+      <p:pic>
+        <p:nvPicPr>
+          <p:cNvPr id="8" name="Picture 7">
+            <a:extLst>
+              <a:ext uri="{FF2B5EF4-FFF2-40B4-BE49-F238E27FC236}">
+                <a16:creationId xmlns:a16="http://schemas.microsoft.com/office/drawing/2014/main" id="{01414FE0-7A1D-45C5-99BD-2504669015E7}"/>
+              </a:ext>
+            </a:extLst>
+          </p:cNvPr>
+          <p:cNvPicPr>
+            <a:picLocks noChangeAspect="1"/>
+          </p:cNvPicPr>
+          <p:nvPr/>
+        </p:nvPicPr>
+        <p:blipFill>
+          <a:blip r:embed="rId2"/>
+          <a:stretch>
+            <a:fillRect/>
+          </a:stretch>
+        </p:blipFill>
+        <p:spPr>
+          <a:xfrm>
+            <a:off x="4746374" y="1709597"/>
+            <a:ext cx="3931920" cy="2126764"/>
+          </a:xfrm>
+          <a:prstGeom prst="rect">
+            <a:avLst/>
+          </a:prstGeom>
+        </p:spPr>
+      </p:pic>
+      <p:grpSp>
+        <p:nvGrpSpPr>
+          <p:cNvPr id="13" name="Group 89">
+            <a:extLst>
+              <a:ext uri="{FF2B5EF4-FFF2-40B4-BE49-F238E27FC236}">
+                <a16:creationId xmlns:a16="http://schemas.microsoft.com/office/drawing/2014/main" id="{998DB620-6320-4052-9704-E34233CD3DA3}"/>
+              </a:ext>
+            </a:extLst>
+          </p:cNvPr>
+          <p:cNvGrpSpPr>
+            <a:grpSpLocks/>
+          </p:cNvGrpSpPr>
+          <p:nvPr/>
+        </p:nvGrpSpPr>
+        <p:grpSpPr bwMode="auto">
+          <a:xfrm>
+            <a:off x="7643747" y="320040"/>
+            <a:ext cx="1079599" cy="161925"/>
+            <a:chOff x="852" y="3385"/>
+            <a:chExt cx="906" cy="136"/>
+          </a:xfrm>
+          <a:solidFill>
+            <a:schemeClr val="accent2">
+              <a:lumMod val="75000"/>
+            </a:schemeClr>
+          </a:solidFill>
+        </p:grpSpPr>
+        <p:sp>
+          <p:nvSpPr>
+            <p:cNvPr id="14" name="AutoShape 90">
+              <a:extLst>
+                <a:ext uri="{FF2B5EF4-FFF2-40B4-BE49-F238E27FC236}">
+                  <a16:creationId xmlns:a16="http://schemas.microsoft.com/office/drawing/2014/main" id="{014E9C4A-F42C-42D4-B491-31877CA3B12C}"/>
+                </a:ext>
+              </a:extLst>
+            </p:cNvPr>
+            <p:cNvSpPr>
+              <a:spLocks noChangeArrowheads="1"/>
+            </p:cNvSpPr>
+            <p:nvPr/>
+          </p:nvSpPr>
+          <p:spPr bwMode="auto">
+            <a:xfrm>
+              <a:off x="1079" y="3385"/>
+              <a:ext cx="226" cy="136"/>
+            </a:xfrm>
+            <a:prstGeom prst="chevron">
+              <a:avLst>
+                <a:gd name="adj" fmla="val 41544"/>
+              </a:avLst>
+            </a:prstGeom>
+            <a:solidFill>
+              <a:srgbClr val="002060"/>
+            </a:solidFill>
+            <a:ln w="6350" algn="ctr">
+              <a:solidFill>
+                <a:srgbClr val="002060"/>
+              </a:solidFill>
+              <a:miter lim="800000"/>
+              <a:headEnd type="none" w="sm" len="sm"/>
+              <a:tailEnd type="none" w="med" len="lg"/>
+            </a:ln>
+          </p:spPr>
+          <p:txBody>
+            <a:bodyPr tIns="68580" bIns="68580" anchor="ctr"/>
+            <a:lstStyle/>
+            <a:p>
+              <a:pPr algn="ctr">
+                <a:defRPr/>
+              </a:pPr>
+              <a:endParaRPr lang="en-GB" sz="1214" dirty="0"/>
+            </a:p>
+          </p:txBody>
+        </p:sp>
+        <p:sp>
+          <p:nvSpPr>
+            <p:cNvPr id="15" name="AutoShape 91">
+              <a:extLst>
+                <a:ext uri="{FF2B5EF4-FFF2-40B4-BE49-F238E27FC236}">
+                  <a16:creationId xmlns:a16="http://schemas.microsoft.com/office/drawing/2014/main" id="{C82F0309-2A06-4285-8724-9C492A05CBA5}"/>
+                </a:ext>
+              </a:extLst>
+            </p:cNvPr>
+            <p:cNvSpPr>
+              <a:spLocks noChangeArrowheads="1"/>
+            </p:cNvSpPr>
+            <p:nvPr/>
+          </p:nvSpPr>
+          <p:spPr bwMode="auto">
+            <a:xfrm>
+              <a:off x="1306" y="3385"/>
+              <a:ext cx="225" cy="136"/>
+            </a:xfrm>
+            <a:prstGeom prst="chevron">
+              <a:avLst>
+                <a:gd name="adj" fmla="val 41544"/>
+              </a:avLst>
+            </a:prstGeom>
+            <a:noFill/>
+            <a:ln w="6350" algn="ctr">
+              <a:solidFill>
+                <a:srgbClr val="002060"/>
+              </a:solidFill>
+              <a:miter lim="800000"/>
+              <a:headEnd type="none" w="sm" len="sm"/>
+              <a:tailEnd type="none" w="med" len="lg"/>
+            </a:ln>
+          </p:spPr>
+          <p:txBody>
+            <a:bodyPr tIns="68580" bIns="68580" anchor="ctr"/>
+            <a:lstStyle/>
+            <a:p>
+              <a:pPr algn="ctr">
+                <a:defRPr/>
+              </a:pPr>
+              <a:endParaRPr lang="en-GB" sz="1214" dirty="0"/>
+            </a:p>
+          </p:txBody>
+        </p:sp>
+        <p:sp>
+          <p:nvSpPr>
+            <p:cNvPr id="16" name="AutoShape 92">
+              <a:extLst>
+                <a:ext uri="{FF2B5EF4-FFF2-40B4-BE49-F238E27FC236}">
+                  <a16:creationId xmlns:a16="http://schemas.microsoft.com/office/drawing/2014/main" id="{EEAAE796-4822-4130-B01A-7C3F82CEE60C}"/>
+                </a:ext>
+              </a:extLst>
+            </p:cNvPr>
+            <p:cNvSpPr>
+              <a:spLocks noChangeArrowheads="1"/>
+            </p:cNvSpPr>
+            <p:nvPr/>
+          </p:nvSpPr>
+          <p:spPr bwMode="auto">
+            <a:xfrm>
+              <a:off x="1532" y="3385"/>
+              <a:ext cx="226" cy="136"/>
+            </a:xfrm>
+            <a:prstGeom prst="chevron">
+              <a:avLst>
+                <a:gd name="adj" fmla="val 41544"/>
+              </a:avLst>
+            </a:prstGeom>
+            <a:noFill/>
+            <a:ln w="6350" algn="ctr">
+              <a:solidFill>
+                <a:srgbClr val="002060"/>
+              </a:solidFill>
+              <a:miter lim="800000"/>
+              <a:headEnd type="none" w="sm" len="sm"/>
+              <a:tailEnd type="none" w="med" len="lg"/>
+            </a:ln>
+          </p:spPr>
+          <p:txBody>
+            <a:bodyPr tIns="68580" bIns="68580" anchor="ctr"/>
+            <a:lstStyle/>
+            <a:p>
+              <a:pPr algn="ctr">
+                <a:defRPr/>
+              </a:pPr>
+              <a:endParaRPr lang="en-GB" sz="1214" dirty="0"/>
+            </a:p>
+          </p:txBody>
+        </p:sp>
+        <p:sp>
+          <p:nvSpPr>
+            <p:cNvPr id="17" name="AutoShape 93">
+              <a:extLst>
+                <a:ext uri="{FF2B5EF4-FFF2-40B4-BE49-F238E27FC236}">
+                  <a16:creationId xmlns:a16="http://schemas.microsoft.com/office/drawing/2014/main" id="{24C88728-1B89-4129-A216-917210FEF4C2}"/>
+                </a:ext>
+              </a:extLst>
+            </p:cNvPr>
+            <p:cNvSpPr>
+              <a:spLocks noChangeArrowheads="1"/>
+            </p:cNvSpPr>
+            <p:nvPr/>
+          </p:nvSpPr>
+          <p:spPr bwMode="auto">
+            <a:xfrm>
+              <a:off x="852" y="3385"/>
+              <a:ext cx="227" cy="136"/>
+            </a:xfrm>
+            <a:prstGeom prst="homePlate">
+              <a:avLst>
+                <a:gd name="adj" fmla="val 41728"/>
+              </a:avLst>
+            </a:prstGeom>
+            <a:noFill/>
+            <a:ln w="6350" algn="ctr">
+              <a:solidFill>
+                <a:srgbClr val="002060"/>
+              </a:solidFill>
+              <a:miter lim="800000"/>
+              <a:headEnd type="none" w="sm" len="sm"/>
+              <a:tailEnd type="none" w="med" len="lg"/>
+            </a:ln>
+          </p:spPr>
+          <p:txBody>
+            <a:bodyPr tIns="68580" bIns="68580" anchor="ctr"/>
+            <a:lstStyle/>
+            <a:p>
+              <a:pPr algn="ctr">
+                <a:defRPr/>
+              </a:pPr>
+              <a:endParaRPr lang="en-GB" sz="1214" dirty="0"/>
+            </a:p>
+          </p:txBody>
+        </p:sp>
+      </p:grpSp>
     </p:spTree>
     <p:extLst>
       <p:ext uri="{BB962C8B-B14F-4D97-AF65-F5344CB8AC3E}">
-        <p14:creationId xmlns:p14="http://schemas.microsoft.com/office/powerpoint/2010/main" val="571289476"/>
+        <p14:creationId xmlns:p14="http://schemas.microsoft.com/office/powerpoint/2010/main" val="643998902"/>
       </p:ext>
     </p:extLst>
   </p:cSld>
@@ -3330,10 +5556,1236 @@
       </p:grpSpPr>
       <p:sp>
         <p:nvSpPr>
+          <p:cNvPr id="2" name="Title 1">
+            <a:extLst>
+              <a:ext uri="{FF2B5EF4-FFF2-40B4-BE49-F238E27FC236}">
+                <a16:creationId xmlns:a16="http://schemas.microsoft.com/office/drawing/2014/main" id="{1FCF6AF3-246A-4F13-8443-D49318F9DCFF}"/>
+              </a:ext>
+            </a:extLst>
+          </p:cNvPr>
+          <p:cNvSpPr>
+            <a:spLocks noGrp="1"/>
+          </p:cNvSpPr>
+          <p:nvPr>
+            <p:ph type="title"/>
+          </p:nvPr>
+        </p:nvSpPr>
+        <p:spPr/>
+        <p:txBody>
+          <a:bodyPr/>
+          <a:lstStyle/>
+          <a:p>
+            <a:r>
+              <a:rPr lang="en-US" dirty="0"/>
+              <a:t>Encryption and Security</a:t>
+            </a:r>
+          </a:p>
+        </p:txBody>
+      </p:sp>
+      <p:sp>
+        <p:nvSpPr>
+          <p:cNvPr id="3" name="Footer Placeholder 2">
+            <a:extLst>
+              <a:ext uri="{FF2B5EF4-FFF2-40B4-BE49-F238E27FC236}">
+                <a16:creationId xmlns:a16="http://schemas.microsoft.com/office/drawing/2014/main" id="{FD8FD9DE-CB48-445C-98E2-07AF2BEDE0C7}"/>
+              </a:ext>
+            </a:extLst>
+          </p:cNvPr>
+          <p:cNvSpPr>
+            <a:spLocks noGrp="1"/>
+          </p:cNvSpPr>
+          <p:nvPr>
+            <p:ph type="ftr" sz="quarter" idx="11"/>
+          </p:nvPr>
+        </p:nvSpPr>
+        <p:spPr/>
+        <p:txBody>
+          <a:bodyPr/>
+          <a:lstStyle/>
+          <a:p>
+            <a:r>
+              <a:rPr lang="en-US"/>
+              <a:t>Group Four</a:t>
+            </a:r>
+            <a:endParaRPr lang="en-US" dirty="0"/>
+          </a:p>
+        </p:txBody>
+      </p:sp>
+      <p:sp>
+        <p:nvSpPr>
+          <p:cNvPr id="4" name="Slide Number Placeholder 3">
+            <a:extLst>
+              <a:ext uri="{FF2B5EF4-FFF2-40B4-BE49-F238E27FC236}">
+                <a16:creationId xmlns:a16="http://schemas.microsoft.com/office/drawing/2014/main" id="{D76721C2-2871-4903-9301-C1F600207BCA}"/>
+              </a:ext>
+            </a:extLst>
+          </p:cNvPr>
+          <p:cNvSpPr>
+            <a:spLocks noGrp="1"/>
+          </p:cNvSpPr>
+          <p:nvPr>
+            <p:ph type="sldNum" sz="quarter" idx="12"/>
+          </p:nvPr>
+        </p:nvSpPr>
+        <p:spPr/>
+        <p:txBody>
+          <a:bodyPr/>
+          <a:lstStyle/>
+          <a:p>
+            <a:fld id="{F2407EE3-A7AD-4D85-AA70-E0A9F1A7BE8D}" type="slidenum">
+              <a:rPr lang="en-US" smtClean="0"/>
+              <a:pPr/>
+              <a:t>7</a:t>
+            </a:fld>
+            <a:endParaRPr lang="en-US" dirty="0"/>
+          </a:p>
+        </p:txBody>
+      </p:sp>
+      <p:sp>
+        <p:nvSpPr>
+          <p:cNvPr id="5" name="Freeform 2">
+            <a:extLst>
+              <a:ext uri="{FF2B5EF4-FFF2-40B4-BE49-F238E27FC236}">
+                <a16:creationId xmlns:a16="http://schemas.microsoft.com/office/drawing/2014/main" id="{AA125746-364C-4401-88AB-B8BC0F38F09E}"/>
+              </a:ext>
+            </a:extLst>
+          </p:cNvPr>
+          <p:cNvSpPr>
+            <a:spLocks/>
+          </p:cNvSpPr>
+          <p:nvPr>
+            <p:custDataLst>
+              <p:tags r:id="rId1"/>
+            </p:custDataLst>
+          </p:nvPr>
+        </p:nvSpPr>
+        <p:spPr bwMode="blackWhite">
+          <a:xfrm>
+            <a:off x="1863329" y="1198747"/>
+            <a:ext cx="3118842" cy="2933700"/>
+          </a:xfrm>
+          <a:custGeom>
+            <a:avLst/>
+            <a:gdLst>
+              <a:gd name="T0" fmla="*/ 2147483647 w 1934"/>
+              <a:gd name="T1" fmla="*/ 2147483647 h 1970"/>
+              <a:gd name="T2" fmla="*/ 0 w 1934"/>
+              <a:gd name="T3" fmla="*/ 2147483647 h 1970"/>
+              <a:gd name="T4" fmla="*/ 0 w 1934"/>
+              <a:gd name="T5" fmla="*/ 0 h 1970"/>
+              <a:gd name="T6" fmla="*/ 2147483647 w 1934"/>
+              <a:gd name="T7" fmla="*/ 0 h 1970"/>
+              <a:gd name="T8" fmla="*/ 2147483647 w 1934"/>
+              <a:gd name="T9" fmla="*/ 2147483647 h 1970"/>
+              <a:gd name="T10" fmla="*/ 2147483647 w 1934"/>
+              <a:gd name="T11" fmla="*/ 2147483647 h 1970"/>
+              <a:gd name="T12" fmla="*/ 2147483647 w 1934"/>
+              <a:gd name="T13" fmla="*/ 2147483647 h 1970"/>
+              <a:gd name="T14" fmla="*/ 2147483647 w 1934"/>
+              <a:gd name="T15" fmla="*/ 2147483647 h 1970"/>
+              <a:gd name="T16" fmla="*/ 2147483647 w 1934"/>
+              <a:gd name="T17" fmla="*/ 2147483647 h 1970"/>
+              <a:gd name="T18" fmla="*/ 2147483647 w 1934"/>
+              <a:gd name="T19" fmla="*/ 2147483647 h 1970"/>
+              <a:gd name="T20" fmla="*/ 2147483647 w 1934"/>
+              <a:gd name="T21" fmla="*/ 2147483647 h 1970"/>
+              <a:gd name="T22" fmla="*/ 2147483647 w 1934"/>
+              <a:gd name="T23" fmla="*/ 2147483647 h 1970"/>
+              <a:gd name="T24" fmla="*/ 2147483647 w 1934"/>
+              <a:gd name="T25" fmla="*/ 2147483647 h 1970"/>
+              <a:gd name="T26" fmla="*/ 2147483647 w 1934"/>
+              <a:gd name="T27" fmla="*/ 2147483647 h 1970"/>
+              <a:gd name="T28" fmla="*/ 2147483647 w 1934"/>
+              <a:gd name="T29" fmla="*/ 2147483647 h 1970"/>
+              <a:gd name="T30" fmla="*/ 2147483647 w 1934"/>
+              <a:gd name="T31" fmla="*/ 2147483647 h 1970"/>
+              <a:gd name="T32" fmla="*/ 0 60000 65536"/>
+              <a:gd name="T33" fmla="*/ 0 60000 65536"/>
+              <a:gd name="T34" fmla="*/ 0 60000 65536"/>
+              <a:gd name="T35" fmla="*/ 0 60000 65536"/>
+              <a:gd name="T36" fmla="*/ 0 60000 65536"/>
+              <a:gd name="T37" fmla="*/ 0 60000 65536"/>
+              <a:gd name="T38" fmla="*/ 0 60000 65536"/>
+              <a:gd name="T39" fmla="*/ 0 60000 65536"/>
+              <a:gd name="T40" fmla="*/ 0 60000 65536"/>
+              <a:gd name="T41" fmla="*/ 0 60000 65536"/>
+              <a:gd name="T42" fmla="*/ 0 60000 65536"/>
+              <a:gd name="T43" fmla="*/ 0 60000 65536"/>
+              <a:gd name="T44" fmla="*/ 0 60000 65536"/>
+              <a:gd name="T45" fmla="*/ 0 60000 65536"/>
+              <a:gd name="T46" fmla="*/ 0 60000 65536"/>
+              <a:gd name="T47" fmla="*/ 0 60000 65536"/>
+              <a:gd name="T48" fmla="*/ 0 w 1934"/>
+              <a:gd name="T49" fmla="*/ 0 h 1970"/>
+              <a:gd name="T50" fmla="*/ 1934 w 1934"/>
+              <a:gd name="T51" fmla="*/ 1970 h 1970"/>
+            </a:gdLst>
+            <a:ahLst/>
+            <a:cxnLst>
+              <a:cxn ang="T32">
+                <a:pos x="T0" y="T1"/>
+              </a:cxn>
+              <a:cxn ang="T33">
+                <a:pos x="T2" y="T3"/>
+              </a:cxn>
+              <a:cxn ang="T34">
+                <a:pos x="T4" y="T5"/>
+              </a:cxn>
+              <a:cxn ang="T35">
+                <a:pos x="T6" y="T7"/>
+              </a:cxn>
+              <a:cxn ang="T36">
+                <a:pos x="T8" y="T9"/>
+              </a:cxn>
+              <a:cxn ang="T37">
+                <a:pos x="T10" y="T11"/>
+              </a:cxn>
+              <a:cxn ang="T38">
+                <a:pos x="T12" y="T13"/>
+              </a:cxn>
+              <a:cxn ang="T39">
+                <a:pos x="T14" y="T15"/>
+              </a:cxn>
+              <a:cxn ang="T40">
+                <a:pos x="T16" y="T17"/>
+              </a:cxn>
+              <a:cxn ang="T41">
+                <a:pos x="T18" y="T19"/>
+              </a:cxn>
+              <a:cxn ang="T42">
+                <a:pos x="T20" y="T21"/>
+              </a:cxn>
+              <a:cxn ang="T43">
+                <a:pos x="T22" y="T23"/>
+              </a:cxn>
+              <a:cxn ang="T44">
+                <a:pos x="T24" y="T25"/>
+              </a:cxn>
+              <a:cxn ang="T45">
+                <a:pos x="T26" y="T27"/>
+              </a:cxn>
+              <a:cxn ang="T46">
+                <a:pos x="T28" y="T29"/>
+              </a:cxn>
+              <a:cxn ang="T47">
+                <a:pos x="T30" y="T31"/>
+              </a:cxn>
+            </a:cxnLst>
+            <a:rect l="T48" t="T49" r="T50" b="T51"/>
+            <a:pathLst>
+              <a:path w="1934" h="1970">
+                <a:moveTo>
+                  <a:pt x="1518" y="1969"/>
+                </a:moveTo>
+                <a:lnTo>
+                  <a:pt x="0" y="1969"/>
+                </a:lnTo>
+                <a:lnTo>
+                  <a:pt x="0" y="0"/>
+                </a:lnTo>
+                <a:lnTo>
+                  <a:pt x="1699" y="0"/>
+                </a:lnTo>
+                <a:lnTo>
+                  <a:pt x="1648" y="525"/>
+                </a:lnTo>
+                <a:lnTo>
+                  <a:pt x="1734" y="525"/>
+                </a:lnTo>
+                <a:lnTo>
+                  <a:pt x="1734" y="276"/>
+                </a:lnTo>
+                <a:lnTo>
+                  <a:pt x="1933" y="703"/>
+                </a:lnTo>
+                <a:lnTo>
+                  <a:pt x="1734" y="1104"/>
+                </a:lnTo>
+                <a:lnTo>
+                  <a:pt x="1734" y="855"/>
+                </a:lnTo>
+                <a:lnTo>
+                  <a:pt x="1622" y="855"/>
+                </a:lnTo>
+                <a:lnTo>
+                  <a:pt x="1596" y="1104"/>
+                </a:lnTo>
+                <a:lnTo>
+                  <a:pt x="1596" y="864"/>
+                </a:lnTo>
+                <a:lnTo>
+                  <a:pt x="1397" y="1256"/>
+                </a:lnTo>
+                <a:lnTo>
+                  <a:pt x="1556" y="1597"/>
+                </a:lnTo>
+                <a:lnTo>
+                  <a:pt x="1518" y="1969"/>
+                </a:lnTo>
+              </a:path>
+            </a:pathLst>
+          </a:custGeom>
+          <a:solidFill>
+            <a:schemeClr val="bg1"/>
+          </a:solidFill>
+          <a:ln w="12700" cap="rnd">
+            <a:solidFill>
+              <a:schemeClr val="accent2">
+                <a:lumMod val="75000"/>
+              </a:schemeClr>
+            </a:solidFill>
+            <a:round/>
+            <a:headEnd/>
+            <a:tailEnd/>
+          </a:ln>
+        </p:spPr>
+        <p:txBody>
+          <a:bodyPr/>
+          <a:lstStyle/>
+          <a:p>
+            <a:pPr>
+              <a:defRPr/>
+            </a:pPr>
+            <a:endParaRPr lang="en-GB" sz="1214" dirty="0"/>
+          </a:p>
+        </p:txBody>
+      </p:sp>
+      <p:sp>
+        <p:nvSpPr>
+          <p:cNvPr id="6" name="Freeform 3">
+            <a:extLst>
+              <a:ext uri="{FF2B5EF4-FFF2-40B4-BE49-F238E27FC236}">
+                <a16:creationId xmlns:a16="http://schemas.microsoft.com/office/drawing/2014/main" id="{FDD38B89-DB7D-4FC0-8F64-1C2DF5EAA8F8}"/>
+              </a:ext>
+            </a:extLst>
+          </p:cNvPr>
+          <p:cNvSpPr>
+            <a:spLocks/>
+          </p:cNvSpPr>
+          <p:nvPr>
+            <p:custDataLst>
+              <p:tags r:id="rId2"/>
+            </p:custDataLst>
+          </p:nvPr>
+        </p:nvSpPr>
+        <p:spPr bwMode="blackWhite">
+          <a:xfrm>
+            <a:off x="4115396" y="1198747"/>
+            <a:ext cx="3120133" cy="2933700"/>
+          </a:xfrm>
+          <a:custGeom>
+            <a:avLst/>
+            <a:gdLst>
+              <a:gd name="T0" fmla="*/ 2147483647 w 1934"/>
+              <a:gd name="T1" fmla="*/ 0 h 1970"/>
+              <a:gd name="T2" fmla="*/ 2147483647 w 1934"/>
+              <a:gd name="T3" fmla="*/ 0 h 1970"/>
+              <a:gd name="T4" fmla="*/ 2147483647 w 1934"/>
+              <a:gd name="T5" fmla="*/ 2147483647 h 1970"/>
+              <a:gd name="T6" fmla="*/ 2147483647 w 1934"/>
+              <a:gd name="T7" fmla="*/ 2147483647 h 1970"/>
+              <a:gd name="T8" fmla="*/ 2147483647 w 1934"/>
+              <a:gd name="T9" fmla="*/ 2147483647 h 1970"/>
+              <a:gd name="T10" fmla="*/ 2147483647 w 1934"/>
+              <a:gd name="T11" fmla="*/ 2147483647 h 1970"/>
+              <a:gd name="T12" fmla="*/ 2147483647 w 1934"/>
+              <a:gd name="T13" fmla="*/ 2147483647 h 1970"/>
+              <a:gd name="T14" fmla="*/ 0 w 1934"/>
+              <a:gd name="T15" fmla="*/ 2147483647 h 1970"/>
+              <a:gd name="T16" fmla="*/ 2147483647 w 1934"/>
+              <a:gd name="T17" fmla="*/ 2147483647 h 1970"/>
+              <a:gd name="T18" fmla="*/ 2147483647 w 1934"/>
+              <a:gd name="T19" fmla="*/ 2147483647 h 1970"/>
+              <a:gd name="T20" fmla="*/ 2147483647 w 1934"/>
+              <a:gd name="T21" fmla="*/ 2147483647 h 1970"/>
+              <a:gd name="T22" fmla="*/ 2147483647 w 1934"/>
+              <a:gd name="T23" fmla="*/ 2147483647 h 1970"/>
+              <a:gd name="T24" fmla="*/ 2147483647 w 1934"/>
+              <a:gd name="T25" fmla="*/ 2147483647 h 1970"/>
+              <a:gd name="T26" fmla="*/ 2147483647 w 1934"/>
+              <a:gd name="T27" fmla="*/ 2147483647 h 1970"/>
+              <a:gd name="T28" fmla="*/ 2147483647 w 1934"/>
+              <a:gd name="T29" fmla="*/ 2147483647 h 1970"/>
+              <a:gd name="T30" fmla="*/ 2147483647 w 1934"/>
+              <a:gd name="T31" fmla="*/ 0 h 1970"/>
+              <a:gd name="T32" fmla="*/ 0 60000 65536"/>
+              <a:gd name="T33" fmla="*/ 0 60000 65536"/>
+              <a:gd name="T34" fmla="*/ 0 60000 65536"/>
+              <a:gd name="T35" fmla="*/ 0 60000 65536"/>
+              <a:gd name="T36" fmla="*/ 0 60000 65536"/>
+              <a:gd name="T37" fmla="*/ 0 60000 65536"/>
+              <a:gd name="T38" fmla="*/ 0 60000 65536"/>
+              <a:gd name="T39" fmla="*/ 0 60000 65536"/>
+              <a:gd name="T40" fmla="*/ 0 60000 65536"/>
+              <a:gd name="T41" fmla="*/ 0 60000 65536"/>
+              <a:gd name="T42" fmla="*/ 0 60000 65536"/>
+              <a:gd name="T43" fmla="*/ 0 60000 65536"/>
+              <a:gd name="T44" fmla="*/ 0 60000 65536"/>
+              <a:gd name="T45" fmla="*/ 0 60000 65536"/>
+              <a:gd name="T46" fmla="*/ 0 60000 65536"/>
+              <a:gd name="T47" fmla="*/ 0 60000 65536"/>
+              <a:gd name="T48" fmla="*/ 0 w 1934"/>
+              <a:gd name="T49" fmla="*/ 0 h 1970"/>
+              <a:gd name="T50" fmla="*/ 1934 w 1934"/>
+              <a:gd name="T51" fmla="*/ 1970 h 1970"/>
+            </a:gdLst>
+            <a:ahLst/>
+            <a:cxnLst>
+              <a:cxn ang="T32">
+                <a:pos x="T0" y="T1"/>
+              </a:cxn>
+              <a:cxn ang="T33">
+                <a:pos x="T2" y="T3"/>
+              </a:cxn>
+              <a:cxn ang="T34">
+                <a:pos x="T4" y="T5"/>
+              </a:cxn>
+              <a:cxn ang="T35">
+                <a:pos x="T6" y="T7"/>
+              </a:cxn>
+              <a:cxn ang="T36">
+                <a:pos x="T8" y="T9"/>
+              </a:cxn>
+              <a:cxn ang="T37">
+                <a:pos x="T10" y="T11"/>
+              </a:cxn>
+              <a:cxn ang="T38">
+                <a:pos x="T12" y="T13"/>
+              </a:cxn>
+              <a:cxn ang="T39">
+                <a:pos x="T14" y="T15"/>
+              </a:cxn>
+              <a:cxn ang="T40">
+                <a:pos x="T16" y="T17"/>
+              </a:cxn>
+              <a:cxn ang="T41">
+                <a:pos x="T18" y="T19"/>
+              </a:cxn>
+              <a:cxn ang="T42">
+                <a:pos x="T20" y="T21"/>
+              </a:cxn>
+              <a:cxn ang="T43">
+                <a:pos x="T22" y="T23"/>
+              </a:cxn>
+              <a:cxn ang="T44">
+                <a:pos x="T24" y="T25"/>
+              </a:cxn>
+              <a:cxn ang="T45">
+                <a:pos x="T26" y="T27"/>
+              </a:cxn>
+              <a:cxn ang="T46">
+                <a:pos x="T28" y="T29"/>
+              </a:cxn>
+              <a:cxn ang="T47">
+                <a:pos x="T30" y="T31"/>
+              </a:cxn>
+            </a:cxnLst>
+            <a:rect l="T48" t="T49" r="T50" b="T51"/>
+            <a:pathLst>
+              <a:path w="1934" h="1970">
+                <a:moveTo>
+                  <a:pt x="414" y="0"/>
+                </a:moveTo>
+                <a:lnTo>
+                  <a:pt x="1933" y="0"/>
+                </a:lnTo>
+                <a:lnTo>
+                  <a:pt x="1933" y="1969"/>
+                </a:lnTo>
+                <a:lnTo>
+                  <a:pt x="241" y="1969"/>
+                </a:lnTo>
+                <a:lnTo>
+                  <a:pt x="284" y="1434"/>
+                </a:lnTo>
+                <a:lnTo>
+                  <a:pt x="198" y="1434"/>
+                </a:lnTo>
+                <a:lnTo>
+                  <a:pt x="198" y="1683"/>
+                </a:lnTo>
+                <a:lnTo>
+                  <a:pt x="0" y="1265"/>
+                </a:lnTo>
+                <a:lnTo>
+                  <a:pt x="198" y="864"/>
+                </a:lnTo>
+                <a:lnTo>
+                  <a:pt x="198" y="1113"/>
+                </a:lnTo>
+                <a:lnTo>
+                  <a:pt x="310" y="1113"/>
+                </a:lnTo>
+                <a:lnTo>
+                  <a:pt x="345" y="864"/>
+                </a:lnTo>
+                <a:lnTo>
+                  <a:pt x="336" y="1095"/>
+                </a:lnTo>
+                <a:lnTo>
+                  <a:pt x="535" y="694"/>
+                </a:lnTo>
+                <a:lnTo>
+                  <a:pt x="379" y="374"/>
+                </a:lnTo>
+                <a:lnTo>
+                  <a:pt x="414" y="0"/>
+                </a:lnTo>
+              </a:path>
+            </a:pathLst>
+          </a:custGeom>
+          <a:solidFill>
+            <a:schemeClr val="accent2">
+              <a:lumMod val="75000"/>
+            </a:schemeClr>
+          </a:solidFill>
+          <a:ln w="12700" cap="rnd">
+            <a:noFill/>
+            <a:round/>
+            <a:headEnd/>
+            <a:tailEnd/>
+          </a:ln>
+        </p:spPr>
+        <p:txBody>
+          <a:bodyPr/>
+          <a:lstStyle/>
+          <a:p>
+            <a:pPr>
+              <a:defRPr/>
+            </a:pPr>
+            <a:endParaRPr lang="en-GB" sz="1214" dirty="0"/>
+          </a:p>
+        </p:txBody>
+      </p:sp>
+      <p:sp>
+        <p:nvSpPr>
+          <p:cNvPr id="7" name="Text Placeholder 8">
+            <a:extLst>
+              <a:ext uri="{FF2B5EF4-FFF2-40B4-BE49-F238E27FC236}">
+                <a16:creationId xmlns:a16="http://schemas.microsoft.com/office/drawing/2014/main" id="{BD4708F5-1721-46A3-A912-F02DD4FD8234}"/>
+              </a:ext>
+            </a:extLst>
+          </p:cNvPr>
+          <p:cNvSpPr txBox="1">
+            <a:spLocks/>
+          </p:cNvSpPr>
+          <p:nvPr>
+            <p:custDataLst>
+              <p:tags r:id="rId3"/>
+            </p:custDataLst>
+          </p:nvPr>
+        </p:nvSpPr>
+        <p:spPr bwMode="auto">
+          <a:xfrm>
+            <a:off x="1934270" y="1252324"/>
+            <a:ext cx="2320429" cy="2815829"/>
+          </a:xfrm>
+          <a:prstGeom prst="rect">
+            <a:avLst/>
+          </a:prstGeom>
+          <a:noFill/>
+          <a:ln>
+            <a:miter lim="800000"/>
+            <a:headEnd/>
+            <a:tailEnd/>
+          </a:ln>
+        </p:spPr>
+        <p:txBody>
+          <a:bodyPr vert="horz" wrap="square" numCol="1" anchor="t" anchorCtr="0" compatLnSpc="1">
+            <a:prstTxWarp prst="textNoShape">
+              <a:avLst/>
+            </a:prstTxWarp>
+          </a:bodyPr>
+          <a:lstStyle>
+            <a:lvl1pPr marL="148829" indent="-148829" algn="l" rtl="0" eaLnBrk="0" fontAlgn="base" hangingPunct="0">
+              <a:spcBef>
+                <a:spcPct val="0"/>
+              </a:spcBef>
+              <a:spcAft>
+                <a:spcPct val="20000"/>
+              </a:spcAft>
+              <a:buClr>
+                <a:schemeClr val="tx1"/>
+              </a:buClr>
+              <a:buChar char="•"/>
+              <a:defRPr sz="1200">
+                <a:solidFill>
+                  <a:schemeClr val="tx1"/>
+                </a:solidFill>
+                <a:latin typeface="+mn-lt"/>
+                <a:ea typeface="+mn-ea"/>
+                <a:cs typeface="+mn-cs"/>
+              </a:defRPr>
+            </a:lvl1pPr>
+            <a:lvl2pPr marL="278606" indent="-128588" algn="l" rtl="0" eaLnBrk="0" fontAlgn="base" hangingPunct="0">
+              <a:spcBef>
+                <a:spcPct val="0"/>
+              </a:spcBef>
+              <a:spcAft>
+                <a:spcPct val="20000"/>
+              </a:spcAft>
+              <a:buClr>
+                <a:schemeClr val="tx1"/>
+              </a:buClr>
+              <a:buChar char="–"/>
+              <a:defRPr sz="1050">
+                <a:solidFill>
+                  <a:schemeClr val="tx1"/>
+                </a:solidFill>
+                <a:latin typeface="+mn-lt"/>
+              </a:defRPr>
+            </a:lvl2pPr>
+            <a:lvl3pPr marL="435769" indent="-155972" algn="l" rtl="0" eaLnBrk="0" fontAlgn="base" hangingPunct="0">
+              <a:spcBef>
+                <a:spcPct val="0"/>
+              </a:spcBef>
+              <a:spcAft>
+                <a:spcPct val="20000"/>
+              </a:spcAft>
+              <a:buClr>
+                <a:schemeClr val="tx1"/>
+              </a:buClr>
+              <a:buSzPct val="60000"/>
+              <a:buChar char="•"/>
+              <a:defRPr sz="1050">
+                <a:solidFill>
+                  <a:schemeClr val="tx1"/>
+                </a:solidFill>
+                <a:latin typeface="+mn-lt"/>
+              </a:defRPr>
+            </a:lvl3pPr>
+            <a:lvl4pPr marL="3202781" indent="-171450" algn="l" rtl="0" eaLnBrk="0" fontAlgn="base" hangingPunct="0">
+              <a:spcBef>
+                <a:spcPct val="20000"/>
+              </a:spcBef>
+              <a:spcAft>
+                <a:spcPct val="0"/>
+              </a:spcAft>
+              <a:buClr>
+                <a:schemeClr val="tx1"/>
+              </a:buClr>
+              <a:buChar char="•"/>
+              <a:defRPr sz="1500">
+                <a:solidFill>
+                  <a:schemeClr val="tx1"/>
+                </a:solidFill>
+                <a:latin typeface="+mn-lt"/>
+              </a:defRPr>
+            </a:lvl4pPr>
+            <a:lvl5pPr marL="3375422" indent="-171450" algn="l" rtl="0" eaLnBrk="0" fontAlgn="base" hangingPunct="0">
+              <a:spcBef>
+                <a:spcPct val="20000"/>
+              </a:spcBef>
+              <a:spcAft>
+                <a:spcPct val="0"/>
+              </a:spcAft>
+              <a:buClr>
+                <a:schemeClr val="tx1"/>
+              </a:buClr>
+              <a:buChar char="•"/>
+              <a:defRPr sz="1500">
+                <a:solidFill>
+                  <a:schemeClr val="tx1"/>
+                </a:solidFill>
+                <a:latin typeface="+mn-lt"/>
+              </a:defRPr>
+            </a:lvl5pPr>
+            <a:lvl6pPr marL="3718322" indent="-171450" algn="l" rtl="0" eaLnBrk="0" fontAlgn="base" hangingPunct="0">
+              <a:spcBef>
+                <a:spcPct val="20000"/>
+              </a:spcBef>
+              <a:spcAft>
+                <a:spcPct val="0"/>
+              </a:spcAft>
+              <a:buClr>
+                <a:schemeClr val="tx1"/>
+              </a:buClr>
+              <a:buChar char="•"/>
+              <a:defRPr sz="1500">
+                <a:solidFill>
+                  <a:schemeClr val="tx1"/>
+                </a:solidFill>
+                <a:latin typeface="+mn-lt"/>
+              </a:defRPr>
+            </a:lvl6pPr>
+            <a:lvl7pPr marL="4061222" indent="-171450" algn="l" rtl="0" eaLnBrk="0" fontAlgn="base" hangingPunct="0">
+              <a:spcBef>
+                <a:spcPct val="20000"/>
+              </a:spcBef>
+              <a:spcAft>
+                <a:spcPct val="0"/>
+              </a:spcAft>
+              <a:buClr>
+                <a:schemeClr val="tx1"/>
+              </a:buClr>
+              <a:buChar char="•"/>
+              <a:defRPr sz="1500">
+                <a:solidFill>
+                  <a:schemeClr val="tx1"/>
+                </a:solidFill>
+                <a:latin typeface="+mn-lt"/>
+              </a:defRPr>
+            </a:lvl7pPr>
+            <a:lvl8pPr marL="4404122" indent="-171450" algn="l" rtl="0" eaLnBrk="0" fontAlgn="base" hangingPunct="0">
+              <a:spcBef>
+                <a:spcPct val="20000"/>
+              </a:spcBef>
+              <a:spcAft>
+                <a:spcPct val="0"/>
+              </a:spcAft>
+              <a:buClr>
+                <a:schemeClr val="tx1"/>
+              </a:buClr>
+              <a:buChar char="•"/>
+              <a:defRPr sz="1500">
+                <a:solidFill>
+                  <a:schemeClr val="tx1"/>
+                </a:solidFill>
+                <a:latin typeface="+mn-lt"/>
+              </a:defRPr>
+            </a:lvl8pPr>
+            <a:lvl9pPr marL="4747022" indent="-171450" algn="l" rtl="0" eaLnBrk="0" fontAlgn="base" hangingPunct="0">
+              <a:spcBef>
+                <a:spcPct val="20000"/>
+              </a:spcBef>
+              <a:spcAft>
+                <a:spcPct val="0"/>
+              </a:spcAft>
+              <a:buClr>
+                <a:schemeClr val="tx1"/>
+              </a:buClr>
+              <a:buChar char="•"/>
+              <a:defRPr sz="1500">
+                <a:solidFill>
+                  <a:schemeClr val="tx1"/>
+                </a:solidFill>
+                <a:latin typeface="+mn-lt"/>
+              </a:defRPr>
+            </a:lvl9pPr>
+          </a:lstStyle>
+          <a:p>
+            <a:pPr marL="0" indent="0">
+              <a:buNone/>
+            </a:pPr>
+            <a:r>
+              <a:rPr lang="en-US" sz="2000" kern="0" dirty="0">
+                <a:solidFill>
+                  <a:srgbClr val="002776"/>
+                </a:solidFill>
+              </a:rPr>
+              <a:t>Client</a:t>
+            </a:r>
+          </a:p>
+          <a:p>
+            <a:pPr>
+              <a:buFont typeface="Arial" panose="020B0604020202020204" pitchFamily="34" charset="0"/>
+              <a:buChar char="•"/>
+            </a:pPr>
+            <a:r>
+              <a:rPr lang="en-US" sz="1400" dirty="0"/>
+              <a:t>Pin code is hashed before a request is sent to the server</a:t>
+            </a:r>
+          </a:p>
+          <a:p>
+            <a:pPr>
+              <a:buFont typeface="Arial" panose="020B0604020202020204" pitchFamily="34" charset="0"/>
+              <a:buChar char="•"/>
+            </a:pPr>
+            <a:endParaRPr lang="en-US" kern="0" dirty="0">
+              <a:solidFill>
+                <a:srgbClr val="002776"/>
+              </a:solidFill>
+            </a:endParaRPr>
+          </a:p>
+        </p:txBody>
+      </p:sp>
+      <p:sp>
+        <p:nvSpPr>
+          <p:cNvPr id="8" name="Text Placeholder 9">
+            <a:extLst>
+              <a:ext uri="{FF2B5EF4-FFF2-40B4-BE49-F238E27FC236}">
+                <a16:creationId xmlns:a16="http://schemas.microsoft.com/office/drawing/2014/main" id="{BBB12413-66EF-4771-8372-528B9B7058B1}"/>
+              </a:ext>
+            </a:extLst>
+          </p:cNvPr>
+          <p:cNvSpPr txBox="1">
+            <a:spLocks/>
+          </p:cNvSpPr>
+          <p:nvPr>
+            <p:custDataLst>
+              <p:tags r:id="rId4"/>
+            </p:custDataLst>
+          </p:nvPr>
+        </p:nvSpPr>
+        <p:spPr bwMode="auto">
+          <a:xfrm>
+            <a:off x="5059562" y="1252326"/>
+            <a:ext cx="2114054" cy="2831306"/>
+          </a:xfrm>
+          <a:prstGeom prst="rect">
+            <a:avLst/>
+          </a:prstGeom>
+          <a:noFill/>
+          <a:ln>
+            <a:miter lim="800000"/>
+            <a:headEnd/>
+            <a:tailEnd/>
+          </a:ln>
+        </p:spPr>
+        <p:txBody>
+          <a:bodyPr vert="horz" wrap="square" numCol="1" anchor="t" anchorCtr="0" compatLnSpc="1">
+            <a:prstTxWarp prst="textNoShape">
+              <a:avLst/>
+            </a:prstTxWarp>
+          </a:bodyPr>
+          <a:lstStyle>
+            <a:lvl1pPr marL="148829" indent="-148829" algn="l" rtl="0" eaLnBrk="0" fontAlgn="base" hangingPunct="0">
+              <a:spcBef>
+                <a:spcPct val="0"/>
+              </a:spcBef>
+              <a:spcAft>
+                <a:spcPct val="20000"/>
+              </a:spcAft>
+              <a:buClr>
+                <a:schemeClr val="tx1"/>
+              </a:buClr>
+              <a:buChar char="•"/>
+              <a:defRPr sz="1200">
+                <a:solidFill>
+                  <a:schemeClr val="tx1"/>
+                </a:solidFill>
+                <a:latin typeface="+mn-lt"/>
+                <a:ea typeface="+mn-ea"/>
+                <a:cs typeface="+mn-cs"/>
+              </a:defRPr>
+            </a:lvl1pPr>
+            <a:lvl2pPr marL="278606" indent="-128588" algn="l" rtl="0" eaLnBrk="0" fontAlgn="base" hangingPunct="0">
+              <a:spcBef>
+                <a:spcPct val="0"/>
+              </a:spcBef>
+              <a:spcAft>
+                <a:spcPct val="20000"/>
+              </a:spcAft>
+              <a:buClr>
+                <a:schemeClr val="tx1"/>
+              </a:buClr>
+              <a:buChar char="–"/>
+              <a:defRPr sz="1050">
+                <a:solidFill>
+                  <a:schemeClr val="tx1"/>
+                </a:solidFill>
+                <a:latin typeface="+mn-lt"/>
+              </a:defRPr>
+            </a:lvl2pPr>
+            <a:lvl3pPr marL="435769" indent="-155972" algn="l" rtl="0" eaLnBrk="0" fontAlgn="base" hangingPunct="0">
+              <a:spcBef>
+                <a:spcPct val="0"/>
+              </a:spcBef>
+              <a:spcAft>
+                <a:spcPct val="20000"/>
+              </a:spcAft>
+              <a:buClr>
+                <a:schemeClr val="tx1"/>
+              </a:buClr>
+              <a:buSzPct val="60000"/>
+              <a:buChar char="•"/>
+              <a:defRPr sz="1050">
+                <a:solidFill>
+                  <a:schemeClr val="tx1"/>
+                </a:solidFill>
+                <a:latin typeface="+mn-lt"/>
+              </a:defRPr>
+            </a:lvl3pPr>
+            <a:lvl4pPr marL="3202781" indent="-171450" algn="l" rtl="0" eaLnBrk="0" fontAlgn="base" hangingPunct="0">
+              <a:spcBef>
+                <a:spcPct val="20000"/>
+              </a:spcBef>
+              <a:spcAft>
+                <a:spcPct val="0"/>
+              </a:spcAft>
+              <a:buClr>
+                <a:schemeClr val="tx1"/>
+              </a:buClr>
+              <a:buChar char="•"/>
+              <a:defRPr sz="1500">
+                <a:solidFill>
+                  <a:schemeClr val="tx1"/>
+                </a:solidFill>
+                <a:latin typeface="+mn-lt"/>
+              </a:defRPr>
+            </a:lvl4pPr>
+            <a:lvl5pPr marL="3375422" indent="-171450" algn="l" rtl="0" eaLnBrk="0" fontAlgn="base" hangingPunct="0">
+              <a:spcBef>
+                <a:spcPct val="20000"/>
+              </a:spcBef>
+              <a:spcAft>
+                <a:spcPct val="0"/>
+              </a:spcAft>
+              <a:buClr>
+                <a:schemeClr val="tx1"/>
+              </a:buClr>
+              <a:buChar char="•"/>
+              <a:defRPr sz="1500">
+                <a:solidFill>
+                  <a:schemeClr val="tx1"/>
+                </a:solidFill>
+                <a:latin typeface="+mn-lt"/>
+              </a:defRPr>
+            </a:lvl5pPr>
+            <a:lvl6pPr marL="3718322" indent="-171450" algn="l" rtl="0" eaLnBrk="0" fontAlgn="base" hangingPunct="0">
+              <a:spcBef>
+                <a:spcPct val="20000"/>
+              </a:spcBef>
+              <a:spcAft>
+                <a:spcPct val="0"/>
+              </a:spcAft>
+              <a:buClr>
+                <a:schemeClr val="tx1"/>
+              </a:buClr>
+              <a:buChar char="•"/>
+              <a:defRPr sz="1500">
+                <a:solidFill>
+                  <a:schemeClr val="tx1"/>
+                </a:solidFill>
+                <a:latin typeface="+mn-lt"/>
+              </a:defRPr>
+            </a:lvl6pPr>
+            <a:lvl7pPr marL="4061222" indent="-171450" algn="l" rtl="0" eaLnBrk="0" fontAlgn="base" hangingPunct="0">
+              <a:spcBef>
+                <a:spcPct val="20000"/>
+              </a:spcBef>
+              <a:spcAft>
+                <a:spcPct val="0"/>
+              </a:spcAft>
+              <a:buClr>
+                <a:schemeClr val="tx1"/>
+              </a:buClr>
+              <a:buChar char="•"/>
+              <a:defRPr sz="1500">
+                <a:solidFill>
+                  <a:schemeClr val="tx1"/>
+                </a:solidFill>
+                <a:latin typeface="+mn-lt"/>
+              </a:defRPr>
+            </a:lvl7pPr>
+            <a:lvl8pPr marL="4404122" indent="-171450" algn="l" rtl="0" eaLnBrk="0" fontAlgn="base" hangingPunct="0">
+              <a:spcBef>
+                <a:spcPct val="20000"/>
+              </a:spcBef>
+              <a:spcAft>
+                <a:spcPct val="0"/>
+              </a:spcAft>
+              <a:buClr>
+                <a:schemeClr val="tx1"/>
+              </a:buClr>
+              <a:buChar char="•"/>
+              <a:defRPr sz="1500">
+                <a:solidFill>
+                  <a:schemeClr val="tx1"/>
+                </a:solidFill>
+                <a:latin typeface="+mn-lt"/>
+              </a:defRPr>
+            </a:lvl8pPr>
+            <a:lvl9pPr marL="4747022" indent="-171450" algn="l" rtl="0" eaLnBrk="0" fontAlgn="base" hangingPunct="0">
+              <a:spcBef>
+                <a:spcPct val="20000"/>
+              </a:spcBef>
+              <a:spcAft>
+                <a:spcPct val="0"/>
+              </a:spcAft>
+              <a:buClr>
+                <a:schemeClr val="tx1"/>
+              </a:buClr>
+              <a:buChar char="•"/>
+              <a:defRPr sz="1500">
+                <a:solidFill>
+                  <a:schemeClr val="tx1"/>
+                </a:solidFill>
+                <a:latin typeface="+mn-lt"/>
+              </a:defRPr>
+            </a:lvl9pPr>
+          </a:lstStyle>
+          <a:p>
+            <a:pPr marL="0" indent="0">
+              <a:buNone/>
+            </a:pPr>
+            <a:r>
+              <a:rPr lang="en-US" sz="2000" kern="0" dirty="0">
+                <a:solidFill>
+                  <a:schemeClr val="bg1"/>
+                </a:solidFill>
+              </a:rPr>
+              <a:t>Server</a:t>
+            </a:r>
+          </a:p>
+          <a:p>
+            <a:pPr>
+              <a:buFont typeface="Arial" panose="020B0604020202020204" pitchFamily="34" charset="0"/>
+              <a:buChar char="•"/>
+            </a:pPr>
+            <a:r>
+              <a:rPr lang="en-US" sz="1400" dirty="0">
+                <a:solidFill>
+                  <a:schemeClr val="bg1"/>
+                </a:solidFill>
+              </a:rPr>
+              <a:t>Hashed code is decoded within the server</a:t>
+            </a:r>
+          </a:p>
+          <a:p>
+            <a:pPr marL="0" indent="0">
+              <a:buNone/>
+            </a:pPr>
+            <a:endParaRPr lang="en-US" sz="1400" kern="0" dirty="0">
+              <a:solidFill>
+                <a:schemeClr val="bg1"/>
+              </a:solidFill>
+            </a:endParaRPr>
+          </a:p>
+        </p:txBody>
+      </p:sp>
+      <p:grpSp>
+        <p:nvGrpSpPr>
+          <p:cNvPr id="9" name="Group 89">
+            <a:extLst>
+              <a:ext uri="{FF2B5EF4-FFF2-40B4-BE49-F238E27FC236}">
+                <a16:creationId xmlns:a16="http://schemas.microsoft.com/office/drawing/2014/main" id="{9AAB8540-99D6-4621-87B7-95380926C5F1}"/>
+              </a:ext>
+            </a:extLst>
+          </p:cNvPr>
+          <p:cNvGrpSpPr>
+            <a:grpSpLocks/>
+          </p:cNvGrpSpPr>
+          <p:nvPr/>
+        </p:nvGrpSpPr>
+        <p:grpSpPr bwMode="auto">
+          <a:xfrm>
+            <a:off x="7643747" y="320040"/>
+            <a:ext cx="1079599" cy="161925"/>
+            <a:chOff x="852" y="3385"/>
+            <a:chExt cx="906" cy="136"/>
+          </a:xfrm>
+          <a:noFill/>
+        </p:grpSpPr>
+        <p:sp>
+          <p:nvSpPr>
+            <p:cNvPr id="10" name="AutoShape 90">
+              <a:extLst>
+                <a:ext uri="{FF2B5EF4-FFF2-40B4-BE49-F238E27FC236}">
+                  <a16:creationId xmlns:a16="http://schemas.microsoft.com/office/drawing/2014/main" id="{3D1CD0CD-C939-4FB8-B4EB-A4E40426FAFD}"/>
+                </a:ext>
+              </a:extLst>
+            </p:cNvPr>
+            <p:cNvSpPr>
+              <a:spLocks noChangeArrowheads="1"/>
+            </p:cNvSpPr>
+            <p:nvPr/>
+          </p:nvSpPr>
+          <p:spPr bwMode="auto">
+            <a:xfrm>
+              <a:off x="1079" y="3385"/>
+              <a:ext cx="226" cy="136"/>
+            </a:xfrm>
+            <a:prstGeom prst="chevron">
+              <a:avLst>
+                <a:gd name="adj" fmla="val 41544"/>
+              </a:avLst>
+            </a:prstGeom>
+            <a:grpFill/>
+            <a:ln w="6350" algn="ctr">
+              <a:solidFill>
+                <a:srgbClr val="002060"/>
+              </a:solidFill>
+              <a:miter lim="800000"/>
+              <a:headEnd type="none" w="sm" len="sm"/>
+              <a:tailEnd type="none" w="med" len="lg"/>
+            </a:ln>
+          </p:spPr>
+          <p:txBody>
+            <a:bodyPr tIns="68580" bIns="68580" anchor="ctr"/>
+            <a:lstStyle/>
+            <a:p>
+              <a:pPr algn="ctr">
+                <a:defRPr/>
+              </a:pPr>
+              <a:endParaRPr lang="en-GB" sz="1214" dirty="0"/>
+            </a:p>
+          </p:txBody>
+        </p:sp>
+        <p:sp>
+          <p:nvSpPr>
+            <p:cNvPr id="11" name="AutoShape 91">
+              <a:extLst>
+                <a:ext uri="{FF2B5EF4-FFF2-40B4-BE49-F238E27FC236}">
+                  <a16:creationId xmlns:a16="http://schemas.microsoft.com/office/drawing/2014/main" id="{BC1BAAC8-2A5E-4174-AEB3-4B24F55CB27C}"/>
+                </a:ext>
+              </a:extLst>
+            </p:cNvPr>
+            <p:cNvSpPr>
+              <a:spLocks noChangeArrowheads="1"/>
+            </p:cNvSpPr>
+            <p:nvPr/>
+          </p:nvSpPr>
+          <p:spPr bwMode="auto">
+            <a:xfrm>
+              <a:off x="1306" y="3385"/>
+              <a:ext cx="225" cy="136"/>
+            </a:xfrm>
+            <a:prstGeom prst="chevron">
+              <a:avLst>
+                <a:gd name="adj" fmla="val 41544"/>
+              </a:avLst>
+            </a:prstGeom>
+            <a:solidFill>
+              <a:srgbClr val="002060"/>
+            </a:solidFill>
+            <a:ln w="6350" algn="ctr">
+              <a:solidFill>
+                <a:srgbClr val="002060"/>
+              </a:solidFill>
+              <a:miter lim="800000"/>
+              <a:headEnd type="none" w="sm" len="sm"/>
+              <a:tailEnd type="none" w="med" len="lg"/>
+            </a:ln>
+          </p:spPr>
+          <p:txBody>
+            <a:bodyPr tIns="68580" bIns="68580" anchor="ctr"/>
+            <a:lstStyle/>
+            <a:p>
+              <a:pPr algn="ctr">
+                <a:defRPr/>
+              </a:pPr>
+              <a:endParaRPr lang="en-GB" sz="1214" dirty="0"/>
+            </a:p>
+          </p:txBody>
+        </p:sp>
+        <p:sp>
+          <p:nvSpPr>
+            <p:cNvPr id="12" name="AutoShape 92">
+              <a:extLst>
+                <a:ext uri="{FF2B5EF4-FFF2-40B4-BE49-F238E27FC236}">
+                  <a16:creationId xmlns:a16="http://schemas.microsoft.com/office/drawing/2014/main" id="{1B297BDD-2831-4825-84AC-67986672A5C5}"/>
+                </a:ext>
+              </a:extLst>
+            </p:cNvPr>
+            <p:cNvSpPr>
+              <a:spLocks noChangeArrowheads="1"/>
+            </p:cNvSpPr>
+            <p:nvPr/>
+          </p:nvSpPr>
+          <p:spPr bwMode="auto">
+            <a:xfrm>
+              <a:off x="1532" y="3385"/>
+              <a:ext cx="226" cy="136"/>
+            </a:xfrm>
+            <a:prstGeom prst="chevron">
+              <a:avLst>
+                <a:gd name="adj" fmla="val 41544"/>
+              </a:avLst>
+            </a:prstGeom>
+            <a:grpFill/>
+            <a:ln w="6350" algn="ctr">
+              <a:solidFill>
+                <a:srgbClr val="002060"/>
+              </a:solidFill>
+              <a:miter lim="800000"/>
+              <a:headEnd type="none" w="sm" len="sm"/>
+              <a:tailEnd type="none" w="med" len="lg"/>
+            </a:ln>
+          </p:spPr>
+          <p:txBody>
+            <a:bodyPr tIns="68580" bIns="68580" anchor="ctr"/>
+            <a:lstStyle/>
+            <a:p>
+              <a:pPr algn="ctr">
+                <a:defRPr/>
+              </a:pPr>
+              <a:endParaRPr lang="en-GB" sz="1214" dirty="0"/>
+            </a:p>
+          </p:txBody>
+        </p:sp>
+        <p:sp>
+          <p:nvSpPr>
+            <p:cNvPr id="13" name="AutoShape 93">
+              <a:extLst>
+                <a:ext uri="{FF2B5EF4-FFF2-40B4-BE49-F238E27FC236}">
+                  <a16:creationId xmlns:a16="http://schemas.microsoft.com/office/drawing/2014/main" id="{D425663C-BCB6-4983-A05A-F2B82D24734A}"/>
+                </a:ext>
+              </a:extLst>
+            </p:cNvPr>
+            <p:cNvSpPr>
+              <a:spLocks noChangeArrowheads="1"/>
+            </p:cNvSpPr>
+            <p:nvPr/>
+          </p:nvSpPr>
+          <p:spPr bwMode="auto">
+            <a:xfrm>
+              <a:off x="852" y="3385"/>
+              <a:ext cx="227" cy="136"/>
+            </a:xfrm>
+            <a:prstGeom prst="homePlate">
+              <a:avLst>
+                <a:gd name="adj" fmla="val 41728"/>
+              </a:avLst>
+            </a:prstGeom>
+            <a:grpFill/>
+            <a:ln w="6350" algn="ctr">
+              <a:solidFill>
+                <a:srgbClr val="002060"/>
+              </a:solidFill>
+              <a:miter lim="800000"/>
+              <a:headEnd type="none" w="sm" len="sm"/>
+              <a:tailEnd type="none" w="med" len="lg"/>
+            </a:ln>
+          </p:spPr>
+          <p:txBody>
+            <a:bodyPr tIns="68580" bIns="68580" anchor="ctr"/>
+            <a:lstStyle/>
+            <a:p>
+              <a:pPr algn="ctr">
+                <a:defRPr/>
+              </a:pPr>
+              <a:endParaRPr lang="en-GB" sz="1214" dirty="0"/>
+            </a:p>
+          </p:txBody>
+        </p:sp>
+      </p:grpSp>
+    </p:spTree>
+    <p:extLst>
+      <p:ext uri="{BB962C8B-B14F-4D97-AF65-F5344CB8AC3E}">
+        <p14:creationId xmlns:p14="http://schemas.microsoft.com/office/powerpoint/2010/main" val="1535059591"/>
+      </p:ext>
+    </p:extLst>
+  </p:cSld>
+  <p:clrMapOvr>
+    <a:masterClrMapping/>
+  </p:clrMapOvr>
+</p:sld>
+</file>
+
+<file path=ppt/slides/slide8.xml><?xml version="1.0" encoding="utf-8"?>
+<p:sld xmlns:a="http://schemas.openxmlformats.org/drawingml/2006/main" xmlns:r="http://schemas.openxmlformats.org/officeDocument/2006/relationships" xmlns:p="http://schemas.openxmlformats.org/presentationml/2006/main">
+  <p:cSld>
+    <p:spTree>
+      <p:nvGrpSpPr>
+        <p:cNvPr id="1" name=""/>
+        <p:cNvGrpSpPr/>
+        <p:nvPr/>
+      </p:nvGrpSpPr>
+      <p:grpSpPr>
+        <a:xfrm>
+          <a:off x="0" y="0"/>
+          <a:ext cx="0" cy="0"/>
+          <a:chOff x="0" y="0"/>
+          <a:chExt cx="0" cy="0"/>
+        </a:xfrm>
+      </p:grpSpPr>
+      <p:sp>
+        <p:nvSpPr>
           <p:cNvPr id="2" name="Content Placeholder 1">
             <a:extLst>
               <a:ext uri="{FF2B5EF4-FFF2-40B4-BE49-F238E27FC236}">
-                <a16:creationId xmlns:a16="http://schemas.microsoft.com/office/drawing/2014/main" id="{C21847B9-A281-4941-89A9-E278E1A21979}"/>
+                <a16:creationId xmlns:a16="http://schemas.microsoft.com/office/drawing/2014/main" id="{77F78C27-7EE3-4B08-8A5D-3CCFC52D2A1E}"/>
               </a:ext>
             </a:extLst>
           </p:cNvPr>
@@ -3349,7 +6801,7 @@
           <a:bodyPr/>
           <a:lstStyle/>
           <a:p>
-            <a:endParaRPr lang="en-US"/>
+            <a:endParaRPr lang="en-US" dirty="0"/>
           </a:p>
         </p:txBody>
       </p:sp>
@@ -3358,7 +6810,7 @@
           <p:cNvPr id="3" name="Footer Placeholder 2">
             <a:extLst>
               <a:ext uri="{FF2B5EF4-FFF2-40B4-BE49-F238E27FC236}">
-                <a16:creationId xmlns:a16="http://schemas.microsoft.com/office/drawing/2014/main" id="{ADE4828C-6611-4DC9-B531-8D312C6D1D82}"/>
+                <a16:creationId xmlns:a16="http://schemas.microsoft.com/office/drawing/2014/main" id="{70A6F4C6-2E2E-469F-AFDE-663D3656D5CE}"/>
               </a:ext>
             </a:extLst>
           </p:cNvPr>
@@ -3387,7 +6839,7 @@
           <p:cNvPr id="4" name="Title 3">
             <a:extLst>
               <a:ext uri="{FF2B5EF4-FFF2-40B4-BE49-F238E27FC236}">
-                <a16:creationId xmlns:a16="http://schemas.microsoft.com/office/drawing/2014/main" id="{6DBF5448-3126-4994-B3A2-95FA149169B6}"/>
+                <a16:creationId xmlns:a16="http://schemas.microsoft.com/office/drawing/2014/main" id="{A3DFF24C-86F0-45AE-9AED-FB7EFBF040EC}"/>
               </a:ext>
             </a:extLst>
           </p:cNvPr>
@@ -3403,7 +6855,10 @@
           <a:bodyPr/>
           <a:lstStyle/>
           <a:p>
-            <a:endParaRPr lang="en-US"/>
+            <a:r>
+              <a:rPr lang="en-US" dirty="0"/>
+              <a:t>Database</a:t>
+            </a:r>
           </a:p>
         </p:txBody>
       </p:sp>
@@ -3412,7 +6867,7 @@
           <p:cNvPr id="5" name="Slide Number Placeholder 4">
             <a:extLst>
               <a:ext uri="{FF2B5EF4-FFF2-40B4-BE49-F238E27FC236}">
-                <a16:creationId xmlns:a16="http://schemas.microsoft.com/office/drawing/2014/main" id="{0AA330C9-EB0B-444D-B36B-3772E2CEF881}"/>
+                <a16:creationId xmlns:a16="http://schemas.microsoft.com/office/drawing/2014/main" id="{D901B474-ED2A-4402-8049-26AD48EDE196}"/>
               </a:ext>
             </a:extLst>
           </p:cNvPr>
@@ -3431,16 +6886,222 @@
             <a:fld id="{F2407EE3-A7AD-4D85-AA70-E0A9F1A7BE8D}" type="slidenum">
               <a:rPr lang="en-US" smtClean="0"/>
               <a:pPr/>
-              <a:t>7</a:t>
+              <a:t>8</a:t>
             </a:fld>
             <a:endParaRPr lang="en-US" dirty="0"/>
           </a:p>
         </p:txBody>
       </p:sp>
+      <p:grpSp>
+        <p:nvGrpSpPr>
+          <p:cNvPr id="6" name="Group 89">
+            <a:extLst>
+              <a:ext uri="{FF2B5EF4-FFF2-40B4-BE49-F238E27FC236}">
+                <a16:creationId xmlns:a16="http://schemas.microsoft.com/office/drawing/2014/main" id="{D36C7889-8975-4792-BD83-C528181D0F3B}"/>
+              </a:ext>
+            </a:extLst>
+          </p:cNvPr>
+          <p:cNvGrpSpPr>
+            <a:grpSpLocks/>
+          </p:cNvGrpSpPr>
+          <p:nvPr/>
+        </p:nvGrpSpPr>
+        <p:grpSpPr bwMode="auto">
+          <a:xfrm>
+            <a:off x="7643747" y="320040"/>
+            <a:ext cx="1079599" cy="161925"/>
+            <a:chOff x="852" y="3385"/>
+            <a:chExt cx="906" cy="136"/>
+          </a:xfrm>
+          <a:noFill/>
+        </p:grpSpPr>
+        <p:sp>
+          <p:nvSpPr>
+            <p:cNvPr id="7" name="AutoShape 90">
+              <a:extLst>
+                <a:ext uri="{FF2B5EF4-FFF2-40B4-BE49-F238E27FC236}">
+                  <a16:creationId xmlns:a16="http://schemas.microsoft.com/office/drawing/2014/main" id="{43AC6045-B1AE-4AE7-B2B2-3F16C10AC7D7}"/>
+                </a:ext>
+              </a:extLst>
+            </p:cNvPr>
+            <p:cNvSpPr>
+              <a:spLocks noChangeArrowheads="1"/>
+            </p:cNvSpPr>
+            <p:nvPr/>
+          </p:nvSpPr>
+          <p:spPr bwMode="auto">
+            <a:xfrm>
+              <a:off x="1079" y="3385"/>
+              <a:ext cx="226" cy="136"/>
+            </a:xfrm>
+            <a:prstGeom prst="chevron">
+              <a:avLst>
+                <a:gd name="adj" fmla="val 41544"/>
+              </a:avLst>
+            </a:prstGeom>
+            <a:grpFill/>
+            <a:ln w="6350" algn="ctr">
+              <a:solidFill>
+                <a:srgbClr val="002060"/>
+              </a:solidFill>
+              <a:miter lim="800000"/>
+              <a:headEnd type="none" w="sm" len="sm"/>
+              <a:tailEnd type="none" w="med" len="lg"/>
+            </a:ln>
+          </p:spPr>
+          <p:txBody>
+            <a:bodyPr tIns="68580" bIns="68580" anchor="ctr"/>
+            <a:lstStyle/>
+            <a:p>
+              <a:pPr algn="ctr">
+                <a:defRPr/>
+              </a:pPr>
+              <a:endParaRPr lang="en-GB" sz="1214" dirty="0"/>
+            </a:p>
+          </p:txBody>
+        </p:sp>
+        <p:sp>
+          <p:nvSpPr>
+            <p:cNvPr id="8" name="AutoShape 91">
+              <a:extLst>
+                <a:ext uri="{FF2B5EF4-FFF2-40B4-BE49-F238E27FC236}">
+                  <a16:creationId xmlns:a16="http://schemas.microsoft.com/office/drawing/2014/main" id="{EB87E504-39CF-4323-83A1-CA9DB01C9187}"/>
+                </a:ext>
+              </a:extLst>
+            </p:cNvPr>
+            <p:cNvSpPr>
+              <a:spLocks noChangeArrowheads="1"/>
+            </p:cNvSpPr>
+            <p:nvPr/>
+          </p:nvSpPr>
+          <p:spPr bwMode="auto">
+            <a:xfrm>
+              <a:off x="1306" y="3385"/>
+              <a:ext cx="225" cy="136"/>
+            </a:xfrm>
+            <a:prstGeom prst="chevron">
+              <a:avLst>
+                <a:gd name="adj" fmla="val 41544"/>
+              </a:avLst>
+            </a:prstGeom>
+            <a:grpFill/>
+            <a:ln w="6350" algn="ctr">
+              <a:solidFill>
+                <a:srgbClr val="002060"/>
+              </a:solidFill>
+              <a:miter lim="800000"/>
+              <a:headEnd type="none" w="sm" len="sm"/>
+              <a:tailEnd type="none" w="med" len="lg"/>
+            </a:ln>
+          </p:spPr>
+          <p:txBody>
+            <a:bodyPr tIns="68580" bIns="68580" anchor="ctr"/>
+            <a:lstStyle/>
+            <a:p>
+              <a:pPr algn="ctr">
+                <a:defRPr/>
+              </a:pPr>
+              <a:endParaRPr lang="en-GB" sz="1214" dirty="0"/>
+            </a:p>
+          </p:txBody>
+        </p:sp>
+        <p:sp>
+          <p:nvSpPr>
+            <p:cNvPr id="9" name="AutoShape 92">
+              <a:extLst>
+                <a:ext uri="{FF2B5EF4-FFF2-40B4-BE49-F238E27FC236}">
+                  <a16:creationId xmlns:a16="http://schemas.microsoft.com/office/drawing/2014/main" id="{98D5F53E-FCC4-414C-A5C1-10EBCDC833EE}"/>
+                </a:ext>
+              </a:extLst>
+            </p:cNvPr>
+            <p:cNvSpPr>
+              <a:spLocks noChangeArrowheads="1"/>
+            </p:cNvSpPr>
+            <p:nvPr/>
+          </p:nvSpPr>
+          <p:spPr bwMode="auto">
+            <a:xfrm>
+              <a:off x="1532" y="3385"/>
+              <a:ext cx="226" cy="136"/>
+            </a:xfrm>
+            <a:prstGeom prst="chevron">
+              <a:avLst>
+                <a:gd name="adj" fmla="val 41544"/>
+              </a:avLst>
+            </a:prstGeom>
+            <a:solidFill>
+              <a:srgbClr val="002060"/>
+            </a:solidFill>
+            <a:ln w="6350" algn="ctr">
+              <a:solidFill>
+                <a:srgbClr val="002060"/>
+              </a:solidFill>
+              <a:miter lim="800000"/>
+              <a:headEnd type="none" w="sm" len="sm"/>
+              <a:tailEnd type="none" w="med" len="lg"/>
+            </a:ln>
+          </p:spPr>
+          <p:txBody>
+            <a:bodyPr tIns="68580" bIns="68580" anchor="ctr"/>
+            <a:lstStyle/>
+            <a:p>
+              <a:pPr algn="ctr">
+                <a:defRPr/>
+              </a:pPr>
+              <a:endParaRPr lang="en-GB" sz="1214" dirty="0"/>
+            </a:p>
+          </p:txBody>
+        </p:sp>
+        <p:sp>
+          <p:nvSpPr>
+            <p:cNvPr id="10" name="AutoShape 93">
+              <a:extLst>
+                <a:ext uri="{FF2B5EF4-FFF2-40B4-BE49-F238E27FC236}">
+                  <a16:creationId xmlns:a16="http://schemas.microsoft.com/office/drawing/2014/main" id="{B67AEC13-7A91-44F0-ABFE-625E525421DF}"/>
+                </a:ext>
+              </a:extLst>
+            </p:cNvPr>
+            <p:cNvSpPr>
+              <a:spLocks noChangeArrowheads="1"/>
+            </p:cNvSpPr>
+            <p:nvPr/>
+          </p:nvSpPr>
+          <p:spPr bwMode="auto">
+            <a:xfrm>
+              <a:off x="852" y="3385"/>
+              <a:ext cx="227" cy="136"/>
+            </a:xfrm>
+            <a:prstGeom prst="homePlate">
+              <a:avLst>
+                <a:gd name="adj" fmla="val 41728"/>
+              </a:avLst>
+            </a:prstGeom>
+            <a:grpFill/>
+            <a:ln w="6350" algn="ctr">
+              <a:solidFill>
+                <a:srgbClr val="002060"/>
+              </a:solidFill>
+              <a:miter lim="800000"/>
+              <a:headEnd type="none" w="sm" len="sm"/>
+              <a:tailEnd type="none" w="med" len="lg"/>
+            </a:ln>
+          </p:spPr>
+          <p:txBody>
+            <a:bodyPr tIns="68580" bIns="68580" anchor="ctr"/>
+            <a:lstStyle/>
+            <a:p>
+              <a:pPr algn="ctr">
+                <a:defRPr/>
+              </a:pPr>
+              <a:endParaRPr lang="en-GB" sz="1214" dirty="0"/>
+            </a:p>
+          </p:txBody>
+        </p:sp>
+      </p:grpSp>
     </p:spTree>
     <p:extLst>
       <p:ext uri="{BB962C8B-B14F-4D97-AF65-F5344CB8AC3E}">
-        <p14:creationId xmlns:p14="http://schemas.microsoft.com/office/powerpoint/2010/main" val="2361284237"/>
+        <p14:creationId xmlns:p14="http://schemas.microsoft.com/office/powerpoint/2010/main" val="83139327"/>
       </p:ext>
     </p:extLst>
   </p:cSld>
@@ -3448,6 +7109,177 @@
     <a:masterClrMapping/>
   </p:clrMapOvr>
 </p:sld>
+</file>
+
+<file path=ppt/slides/slide9.xml><?xml version="1.0" encoding="utf-8"?>
+<p:sld xmlns:a="http://schemas.openxmlformats.org/drawingml/2006/main" xmlns:r="http://schemas.openxmlformats.org/officeDocument/2006/relationships" xmlns:p="http://schemas.openxmlformats.org/presentationml/2006/main">
+  <p:cSld>
+    <p:spTree>
+      <p:nvGrpSpPr>
+        <p:cNvPr id="1" name=""/>
+        <p:cNvGrpSpPr/>
+        <p:nvPr/>
+      </p:nvGrpSpPr>
+      <p:grpSpPr>
+        <a:xfrm>
+          <a:off x="0" y="0"/>
+          <a:ext cx="0" cy="0"/>
+          <a:chOff x="0" y="0"/>
+          <a:chExt cx="0" cy="0"/>
+        </a:xfrm>
+      </p:grpSpPr>
+      <p:sp>
+        <p:nvSpPr>
+          <p:cNvPr id="2" name="Content Placeholder 1">
+            <a:extLst>
+              <a:ext uri="{FF2B5EF4-FFF2-40B4-BE49-F238E27FC236}">
+                <a16:creationId xmlns:a16="http://schemas.microsoft.com/office/drawing/2014/main" id="{447C9CBA-ADD4-4F09-AAA3-8564CBF6FF37}"/>
+              </a:ext>
+            </a:extLst>
+          </p:cNvPr>
+          <p:cNvSpPr>
+            <a:spLocks noGrp="1"/>
+          </p:cNvSpPr>
+          <p:nvPr>
+            <p:ph idx="1"/>
+          </p:nvPr>
+        </p:nvSpPr>
+        <p:spPr>
+          <a:xfrm>
+            <a:off x="466871" y="869816"/>
+            <a:ext cx="4062599" cy="3681081"/>
+          </a:xfrm>
+        </p:spPr>
+        <p:txBody>
+          <a:bodyPr/>
+          <a:lstStyle/>
+          <a:p>
+            <a:endParaRPr lang="en-US" dirty="0"/>
+          </a:p>
+        </p:txBody>
+      </p:sp>
+      <p:sp>
+        <p:nvSpPr>
+          <p:cNvPr id="3" name="Footer Placeholder 2">
+            <a:extLst>
+              <a:ext uri="{FF2B5EF4-FFF2-40B4-BE49-F238E27FC236}">
+                <a16:creationId xmlns:a16="http://schemas.microsoft.com/office/drawing/2014/main" id="{41D8ADAE-A647-46D7-AB6E-418F9ECC2173}"/>
+              </a:ext>
+            </a:extLst>
+          </p:cNvPr>
+          <p:cNvSpPr>
+            <a:spLocks noGrp="1"/>
+          </p:cNvSpPr>
+          <p:nvPr>
+            <p:ph type="ftr" sz="quarter" idx="11"/>
+          </p:nvPr>
+        </p:nvSpPr>
+        <p:spPr/>
+        <p:txBody>
+          <a:bodyPr/>
+          <a:lstStyle/>
+          <a:p>
+            <a:r>
+              <a:rPr lang="en-US"/>
+              <a:t>Group Four</a:t>
+            </a:r>
+            <a:endParaRPr lang="en-US" dirty="0"/>
+          </a:p>
+        </p:txBody>
+      </p:sp>
+      <p:sp>
+        <p:nvSpPr>
+          <p:cNvPr id="4" name="Title 3">
+            <a:extLst>
+              <a:ext uri="{FF2B5EF4-FFF2-40B4-BE49-F238E27FC236}">
+                <a16:creationId xmlns:a16="http://schemas.microsoft.com/office/drawing/2014/main" id="{2B7F0B7C-3F12-4563-AD80-493B98D62443}"/>
+              </a:ext>
+            </a:extLst>
+          </p:cNvPr>
+          <p:cNvSpPr>
+            <a:spLocks noGrp="1"/>
+          </p:cNvSpPr>
+          <p:nvPr>
+            <p:ph type="title"/>
+          </p:nvPr>
+        </p:nvSpPr>
+        <p:spPr/>
+        <p:txBody>
+          <a:bodyPr/>
+          <a:lstStyle/>
+          <a:p>
+            <a:r>
+              <a:rPr lang="en-US" dirty="0"/>
+              <a:t>Further Potential</a:t>
+            </a:r>
+          </a:p>
+        </p:txBody>
+      </p:sp>
+      <p:sp>
+        <p:nvSpPr>
+          <p:cNvPr id="5" name="Slide Number Placeholder 4">
+            <a:extLst>
+              <a:ext uri="{FF2B5EF4-FFF2-40B4-BE49-F238E27FC236}">
+                <a16:creationId xmlns:a16="http://schemas.microsoft.com/office/drawing/2014/main" id="{DA749CD9-F80D-45C4-809A-17411F51AD70}"/>
+              </a:ext>
+            </a:extLst>
+          </p:cNvPr>
+          <p:cNvSpPr>
+            <a:spLocks noGrp="1"/>
+          </p:cNvSpPr>
+          <p:nvPr>
+            <p:ph type="sldNum" sz="quarter" idx="12"/>
+          </p:nvPr>
+        </p:nvSpPr>
+        <p:spPr/>
+        <p:txBody>
+          <a:bodyPr/>
+          <a:lstStyle/>
+          <a:p>
+            <a:fld id="{F2407EE3-A7AD-4D85-AA70-E0A9F1A7BE8D}" type="slidenum">
+              <a:rPr lang="en-US" smtClean="0"/>
+              <a:pPr/>
+              <a:t>9</a:t>
+            </a:fld>
+            <a:endParaRPr lang="en-US" dirty="0"/>
+          </a:p>
+        </p:txBody>
+      </p:sp>
+    </p:spTree>
+    <p:extLst>
+      <p:ext uri="{BB962C8B-B14F-4D97-AF65-F5344CB8AC3E}">
+        <p14:creationId xmlns:p14="http://schemas.microsoft.com/office/powerpoint/2010/main" val="2463679821"/>
+      </p:ext>
+    </p:extLst>
+  </p:cSld>
+  <p:clrMapOvr>
+    <a:masterClrMapping/>
+  </p:clrMapOvr>
+</p:sld>
+</file>
+
+<file path=ppt/tags/tag1.xml><?xml version="1.0" encoding="utf-8"?>
+<p:tagLst xmlns:a="http://schemas.openxmlformats.org/drawingml/2006/main" xmlns:r="http://schemas.openxmlformats.org/officeDocument/2006/relationships" xmlns:p="http://schemas.openxmlformats.org/presentationml/2006/main">
+  <p:tag name="THINKCELLSHAPEDONOTDELETE" val="pMy4HlJlZm0CjKMuYM430eA"/>
+</p:tagLst>
+</file>
+
+<file path=ppt/tags/tag2.xml><?xml version="1.0" encoding="utf-8"?>
+<p:tagLst xmlns:a="http://schemas.openxmlformats.org/drawingml/2006/main" xmlns:r="http://schemas.openxmlformats.org/officeDocument/2006/relationships" xmlns:p="http://schemas.openxmlformats.org/presentationml/2006/main">
+  <p:tag name="THINKCELLSHAPEDONOTDELETE" val="pfVwndjEEqEWPqMsBhKHgLg"/>
+</p:tagLst>
+</file>
+
+<file path=ppt/tags/tag3.xml><?xml version="1.0" encoding="utf-8"?>
+<p:tagLst xmlns:a="http://schemas.openxmlformats.org/drawingml/2006/main" xmlns:r="http://schemas.openxmlformats.org/officeDocument/2006/relationships" xmlns:p="http://schemas.openxmlformats.org/presentationml/2006/main">
+  <p:tag name="THINKCELLSHAPEDONOTDELETE" val="p2xLrrOCaz0eHC7QB3XXmTw"/>
+</p:tagLst>
+</file>
+
+<file path=ppt/tags/tag4.xml><?xml version="1.0" encoding="utf-8"?>
+<p:tagLst xmlns:a="http://schemas.openxmlformats.org/drawingml/2006/main" xmlns:r="http://schemas.openxmlformats.org/officeDocument/2006/relationships" xmlns:p="http://schemas.openxmlformats.org/presentationml/2006/main">
+  <p:tag name="THINKCELLSHAPEDONOTDELETE" val="prBqD51GcP0OR2MwSqkkeCA"/>
+</p:tagLst>
 </file>
 
 <file path=ppt/theme/theme1.xml><?xml version="1.0" encoding="utf-8"?>

--- a/C# Project.pptx
+++ b/C# Project.pptx
@@ -1922,7 +1922,7 @@
           </a:ln>
           <a:extLst>
             <a:ext uri="{C572A759-6A51-4108-AA02-DFA0A04FC94B}">
-              <ma14:wrappingTextBoxFlag xmlns:ma14="http://schemas.microsoft.com/office/mac/drawingml/2011/main" xmlns="" val="1"/>
+              <ma14:wrappingTextBoxFlag xmlns="" xmlns:ma14="http://schemas.microsoft.com/office/mac/drawingml/2011/main" val="1"/>
             </a:ext>
           </a:extLst>
         </p:spPr>
@@ -1968,7 +1968,7 @@
           </a:ln>
           <a:extLst>
             <a:ext uri="{C572A759-6A51-4108-AA02-DFA0A04FC94B}">
-              <ma14:wrappingTextBoxFlag xmlns:ma14="http://schemas.microsoft.com/office/mac/drawingml/2011/main" xmlns="" val="1"/>
+              <ma14:wrappingTextBoxFlag xmlns="" xmlns:ma14="http://schemas.microsoft.com/office/mac/drawingml/2011/main" val="1"/>
             </a:ext>
           </a:extLst>
         </p:spPr>
@@ -6283,8 +6283,23 @@
             </a:pPr>
             <a:r>
               <a:rPr lang="en-US" sz="1400" dirty="0"/>
-              <a:t>Pin code is hashed before a request is sent to the server</a:t>
+              <a:t>Client inserts PIN</a:t>
             </a:r>
+          </a:p>
+          <a:p>
+            <a:pPr>
+              <a:buFont typeface="Arial" panose="020B0604020202020204" pitchFamily="34" charset="0"/>
+              <a:buChar char="•"/>
+            </a:pPr>
+            <a:r>
+              <a:rPr lang="en-US" sz="1400" dirty="0"/>
+              <a:t>Client hashes the PIN and sends the (what algorithm?) code to the </a:t>
+            </a:r>
+            <a:r>
+              <a:rPr lang="en-US" sz="1400"/>
+              <a:t>ATM server </a:t>
+            </a:r>
+            <a:endParaRPr lang="en-US" sz="1400" dirty="0"/>
           </a:p>
           <a:p>
             <a:pPr>
@@ -6529,8 +6544,32 @@
                   <a:schemeClr val="bg1"/>
                 </a:solidFill>
               </a:rPr>
-              <a:t>Hashed code is decoded within the server</a:t>
+              <a:t>The server has a copy of the Hash of the User’s PIN</a:t>
             </a:r>
+          </a:p>
+          <a:p>
+            <a:pPr>
+              <a:buFont typeface="Arial" panose="020B0604020202020204" pitchFamily="34" charset="0"/>
+              <a:buChar char="•"/>
+            </a:pPr>
+            <a:r>
+              <a:rPr lang="en-US" sz="1400" dirty="0">
+                <a:solidFill>
+                  <a:schemeClr val="bg1"/>
+                </a:solidFill>
+              </a:rPr>
+              <a:t>The server compares the incoming hash from the client and the stored hash. </a:t>
+            </a:r>
+          </a:p>
+          <a:p>
+            <a:pPr marL="0" indent="0">
+              <a:buNone/>
+            </a:pPr>
+            <a:endParaRPr lang="en-US" sz="1400" dirty="0">
+              <a:solidFill>
+                <a:schemeClr val="bg1"/>
+              </a:solidFill>
+            </a:endParaRPr>
           </a:p>
           <a:p>
             <a:pPr marL="0" indent="0">

--- a/C# Project.pptx
+++ b/C# Project.pptx
@@ -5,7 +5,7 @@
     <p:sldMasterId id="2147483660" r:id="rId1"/>
   </p:sldMasterIdLst>
   <p:notesMasterIdLst>
-    <p:notesMasterId r:id="rId11"/>
+    <p:notesMasterId r:id="rId12"/>
   </p:notesMasterIdLst>
   <p:sldIdLst>
     <p:sldId id="257" r:id="rId2"/>
@@ -14,9 +14,10 @@
     <p:sldId id="260" r:id="rId5"/>
     <p:sldId id="267" r:id="rId6"/>
     <p:sldId id="269" r:id="rId7"/>
-    <p:sldId id="272" r:id="rId8"/>
-    <p:sldId id="270" r:id="rId9"/>
-    <p:sldId id="268" r:id="rId10"/>
+    <p:sldId id="273" r:id="rId8"/>
+    <p:sldId id="272" r:id="rId9"/>
+    <p:sldId id="270" r:id="rId10"/>
+    <p:sldId id="268" r:id="rId11"/>
   </p:sldIdLst>
   <p:sldSz cx="9144000" cy="5143500" type="screen16x9"/>
   <p:notesSz cx="6858000" cy="9144000"/>
@@ -205,7 +206,7 @@
           <a:p>
             <a:fld id="{E800020C-8D7C-4561-B568-FBC8D0EAF1DF}" type="datetimeFigureOut">
               <a:rPr lang="en-US" smtClean="0"/>
-              <a:t>2/28/2018</a:t>
+              <a:t>3/3/18</a:t>
             </a:fld>
             <a:endParaRPr lang="en-US"/>
           </a:p>
@@ -1922,7 +1923,7 @@
           </a:ln>
           <a:extLst>
             <a:ext uri="{C572A759-6A51-4108-AA02-DFA0A04FC94B}">
-              <ma14:wrappingTextBoxFlag xmlns="" xmlns:ma14="http://schemas.microsoft.com/office/mac/drawingml/2011/main" val="1"/>
+              <ma14:wrappingTextBoxFlag xmlns:ma14="http://schemas.microsoft.com/office/mac/drawingml/2011/main" xmlns="" val="1"/>
             </a:ext>
           </a:extLst>
         </p:spPr>
@@ -1968,7 +1969,7 @@
           </a:ln>
           <a:extLst>
             <a:ext uri="{C572A759-6A51-4108-AA02-DFA0A04FC94B}">
-              <ma14:wrappingTextBoxFlag xmlns="" xmlns:ma14="http://schemas.microsoft.com/office/mac/drawingml/2011/main" val="1"/>
+              <ma14:wrappingTextBoxFlag xmlns:ma14="http://schemas.microsoft.com/office/mac/drawingml/2011/main" xmlns="" val="1"/>
             </a:ext>
           </a:extLst>
         </p:spPr>
@@ -2562,10 +2563,262 @@
           </a:extLst>
         </p:spPr>
       </p:pic>
+      <p:sp>
+        <p:nvSpPr>
+          <p:cNvPr id="5" name="Rectangle 4">
+            <a:extLst>
+              <a:ext uri="{FF2B5EF4-FFF2-40B4-BE49-F238E27FC236}">
+                <a16:creationId xmlns:a16="http://schemas.microsoft.com/office/drawing/2014/main" id="{4B464937-0F10-7646-998F-CB18F0E6E75A}"/>
+              </a:ext>
+            </a:extLst>
+          </p:cNvPr>
+          <p:cNvSpPr/>
+          <p:nvPr/>
+        </p:nvSpPr>
+        <p:spPr>
+          <a:xfrm>
+            <a:off x="865285" y="2110085"/>
+            <a:ext cx="7413440" cy="923330"/>
+          </a:xfrm>
+          <a:prstGeom prst="rect">
+            <a:avLst/>
+          </a:prstGeom>
+          <a:noFill/>
+        </p:spPr>
+        <p:txBody>
+          <a:bodyPr wrap="none" lIns="91440" tIns="45720" rIns="91440" bIns="45720">
+            <a:spAutoFit/>
+            <a:scene3d>
+              <a:camera prst="orthographicFront">
+                <a:rot lat="21076490" lon="21190358" rev="1434588"/>
+              </a:camera>
+              <a:lightRig rig="freezing" dir="t"/>
+            </a:scene3d>
+            <a:sp3d extrusionH="57150">
+              <a:bevelT w="127000" h="127000" prst="angle"/>
+              <a:bevelB w="0" h="1270000" prst="softRound"/>
+            </a:sp3d>
+          </a:bodyPr>
+          <a:lstStyle/>
+          <a:p>
+            <a:pPr algn="ctr"/>
+            <a:r>
+              <a:rPr lang="en-US" sz="5400" b="1" cap="none" spc="0" dirty="0">
+                <a:ln w="31750">
+                  <a:gradFill>
+                    <a:gsLst>
+                      <a:gs pos="12000">
+                        <a:srgbClr val="7030A0"/>
+                      </a:gs>
+                      <a:gs pos="82000">
+                        <a:srgbClr val="00B0F0"/>
+                      </a:gs>
+                      <a:gs pos="100000">
+                        <a:schemeClr val="accent1">
+                          <a:lumMod val="30000"/>
+                          <a:lumOff val="70000"/>
+                        </a:schemeClr>
+                      </a:gs>
+                    </a:gsLst>
+                    <a:lin ang="5400000" scaled="1"/>
+                  </a:gradFill>
+                  <a:prstDash val="solid"/>
+                </a:ln>
+                <a:gradFill>
+                  <a:gsLst>
+                    <a:gs pos="35000">
+                      <a:schemeClr val="accent1">
+                        <a:lumMod val="5000"/>
+                        <a:lumOff val="95000"/>
+                      </a:schemeClr>
+                    </a:gs>
+                    <a:gs pos="60000">
+                      <a:srgbClr val="CCD0DE"/>
+                    </a:gs>
+                    <a:gs pos="43000">
+                      <a:srgbClr val="FFFF00"/>
+                    </a:gs>
+                    <a:gs pos="68000">
+                      <a:srgbClr val="92D050"/>
+                    </a:gs>
+                    <a:gs pos="28000">
+                      <a:srgbClr val="FF0000"/>
+                    </a:gs>
+                  </a:gsLst>
+                  <a:lin ang="5400000" scaled="1"/>
+                </a:gradFill>
+                <a:effectLst>
+                  <a:glow rad="38100">
+                    <a:schemeClr val="accent3">
+                      <a:lumMod val="60000"/>
+                      <a:lumOff val="40000"/>
+                      <a:alpha val="75000"/>
+                    </a:schemeClr>
+                  </a:glow>
+                  <a:outerShdw dist="431800" dir="2460000" algn="bl" rotWithShape="0">
+                    <a:schemeClr val="tx2">
+                      <a:lumMod val="75000"/>
+                    </a:schemeClr>
+                  </a:outerShdw>
+                  <a:reflection blurRad="63500" endPos="54000" dist="127000" dir="5400000" sy="-100000" algn="bl" rotWithShape="0"/>
+                </a:effectLst>
+              </a:rPr>
+              <a:t>NEEDS MORE WORD ART</a:t>
+            </a:r>
+          </a:p>
+        </p:txBody>
+      </p:sp>
     </p:spTree>
     <p:extLst>
       <p:ext uri="{BB962C8B-B14F-4D97-AF65-F5344CB8AC3E}">
         <p14:creationId xmlns:p14="http://schemas.microsoft.com/office/powerpoint/2010/main" val="2121357821"/>
+      </p:ext>
+    </p:extLst>
+  </p:cSld>
+  <p:clrMapOvr>
+    <a:masterClrMapping/>
+  </p:clrMapOvr>
+</p:sld>
+</file>
+
+<file path=ppt/slides/slide10.xml><?xml version="1.0" encoding="utf-8"?>
+<p:sld xmlns:a="http://schemas.openxmlformats.org/drawingml/2006/main" xmlns:r="http://schemas.openxmlformats.org/officeDocument/2006/relationships" xmlns:p="http://schemas.openxmlformats.org/presentationml/2006/main">
+  <p:cSld>
+    <p:spTree>
+      <p:nvGrpSpPr>
+        <p:cNvPr id="1" name=""/>
+        <p:cNvGrpSpPr/>
+        <p:nvPr/>
+      </p:nvGrpSpPr>
+      <p:grpSpPr>
+        <a:xfrm>
+          <a:off x="0" y="0"/>
+          <a:ext cx="0" cy="0"/>
+          <a:chOff x="0" y="0"/>
+          <a:chExt cx="0" cy="0"/>
+        </a:xfrm>
+      </p:grpSpPr>
+      <p:sp>
+        <p:nvSpPr>
+          <p:cNvPr id="2" name="Content Placeholder 1">
+            <a:extLst>
+              <a:ext uri="{FF2B5EF4-FFF2-40B4-BE49-F238E27FC236}">
+                <a16:creationId xmlns:a16="http://schemas.microsoft.com/office/drawing/2014/main" id="{447C9CBA-ADD4-4F09-AAA3-8564CBF6FF37}"/>
+              </a:ext>
+            </a:extLst>
+          </p:cNvPr>
+          <p:cNvSpPr>
+            <a:spLocks noGrp="1"/>
+          </p:cNvSpPr>
+          <p:nvPr>
+            <p:ph idx="1"/>
+          </p:nvPr>
+        </p:nvSpPr>
+        <p:spPr>
+          <a:xfrm>
+            <a:off x="466871" y="869816"/>
+            <a:ext cx="4062599" cy="3681081"/>
+          </a:xfrm>
+        </p:spPr>
+        <p:txBody>
+          <a:bodyPr/>
+          <a:lstStyle/>
+          <a:p>
+            <a:endParaRPr lang="en-US" dirty="0"/>
+          </a:p>
+        </p:txBody>
+      </p:sp>
+      <p:sp>
+        <p:nvSpPr>
+          <p:cNvPr id="3" name="Footer Placeholder 2">
+            <a:extLst>
+              <a:ext uri="{FF2B5EF4-FFF2-40B4-BE49-F238E27FC236}">
+                <a16:creationId xmlns:a16="http://schemas.microsoft.com/office/drawing/2014/main" id="{41D8ADAE-A647-46D7-AB6E-418F9ECC2173}"/>
+              </a:ext>
+            </a:extLst>
+          </p:cNvPr>
+          <p:cNvSpPr>
+            <a:spLocks noGrp="1"/>
+          </p:cNvSpPr>
+          <p:nvPr>
+            <p:ph type="ftr" sz="quarter" idx="11"/>
+          </p:nvPr>
+        </p:nvSpPr>
+        <p:spPr/>
+        <p:txBody>
+          <a:bodyPr/>
+          <a:lstStyle/>
+          <a:p>
+            <a:r>
+              <a:rPr lang="en-US"/>
+              <a:t>Group Four</a:t>
+            </a:r>
+            <a:endParaRPr lang="en-US" dirty="0"/>
+          </a:p>
+        </p:txBody>
+      </p:sp>
+      <p:sp>
+        <p:nvSpPr>
+          <p:cNvPr id="4" name="Title 3">
+            <a:extLst>
+              <a:ext uri="{FF2B5EF4-FFF2-40B4-BE49-F238E27FC236}">
+                <a16:creationId xmlns:a16="http://schemas.microsoft.com/office/drawing/2014/main" id="{2B7F0B7C-3F12-4563-AD80-493B98D62443}"/>
+              </a:ext>
+            </a:extLst>
+          </p:cNvPr>
+          <p:cNvSpPr>
+            <a:spLocks noGrp="1"/>
+          </p:cNvSpPr>
+          <p:nvPr>
+            <p:ph type="title"/>
+          </p:nvPr>
+        </p:nvSpPr>
+        <p:spPr/>
+        <p:txBody>
+          <a:bodyPr/>
+          <a:lstStyle/>
+          <a:p>
+            <a:r>
+              <a:rPr lang="en-US" dirty="0"/>
+              <a:t>Further Potential</a:t>
+            </a:r>
+          </a:p>
+        </p:txBody>
+      </p:sp>
+      <p:sp>
+        <p:nvSpPr>
+          <p:cNvPr id="5" name="Slide Number Placeholder 4">
+            <a:extLst>
+              <a:ext uri="{FF2B5EF4-FFF2-40B4-BE49-F238E27FC236}">
+                <a16:creationId xmlns:a16="http://schemas.microsoft.com/office/drawing/2014/main" id="{DA749CD9-F80D-45C4-809A-17411F51AD70}"/>
+              </a:ext>
+            </a:extLst>
+          </p:cNvPr>
+          <p:cNvSpPr>
+            <a:spLocks noGrp="1"/>
+          </p:cNvSpPr>
+          <p:nvPr>
+            <p:ph type="sldNum" sz="quarter" idx="12"/>
+          </p:nvPr>
+        </p:nvSpPr>
+        <p:spPr/>
+        <p:txBody>
+          <a:bodyPr/>
+          <a:lstStyle/>
+          <a:p>
+            <a:fld id="{F2407EE3-A7AD-4D85-AA70-E0A9F1A7BE8D}" type="slidenum">
+              <a:rPr lang="en-US" smtClean="0"/>
+              <a:pPr/>
+              <a:t>10</a:t>
+            </a:fld>
+            <a:endParaRPr lang="en-US" dirty="0"/>
+          </a:p>
+        </p:txBody>
+      </p:sp>
+    </p:spTree>
+    <p:extLst>
+      <p:ext uri="{BB962C8B-B14F-4D97-AF65-F5344CB8AC3E}">
+        <p14:creationId xmlns:p14="http://schemas.microsoft.com/office/powerpoint/2010/main" val="2463679821"/>
       </p:ext>
     </p:extLst>
   </p:cSld>
@@ -5577,7 +5830,7 @@
           <a:p>
             <a:r>
               <a:rPr lang="en-US" dirty="0"/>
-              <a:t>Encryption and Security</a:t>
+              <a:t>Encryption Background</a:t>
             </a:r>
           </a:p>
         </p:txBody>
@@ -5636,6 +5889,630 @@
               <a:rPr lang="en-US" smtClean="0"/>
               <a:pPr/>
               <a:t>7</a:t>
+            </a:fld>
+            <a:endParaRPr lang="en-US" dirty="0"/>
+          </a:p>
+        </p:txBody>
+      </p:sp>
+      <p:grpSp>
+        <p:nvGrpSpPr>
+          <p:cNvPr id="9" name="Group 89">
+            <a:extLst>
+              <a:ext uri="{FF2B5EF4-FFF2-40B4-BE49-F238E27FC236}">
+                <a16:creationId xmlns:a16="http://schemas.microsoft.com/office/drawing/2014/main" id="{9AAB8540-99D6-4621-87B7-95380926C5F1}"/>
+              </a:ext>
+            </a:extLst>
+          </p:cNvPr>
+          <p:cNvGrpSpPr>
+            <a:grpSpLocks/>
+          </p:cNvGrpSpPr>
+          <p:nvPr/>
+        </p:nvGrpSpPr>
+        <p:grpSpPr bwMode="auto">
+          <a:xfrm>
+            <a:off x="7643747" y="320040"/>
+            <a:ext cx="1079599" cy="161925"/>
+            <a:chOff x="852" y="3385"/>
+            <a:chExt cx="906" cy="136"/>
+          </a:xfrm>
+          <a:noFill/>
+        </p:grpSpPr>
+        <p:sp>
+          <p:nvSpPr>
+            <p:cNvPr id="10" name="AutoShape 90">
+              <a:extLst>
+                <a:ext uri="{FF2B5EF4-FFF2-40B4-BE49-F238E27FC236}">
+                  <a16:creationId xmlns:a16="http://schemas.microsoft.com/office/drawing/2014/main" id="{3D1CD0CD-C939-4FB8-B4EB-A4E40426FAFD}"/>
+                </a:ext>
+              </a:extLst>
+            </p:cNvPr>
+            <p:cNvSpPr>
+              <a:spLocks noChangeArrowheads="1"/>
+            </p:cNvSpPr>
+            <p:nvPr/>
+          </p:nvSpPr>
+          <p:spPr bwMode="auto">
+            <a:xfrm>
+              <a:off x="1079" y="3385"/>
+              <a:ext cx="226" cy="136"/>
+            </a:xfrm>
+            <a:prstGeom prst="chevron">
+              <a:avLst>
+                <a:gd name="adj" fmla="val 41544"/>
+              </a:avLst>
+            </a:prstGeom>
+            <a:grpFill/>
+            <a:ln w="6350" algn="ctr">
+              <a:solidFill>
+                <a:srgbClr val="002060"/>
+              </a:solidFill>
+              <a:miter lim="800000"/>
+              <a:headEnd type="none" w="sm" len="sm"/>
+              <a:tailEnd type="none" w="med" len="lg"/>
+            </a:ln>
+          </p:spPr>
+          <p:txBody>
+            <a:bodyPr tIns="68580" bIns="68580" anchor="ctr"/>
+            <a:lstStyle/>
+            <a:p>
+              <a:pPr algn="ctr">
+                <a:defRPr/>
+              </a:pPr>
+              <a:endParaRPr lang="en-GB" sz="1214" dirty="0"/>
+            </a:p>
+          </p:txBody>
+        </p:sp>
+        <p:sp>
+          <p:nvSpPr>
+            <p:cNvPr id="11" name="AutoShape 91">
+              <a:extLst>
+                <a:ext uri="{FF2B5EF4-FFF2-40B4-BE49-F238E27FC236}">
+                  <a16:creationId xmlns:a16="http://schemas.microsoft.com/office/drawing/2014/main" id="{BC1BAAC8-2A5E-4174-AEB3-4B24F55CB27C}"/>
+                </a:ext>
+              </a:extLst>
+            </p:cNvPr>
+            <p:cNvSpPr>
+              <a:spLocks noChangeArrowheads="1"/>
+            </p:cNvSpPr>
+            <p:nvPr/>
+          </p:nvSpPr>
+          <p:spPr bwMode="auto">
+            <a:xfrm>
+              <a:off x="1306" y="3385"/>
+              <a:ext cx="225" cy="136"/>
+            </a:xfrm>
+            <a:prstGeom prst="chevron">
+              <a:avLst>
+                <a:gd name="adj" fmla="val 41544"/>
+              </a:avLst>
+            </a:prstGeom>
+            <a:solidFill>
+              <a:srgbClr val="002060"/>
+            </a:solidFill>
+            <a:ln w="6350" algn="ctr">
+              <a:solidFill>
+                <a:srgbClr val="002060"/>
+              </a:solidFill>
+              <a:miter lim="800000"/>
+              <a:headEnd type="none" w="sm" len="sm"/>
+              <a:tailEnd type="none" w="med" len="lg"/>
+            </a:ln>
+          </p:spPr>
+          <p:txBody>
+            <a:bodyPr tIns="68580" bIns="68580" anchor="ctr"/>
+            <a:lstStyle/>
+            <a:p>
+              <a:pPr algn="ctr">
+                <a:defRPr/>
+              </a:pPr>
+              <a:endParaRPr lang="en-GB" sz="1214" dirty="0"/>
+            </a:p>
+          </p:txBody>
+        </p:sp>
+        <p:sp>
+          <p:nvSpPr>
+            <p:cNvPr id="12" name="AutoShape 92">
+              <a:extLst>
+                <a:ext uri="{FF2B5EF4-FFF2-40B4-BE49-F238E27FC236}">
+                  <a16:creationId xmlns:a16="http://schemas.microsoft.com/office/drawing/2014/main" id="{1B297BDD-2831-4825-84AC-67986672A5C5}"/>
+                </a:ext>
+              </a:extLst>
+            </p:cNvPr>
+            <p:cNvSpPr>
+              <a:spLocks noChangeArrowheads="1"/>
+            </p:cNvSpPr>
+            <p:nvPr/>
+          </p:nvSpPr>
+          <p:spPr bwMode="auto">
+            <a:xfrm>
+              <a:off x="1532" y="3385"/>
+              <a:ext cx="226" cy="136"/>
+            </a:xfrm>
+            <a:prstGeom prst="chevron">
+              <a:avLst>
+                <a:gd name="adj" fmla="val 41544"/>
+              </a:avLst>
+            </a:prstGeom>
+            <a:grpFill/>
+            <a:ln w="6350" algn="ctr">
+              <a:solidFill>
+                <a:srgbClr val="002060"/>
+              </a:solidFill>
+              <a:miter lim="800000"/>
+              <a:headEnd type="none" w="sm" len="sm"/>
+              <a:tailEnd type="none" w="med" len="lg"/>
+            </a:ln>
+          </p:spPr>
+          <p:txBody>
+            <a:bodyPr tIns="68580" bIns="68580" anchor="ctr"/>
+            <a:lstStyle/>
+            <a:p>
+              <a:pPr algn="ctr">
+                <a:defRPr/>
+              </a:pPr>
+              <a:endParaRPr lang="en-GB" sz="1214" dirty="0"/>
+            </a:p>
+          </p:txBody>
+        </p:sp>
+        <p:sp>
+          <p:nvSpPr>
+            <p:cNvPr id="13" name="AutoShape 93">
+              <a:extLst>
+                <a:ext uri="{FF2B5EF4-FFF2-40B4-BE49-F238E27FC236}">
+                  <a16:creationId xmlns:a16="http://schemas.microsoft.com/office/drawing/2014/main" id="{D425663C-BCB6-4983-A05A-F2B82D24734A}"/>
+                </a:ext>
+              </a:extLst>
+            </p:cNvPr>
+            <p:cNvSpPr>
+              <a:spLocks noChangeArrowheads="1"/>
+            </p:cNvSpPr>
+            <p:nvPr/>
+          </p:nvSpPr>
+          <p:spPr bwMode="auto">
+            <a:xfrm>
+              <a:off x="852" y="3385"/>
+              <a:ext cx="227" cy="136"/>
+            </a:xfrm>
+            <a:prstGeom prst="homePlate">
+              <a:avLst>
+                <a:gd name="adj" fmla="val 41728"/>
+              </a:avLst>
+            </a:prstGeom>
+            <a:grpFill/>
+            <a:ln w="6350" algn="ctr">
+              <a:solidFill>
+                <a:srgbClr val="002060"/>
+              </a:solidFill>
+              <a:miter lim="800000"/>
+              <a:headEnd type="none" w="sm" len="sm"/>
+              <a:tailEnd type="none" w="med" len="lg"/>
+            </a:ln>
+          </p:spPr>
+          <p:txBody>
+            <a:bodyPr tIns="68580" bIns="68580" anchor="ctr"/>
+            <a:lstStyle/>
+            <a:p>
+              <a:pPr algn="ctr">
+                <a:defRPr/>
+              </a:pPr>
+              <a:endParaRPr lang="en-GB" sz="1214" dirty="0"/>
+            </a:p>
+          </p:txBody>
+        </p:sp>
+      </p:grpSp>
+      <p:sp>
+        <p:nvSpPr>
+          <p:cNvPr id="14" name="Content Placeholder 1">
+            <a:extLst>
+              <a:ext uri="{FF2B5EF4-FFF2-40B4-BE49-F238E27FC236}">
+                <a16:creationId xmlns:a16="http://schemas.microsoft.com/office/drawing/2014/main" id="{A67704ED-B3A9-304F-897E-592E0D202FB6}"/>
+              </a:ext>
+            </a:extLst>
+          </p:cNvPr>
+          <p:cNvSpPr txBox="1">
+            <a:spLocks/>
+          </p:cNvSpPr>
+          <p:nvPr/>
+        </p:nvSpPr>
+        <p:spPr>
+          <a:xfrm>
+            <a:off x="466871" y="869816"/>
+            <a:ext cx="8191794" cy="3681081"/>
+          </a:xfrm>
+          <a:prstGeom prst="rect">
+            <a:avLst/>
+          </a:prstGeom>
+        </p:spPr>
+        <p:txBody>
+          <a:bodyPr/>
+          <a:lstStyle>
+            <a:lvl1pPr marL="171450" indent="-171450" algn="l" defTabSz="685800" rtl="0" eaLnBrk="1" latinLnBrk="0" hangingPunct="1">
+              <a:lnSpc>
+                <a:spcPct val="90000"/>
+              </a:lnSpc>
+              <a:spcBef>
+                <a:spcPts val="750"/>
+              </a:spcBef>
+              <a:buClr>
+                <a:schemeClr val="accent1"/>
+              </a:buClr>
+              <a:buSzPct val="75000"/>
+              <a:buFont typeface="Wingdings" panose="05000000000000000000" pitchFamily="2" charset="2"/>
+              <a:buChar char="Ø"/>
+              <a:defRPr sz="2100" kern="1200">
+                <a:solidFill>
+                  <a:schemeClr val="tx1"/>
+                </a:solidFill>
+                <a:latin typeface="Bookman Old Style" panose="02050604050505020204" pitchFamily="18" charset="0"/>
+                <a:ea typeface="+mn-ea"/>
+                <a:cs typeface="+mn-cs"/>
+              </a:defRPr>
+            </a:lvl1pPr>
+            <a:lvl2pPr marL="514350" indent="-171450" algn="l" defTabSz="685800" rtl="0" eaLnBrk="1" latinLnBrk="0" hangingPunct="1">
+              <a:lnSpc>
+                <a:spcPct val="90000"/>
+              </a:lnSpc>
+              <a:spcBef>
+                <a:spcPts val="375"/>
+              </a:spcBef>
+              <a:buClr>
+                <a:schemeClr val="accent1"/>
+              </a:buClr>
+              <a:buSzPct val="75000"/>
+              <a:buFont typeface="Wingdings" panose="05000000000000000000" pitchFamily="2" charset="2"/>
+              <a:buChar char="Ø"/>
+              <a:defRPr sz="1800" kern="1200">
+                <a:solidFill>
+                  <a:schemeClr val="tx1"/>
+                </a:solidFill>
+                <a:latin typeface="Bookman Old Style" panose="02050604050505020204" pitchFamily="18" charset="0"/>
+                <a:ea typeface="+mn-ea"/>
+                <a:cs typeface="+mn-cs"/>
+              </a:defRPr>
+            </a:lvl2pPr>
+            <a:lvl3pPr marL="857250" indent="-171450" algn="l" defTabSz="685800" rtl="0" eaLnBrk="1" latinLnBrk="0" hangingPunct="1">
+              <a:lnSpc>
+                <a:spcPct val="90000"/>
+              </a:lnSpc>
+              <a:spcBef>
+                <a:spcPts val="375"/>
+              </a:spcBef>
+              <a:buClr>
+                <a:schemeClr val="accent1"/>
+              </a:buClr>
+              <a:buSzPct val="75000"/>
+              <a:buFont typeface="Wingdings" panose="05000000000000000000" pitchFamily="2" charset="2"/>
+              <a:buChar char="Ø"/>
+              <a:defRPr sz="1500" kern="1200">
+                <a:solidFill>
+                  <a:schemeClr val="tx1"/>
+                </a:solidFill>
+                <a:latin typeface="Bookman Old Style" panose="02050604050505020204" pitchFamily="18" charset="0"/>
+                <a:ea typeface="+mn-ea"/>
+                <a:cs typeface="+mn-cs"/>
+              </a:defRPr>
+            </a:lvl3pPr>
+            <a:lvl4pPr marL="1200150" indent="-171450" algn="l" defTabSz="685800" rtl="0" eaLnBrk="1" latinLnBrk="0" hangingPunct="1">
+              <a:lnSpc>
+                <a:spcPct val="90000"/>
+              </a:lnSpc>
+              <a:spcBef>
+                <a:spcPts val="375"/>
+              </a:spcBef>
+              <a:buClr>
+                <a:schemeClr val="accent1"/>
+              </a:buClr>
+              <a:buSzPct val="75000"/>
+              <a:buFont typeface="Wingdings" panose="05000000000000000000" pitchFamily="2" charset="2"/>
+              <a:buChar char="Ø"/>
+              <a:defRPr sz="1350" kern="1200">
+                <a:solidFill>
+                  <a:schemeClr val="tx1"/>
+                </a:solidFill>
+                <a:latin typeface="Bookman Old Style" panose="02050604050505020204" pitchFamily="18" charset="0"/>
+                <a:ea typeface="+mn-ea"/>
+                <a:cs typeface="+mn-cs"/>
+              </a:defRPr>
+            </a:lvl4pPr>
+            <a:lvl5pPr marL="1543050" indent="-171450" algn="l" defTabSz="685800" rtl="0" eaLnBrk="1" latinLnBrk="0" hangingPunct="1">
+              <a:lnSpc>
+                <a:spcPct val="90000"/>
+              </a:lnSpc>
+              <a:spcBef>
+                <a:spcPts val="375"/>
+              </a:spcBef>
+              <a:buClr>
+                <a:schemeClr val="accent1"/>
+              </a:buClr>
+              <a:buSzPct val="75000"/>
+              <a:buFont typeface="Wingdings" panose="05000000000000000000" pitchFamily="2" charset="2"/>
+              <a:buChar char="Ø"/>
+              <a:defRPr sz="1350" kern="1200">
+                <a:solidFill>
+                  <a:schemeClr val="tx1"/>
+                </a:solidFill>
+                <a:latin typeface="Bookman Old Style" panose="02050604050505020204" pitchFamily="18" charset="0"/>
+                <a:ea typeface="+mn-ea"/>
+                <a:cs typeface="+mn-cs"/>
+              </a:defRPr>
+            </a:lvl5pPr>
+            <a:lvl6pPr marL="1885950" indent="-171450" algn="l" defTabSz="685800" rtl="0" eaLnBrk="1" latinLnBrk="0" hangingPunct="1">
+              <a:lnSpc>
+                <a:spcPct val="90000"/>
+              </a:lnSpc>
+              <a:spcBef>
+                <a:spcPts val="375"/>
+              </a:spcBef>
+              <a:buFont typeface="Arial" panose="020B0604020202020204" pitchFamily="34" charset="0"/>
+              <a:buChar char="•"/>
+              <a:defRPr sz="1350" kern="1200">
+                <a:solidFill>
+                  <a:schemeClr val="tx1"/>
+                </a:solidFill>
+                <a:latin typeface="+mn-lt"/>
+                <a:ea typeface="+mn-ea"/>
+                <a:cs typeface="+mn-cs"/>
+              </a:defRPr>
+            </a:lvl6pPr>
+            <a:lvl7pPr marL="2228850" indent="-171450" algn="l" defTabSz="685800" rtl="0" eaLnBrk="1" latinLnBrk="0" hangingPunct="1">
+              <a:lnSpc>
+                <a:spcPct val="90000"/>
+              </a:lnSpc>
+              <a:spcBef>
+                <a:spcPts val="375"/>
+              </a:spcBef>
+              <a:buFont typeface="Arial" panose="020B0604020202020204" pitchFamily="34" charset="0"/>
+              <a:buChar char="•"/>
+              <a:defRPr sz="1350" kern="1200">
+                <a:solidFill>
+                  <a:schemeClr val="tx1"/>
+                </a:solidFill>
+                <a:latin typeface="+mn-lt"/>
+                <a:ea typeface="+mn-ea"/>
+                <a:cs typeface="+mn-cs"/>
+              </a:defRPr>
+            </a:lvl7pPr>
+            <a:lvl8pPr marL="2571750" indent="-171450" algn="l" defTabSz="685800" rtl="0" eaLnBrk="1" latinLnBrk="0" hangingPunct="1">
+              <a:lnSpc>
+                <a:spcPct val="90000"/>
+              </a:lnSpc>
+              <a:spcBef>
+                <a:spcPts val="375"/>
+              </a:spcBef>
+              <a:buFont typeface="Arial" panose="020B0604020202020204" pitchFamily="34" charset="0"/>
+              <a:buChar char="•"/>
+              <a:defRPr sz="1350" kern="1200">
+                <a:solidFill>
+                  <a:schemeClr val="tx1"/>
+                </a:solidFill>
+                <a:latin typeface="+mn-lt"/>
+                <a:ea typeface="+mn-ea"/>
+                <a:cs typeface="+mn-cs"/>
+              </a:defRPr>
+            </a:lvl8pPr>
+            <a:lvl9pPr marL="2914650" indent="-171450" algn="l" defTabSz="685800" rtl="0" eaLnBrk="1" latinLnBrk="0" hangingPunct="1">
+              <a:lnSpc>
+                <a:spcPct val="90000"/>
+              </a:lnSpc>
+              <a:spcBef>
+                <a:spcPts val="375"/>
+              </a:spcBef>
+              <a:buFont typeface="Arial" panose="020B0604020202020204" pitchFamily="34" charset="0"/>
+              <a:buChar char="•"/>
+              <a:defRPr sz="1350" kern="1200">
+                <a:solidFill>
+                  <a:schemeClr val="tx1"/>
+                </a:solidFill>
+                <a:latin typeface="+mn-lt"/>
+                <a:ea typeface="+mn-ea"/>
+                <a:cs typeface="+mn-cs"/>
+              </a:defRPr>
+            </a:lvl9pPr>
+          </a:lstStyle>
+          <a:p>
+            <a:r>
+              <a:rPr lang="en-US" dirty="0"/>
+              <a:t>Symmetric-Key Encryption (e.g. AES)</a:t>
+            </a:r>
+          </a:p>
+          <a:p>
+            <a:pPr lvl="1"/>
+            <a:r>
+              <a:rPr lang="en-US" dirty="0"/>
+              <a:t>Reversible</a:t>
+            </a:r>
+          </a:p>
+          <a:p>
+            <a:pPr lvl="1"/>
+            <a:r>
+              <a:rPr lang="en-US" dirty="0"/>
+              <a:t>Useless in case of hacked DB</a:t>
+            </a:r>
+          </a:p>
+          <a:p>
+            <a:r>
+              <a:rPr lang="en-US" dirty="0"/>
+              <a:t>Hash function (e.g. RSA, Blowfish)</a:t>
+            </a:r>
+          </a:p>
+          <a:p>
+            <a:pPr lvl="1"/>
+            <a:r>
+              <a:rPr lang="en-US" dirty="0"/>
+              <a:t>Irreversible</a:t>
+            </a:r>
+          </a:p>
+          <a:p>
+            <a:pPr lvl="1"/>
+            <a:r>
+              <a:rPr lang="en-US" dirty="0"/>
+              <a:t>Reduce effectivity of brute force attacks</a:t>
+            </a:r>
+          </a:p>
+          <a:p>
+            <a:pPr lvl="2"/>
+            <a:r>
+              <a:rPr lang="en-US" dirty="0"/>
+              <a:t>Blowfish &gt; RSA:</a:t>
+            </a:r>
+          </a:p>
+          <a:p>
+            <a:pPr lvl="2"/>
+            <a:r>
+              <a:rPr lang="en-US" dirty="0"/>
+              <a:t>Add salt to protect against Rainbow Tables (pre-computed hashes)</a:t>
+            </a:r>
+          </a:p>
+          <a:p>
+            <a:pPr lvl="1"/>
+            <a:r>
+              <a:rPr lang="en-US" dirty="0" err="1"/>
+              <a:t>Bcrypt</a:t>
+            </a:r>
+            <a:endParaRPr lang="en-US" dirty="0"/>
+          </a:p>
+          <a:p>
+            <a:pPr lvl="2"/>
+            <a:r>
+              <a:rPr lang="en-US" dirty="0"/>
+              <a:t>Easy Blowfish package for C#</a:t>
+            </a:r>
+          </a:p>
+          <a:p>
+            <a:pPr lvl="2"/>
+            <a:r>
+              <a:rPr lang="en-US" dirty="0"/>
+              <a:t>Obtained with </a:t>
+            </a:r>
+            <a:r>
+              <a:rPr lang="en-US" dirty="0" err="1"/>
+              <a:t>Nuget</a:t>
+            </a:r>
+            <a:endParaRPr lang="en-US" dirty="0"/>
+          </a:p>
+          <a:p>
+            <a:endParaRPr lang="en-US" dirty="0"/>
+          </a:p>
+          <a:p>
+            <a:endParaRPr lang="en-US" dirty="0"/>
+          </a:p>
+          <a:p>
+            <a:endParaRPr lang="en-US" dirty="0"/>
+          </a:p>
+        </p:txBody>
+      </p:sp>
+    </p:spTree>
+    <p:extLst>
+      <p:ext uri="{BB962C8B-B14F-4D97-AF65-F5344CB8AC3E}">
+        <p14:creationId xmlns:p14="http://schemas.microsoft.com/office/powerpoint/2010/main" val="604335824"/>
+      </p:ext>
+    </p:extLst>
+  </p:cSld>
+  <p:clrMapOvr>
+    <a:masterClrMapping/>
+  </p:clrMapOvr>
+</p:sld>
+</file>
+
+<file path=ppt/slides/slide8.xml><?xml version="1.0" encoding="utf-8"?>
+<p:sld xmlns:a="http://schemas.openxmlformats.org/drawingml/2006/main" xmlns:r="http://schemas.openxmlformats.org/officeDocument/2006/relationships" xmlns:p="http://schemas.openxmlformats.org/presentationml/2006/main">
+  <p:cSld>
+    <p:spTree>
+      <p:nvGrpSpPr>
+        <p:cNvPr id="1" name=""/>
+        <p:cNvGrpSpPr/>
+        <p:nvPr/>
+      </p:nvGrpSpPr>
+      <p:grpSpPr>
+        <a:xfrm>
+          <a:off x="0" y="0"/>
+          <a:ext cx="0" cy="0"/>
+          <a:chOff x="0" y="0"/>
+          <a:chExt cx="0" cy="0"/>
+        </a:xfrm>
+      </p:grpSpPr>
+      <p:sp>
+        <p:nvSpPr>
+          <p:cNvPr id="2" name="Title 1">
+            <a:extLst>
+              <a:ext uri="{FF2B5EF4-FFF2-40B4-BE49-F238E27FC236}">
+                <a16:creationId xmlns:a16="http://schemas.microsoft.com/office/drawing/2014/main" id="{1FCF6AF3-246A-4F13-8443-D49318F9DCFF}"/>
+              </a:ext>
+            </a:extLst>
+          </p:cNvPr>
+          <p:cNvSpPr>
+            <a:spLocks noGrp="1"/>
+          </p:cNvSpPr>
+          <p:nvPr>
+            <p:ph type="title"/>
+          </p:nvPr>
+        </p:nvSpPr>
+        <p:spPr/>
+        <p:txBody>
+          <a:bodyPr/>
+          <a:lstStyle/>
+          <a:p>
+            <a:r>
+              <a:rPr lang="en-US" dirty="0"/>
+              <a:t>Encryption and Security</a:t>
+            </a:r>
+          </a:p>
+        </p:txBody>
+      </p:sp>
+      <p:sp>
+        <p:nvSpPr>
+          <p:cNvPr id="3" name="Footer Placeholder 2">
+            <a:extLst>
+              <a:ext uri="{FF2B5EF4-FFF2-40B4-BE49-F238E27FC236}">
+                <a16:creationId xmlns:a16="http://schemas.microsoft.com/office/drawing/2014/main" id="{FD8FD9DE-CB48-445C-98E2-07AF2BEDE0C7}"/>
+              </a:ext>
+            </a:extLst>
+          </p:cNvPr>
+          <p:cNvSpPr>
+            <a:spLocks noGrp="1"/>
+          </p:cNvSpPr>
+          <p:nvPr>
+            <p:ph type="ftr" sz="quarter" idx="11"/>
+          </p:nvPr>
+        </p:nvSpPr>
+        <p:spPr/>
+        <p:txBody>
+          <a:bodyPr/>
+          <a:lstStyle/>
+          <a:p>
+            <a:r>
+              <a:rPr lang="en-US"/>
+              <a:t>Group Four</a:t>
+            </a:r>
+            <a:endParaRPr lang="en-US" dirty="0"/>
+          </a:p>
+        </p:txBody>
+      </p:sp>
+      <p:sp>
+        <p:nvSpPr>
+          <p:cNvPr id="4" name="Slide Number Placeholder 3">
+            <a:extLst>
+              <a:ext uri="{FF2B5EF4-FFF2-40B4-BE49-F238E27FC236}">
+                <a16:creationId xmlns:a16="http://schemas.microsoft.com/office/drawing/2014/main" id="{D76721C2-2871-4903-9301-C1F600207BCA}"/>
+              </a:ext>
+            </a:extLst>
+          </p:cNvPr>
+          <p:cNvSpPr>
+            <a:spLocks noGrp="1"/>
+          </p:cNvSpPr>
+          <p:nvPr>
+            <p:ph type="sldNum" sz="quarter" idx="12"/>
+          </p:nvPr>
+        </p:nvSpPr>
+        <p:spPr/>
+        <p:txBody>
+          <a:bodyPr/>
+          <a:lstStyle/>
+          <a:p>
+            <a:fld id="{F2407EE3-A7AD-4D85-AA70-E0A9F1A7BE8D}" type="slidenum">
+              <a:rPr lang="en-US" smtClean="0"/>
+              <a:pPr/>
+              <a:t>8</a:t>
             </a:fld>
             <a:endParaRPr lang="en-US" dirty="0"/>
           </a:p>
@@ -6283,7 +7160,7 @@
             </a:pPr>
             <a:r>
               <a:rPr lang="en-US" sz="1400" dirty="0"/>
-              <a:t>Client inserts PIN</a:t>
+              <a:t>User inserts PIN</a:t>
             </a:r>
           </a:p>
           <a:p>
@@ -6293,13 +7170,18 @@
             </a:pPr>
             <a:r>
               <a:rPr lang="en-US" sz="1400" dirty="0"/>
-              <a:t>Client hashes the PIN and sends the (what algorithm?) code to the </a:t>
-            </a:r>
-            <a:r>
-              <a:rPr lang="en-US" sz="1400"/>
-              <a:t>ATM server </a:t>
-            </a:r>
-            <a:endParaRPr lang="en-US" sz="1400" dirty="0"/>
+              <a:t>Client hashes the PIN using Blowfish algorithm (with salt)</a:t>
+            </a:r>
+          </a:p>
+          <a:p>
+            <a:pPr>
+              <a:buFont typeface="Arial" panose="020B0604020202020204" pitchFamily="34" charset="0"/>
+              <a:buChar char="•"/>
+            </a:pPr>
+            <a:r>
+              <a:rPr lang="en-US" sz="1400" dirty="0"/>
+              <a:t>Client sends [Hashed PIN + salt] to server</a:t>
+            </a:r>
           </a:p>
           <a:p>
             <a:pPr>
@@ -6538,13 +7420,32 @@
               <a:buFont typeface="Arial" panose="020B0604020202020204" pitchFamily="34" charset="0"/>
               <a:buChar char="•"/>
             </a:pPr>
+            <a:endParaRPr lang="en-US" sz="1400" dirty="0">
+              <a:solidFill>
+                <a:schemeClr val="bg1"/>
+              </a:solidFill>
+            </a:endParaRPr>
+          </a:p>
+          <a:p>
+            <a:pPr>
+              <a:buFont typeface="Arial" panose="020B0604020202020204" pitchFamily="34" charset="0"/>
+              <a:buChar char="•"/>
+            </a:pPr>
+            <a:r>
+              <a:rPr lang="en-US" sz="1400" b="1" dirty="0">
+                <a:solidFill>
+                  <a:schemeClr val="bg1"/>
+                </a:solidFill>
+              </a:rPr>
+              <a:t>Signup: </a:t>
+            </a:r>
             <a:r>
               <a:rPr lang="en-US" sz="1400" dirty="0">
                 <a:solidFill>
                   <a:schemeClr val="bg1"/>
                 </a:solidFill>
               </a:rPr>
-              <a:t>The server has a copy of the Hash of the User’s PIN</a:t>
+              <a:t>Server stores [Hashed PIN + salt] in database.</a:t>
             </a:r>
           </a:p>
           <a:p>
@@ -6552,14 +7453,27 @@
               <a:buFont typeface="Arial" panose="020B0604020202020204" pitchFamily="34" charset="0"/>
               <a:buChar char="•"/>
             </a:pPr>
+            <a:r>
+              <a:rPr lang="en-US" sz="1400" b="1" dirty="0">
+                <a:solidFill>
+                  <a:schemeClr val="bg1"/>
+                </a:solidFill>
+              </a:rPr>
+              <a:t>Login:</a:t>
+            </a:r>
             <a:r>
               <a:rPr lang="en-US" sz="1400" dirty="0">
                 <a:solidFill>
                   <a:schemeClr val="bg1"/>
                 </a:solidFill>
               </a:rPr>
-              <a:t>The server compares the incoming hash from the client and the stored hash. </a:t>
-            </a:r>
+              <a:t> Server verifies Hashed PIN against value in database.</a:t>
+            </a:r>
+            <a:endParaRPr lang="en-US" sz="1400" b="1" dirty="0">
+              <a:solidFill>
+                <a:schemeClr val="bg1"/>
+              </a:solidFill>
+            </a:endParaRPr>
           </a:p>
           <a:p>
             <a:pPr marL="0" indent="0">
@@ -6802,7 +7716,7 @@
 </p:sld>
 </file>
 
-<file path=ppt/slides/slide8.xml><?xml version="1.0" encoding="utf-8"?>
+<file path=ppt/slides/slide9.xml><?xml version="1.0" encoding="utf-8"?>
 <p:sld xmlns:a="http://schemas.openxmlformats.org/drawingml/2006/main" xmlns:r="http://schemas.openxmlformats.org/officeDocument/2006/relationships" xmlns:p="http://schemas.openxmlformats.org/presentationml/2006/main">
   <p:cSld>
     <p:spTree>
@@ -6925,7 +7839,7 @@
             <a:fld id="{F2407EE3-A7AD-4D85-AA70-E0A9F1A7BE8D}" type="slidenum">
               <a:rPr lang="en-US" smtClean="0"/>
               <a:pPr/>
-              <a:t>8</a:t>
+              <a:t>9</a:t>
             </a:fld>
             <a:endParaRPr lang="en-US" dirty="0"/>
           </a:p>
@@ -7141,153 +8055,6 @@
     <p:extLst>
       <p:ext uri="{BB962C8B-B14F-4D97-AF65-F5344CB8AC3E}">
         <p14:creationId xmlns:p14="http://schemas.microsoft.com/office/powerpoint/2010/main" val="83139327"/>
-      </p:ext>
-    </p:extLst>
-  </p:cSld>
-  <p:clrMapOvr>
-    <a:masterClrMapping/>
-  </p:clrMapOvr>
-</p:sld>
-</file>
-
-<file path=ppt/slides/slide9.xml><?xml version="1.0" encoding="utf-8"?>
-<p:sld xmlns:a="http://schemas.openxmlformats.org/drawingml/2006/main" xmlns:r="http://schemas.openxmlformats.org/officeDocument/2006/relationships" xmlns:p="http://schemas.openxmlformats.org/presentationml/2006/main">
-  <p:cSld>
-    <p:spTree>
-      <p:nvGrpSpPr>
-        <p:cNvPr id="1" name=""/>
-        <p:cNvGrpSpPr/>
-        <p:nvPr/>
-      </p:nvGrpSpPr>
-      <p:grpSpPr>
-        <a:xfrm>
-          <a:off x="0" y="0"/>
-          <a:ext cx="0" cy="0"/>
-          <a:chOff x="0" y="0"/>
-          <a:chExt cx="0" cy="0"/>
-        </a:xfrm>
-      </p:grpSpPr>
-      <p:sp>
-        <p:nvSpPr>
-          <p:cNvPr id="2" name="Content Placeholder 1">
-            <a:extLst>
-              <a:ext uri="{FF2B5EF4-FFF2-40B4-BE49-F238E27FC236}">
-                <a16:creationId xmlns:a16="http://schemas.microsoft.com/office/drawing/2014/main" id="{447C9CBA-ADD4-4F09-AAA3-8564CBF6FF37}"/>
-              </a:ext>
-            </a:extLst>
-          </p:cNvPr>
-          <p:cNvSpPr>
-            <a:spLocks noGrp="1"/>
-          </p:cNvSpPr>
-          <p:nvPr>
-            <p:ph idx="1"/>
-          </p:nvPr>
-        </p:nvSpPr>
-        <p:spPr>
-          <a:xfrm>
-            <a:off x="466871" y="869816"/>
-            <a:ext cx="4062599" cy="3681081"/>
-          </a:xfrm>
-        </p:spPr>
-        <p:txBody>
-          <a:bodyPr/>
-          <a:lstStyle/>
-          <a:p>
-            <a:endParaRPr lang="en-US" dirty="0"/>
-          </a:p>
-        </p:txBody>
-      </p:sp>
-      <p:sp>
-        <p:nvSpPr>
-          <p:cNvPr id="3" name="Footer Placeholder 2">
-            <a:extLst>
-              <a:ext uri="{FF2B5EF4-FFF2-40B4-BE49-F238E27FC236}">
-                <a16:creationId xmlns:a16="http://schemas.microsoft.com/office/drawing/2014/main" id="{41D8ADAE-A647-46D7-AB6E-418F9ECC2173}"/>
-              </a:ext>
-            </a:extLst>
-          </p:cNvPr>
-          <p:cNvSpPr>
-            <a:spLocks noGrp="1"/>
-          </p:cNvSpPr>
-          <p:nvPr>
-            <p:ph type="ftr" sz="quarter" idx="11"/>
-          </p:nvPr>
-        </p:nvSpPr>
-        <p:spPr/>
-        <p:txBody>
-          <a:bodyPr/>
-          <a:lstStyle/>
-          <a:p>
-            <a:r>
-              <a:rPr lang="en-US"/>
-              <a:t>Group Four</a:t>
-            </a:r>
-            <a:endParaRPr lang="en-US" dirty="0"/>
-          </a:p>
-        </p:txBody>
-      </p:sp>
-      <p:sp>
-        <p:nvSpPr>
-          <p:cNvPr id="4" name="Title 3">
-            <a:extLst>
-              <a:ext uri="{FF2B5EF4-FFF2-40B4-BE49-F238E27FC236}">
-                <a16:creationId xmlns:a16="http://schemas.microsoft.com/office/drawing/2014/main" id="{2B7F0B7C-3F12-4563-AD80-493B98D62443}"/>
-              </a:ext>
-            </a:extLst>
-          </p:cNvPr>
-          <p:cNvSpPr>
-            <a:spLocks noGrp="1"/>
-          </p:cNvSpPr>
-          <p:nvPr>
-            <p:ph type="title"/>
-          </p:nvPr>
-        </p:nvSpPr>
-        <p:spPr/>
-        <p:txBody>
-          <a:bodyPr/>
-          <a:lstStyle/>
-          <a:p>
-            <a:r>
-              <a:rPr lang="en-US" dirty="0"/>
-              <a:t>Further Potential</a:t>
-            </a:r>
-          </a:p>
-        </p:txBody>
-      </p:sp>
-      <p:sp>
-        <p:nvSpPr>
-          <p:cNvPr id="5" name="Slide Number Placeholder 4">
-            <a:extLst>
-              <a:ext uri="{FF2B5EF4-FFF2-40B4-BE49-F238E27FC236}">
-                <a16:creationId xmlns:a16="http://schemas.microsoft.com/office/drawing/2014/main" id="{DA749CD9-F80D-45C4-809A-17411F51AD70}"/>
-              </a:ext>
-            </a:extLst>
-          </p:cNvPr>
-          <p:cNvSpPr>
-            <a:spLocks noGrp="1"/>
-          </p:cNvSpPr>
-          <p:nvPr>
-            <p:ph type="sldNum" sz="quarter" idx="12"/>
-          </p:nvPr>
-        </p:nvSpPr>
-        <p:spPr/>
-        <p:txBody>
-          <a:bodyPr/>
-          <a:lstStyle/>
-          <a:p>
-            <a:fld id="{F2407EE3-A7AD-4D85-AA70-E0A9F1A7BE8D}" type="slidenum">
-              <a:rPr lang="en-US" smtClean="0"/>
-              <a:pPr/>
-              <a:t>9</a:t>
-            </a:fld>
-            <a:endParaRPr lang="en-US" dirty="0"/>
-          </a:p>
-        </p:txBody>
-      </p:sp>
-    </p:spTree>
-    <p:extLst>
-      <p:ext uri="{BB962C8B-B14F-4D97-AF65-F5344CB8AC3E}">
-        <p14:creationId xmlns:p14="http://schemas.microsoft.com/office/powerpoint/2010/main" val="2463679821"/>
       </p:ext>
     </p:extLst>
   </p:cSld>

--- a/C# Project.pptx
+++ b/C# Project.pptx
@@ -1923,7 +1923,7 @@
           </a:ln>
           <a:extLst>
             <a:ext uri="{C572A759-6A51-4108-AA02-DFA0A04FC94B}">
-              <ma14:wrappingTextBoxFlag xmlns:ma14="http://schemas.microsoft.com/office/mac/drawingml/2011/main" xmlns="" val="1"/>
+              <ma14:wrappingTextBoxFlag xmlns="" xmlns:ma14="http://schemas.microsoft.com/office/mac/drawingml/2011/main" val="1"/>
             </a:ext>
           </a:extLst>
         </p:spPr>
@@ -1969,7 +1969,7 @@
           </a:ln>
           <a:extLst>
             <a:ext uri="{C572A759-6A51-4108-AA02-DFA0A04FC94B}">
-              <ma14:wrappingTextBoxFlag xmlns:ma14="http://schemas.microsoft.com/office/mac/drawingml/2011/main" xmlns="" val="1"/>
+              <ma14:wrappingTextBoxFlag xmlns="" xmlns:ma14="http://schemas.microsoft.com/office/mac/drawingml/2011/main" val="1"/>
             </a:ext>
           </a:extLst>
         </p:spPr>
@@ -6353,8 +6353,13 @@
             <a:pPr lvl="2"/>
             <a:r>
               <a:rPr lang="en-US" dirty="0"/>
-              <a:t>Blowfish &gt; RSA:</a:t>
-            </a:r>
+              <a:t>Blowfish </a:t>
+            </a:r>
+            <a:r>
+              <a:rPr lang="en-US"/>
+              <a:t>is slower than RSA (this is good)</a:t>
+            </a:r>
+            <a:endParaRPr lang="en-US" dirty="0"/>
           </a:p>
           <a:p>
             <a:pPr lvl="2"/>
